--- a/Entrega final.pptx
+++ b/Entrega final.pptx
@@ -2,18 +2,19 @@
 <file path=ppt/presentation.xml><?xml version="1.0" encoding="utf-8"?>
 <p:presentation xmlns:a="http://schemas.openxmlformats.org/drawingml/2006/main" xmlns:r="http://schemas.openxmlformats.org/officeDocument/2006/relationships" xmlns:p="http://schemas.openxmlformats.org/presentationml/2006/main" saveSubsetFonts="1">
   <p:sldMasterIdLst>
-    <p:sldMasterId id="2147483648" r:id="rId1"/>
+    <p:sldMasterId id="2147483660" r:id="rId1"/>
   </p:sldMasterIdLst>
   <p:sldIdLst>
     <p:sldId id="256" r:id="rId2"/>
+    <p:sldId id="257" r:id="rId3"/>
   </p:sldIdLst>
   <p:sldSz cx="12192000" cy="6858000"/>
   <p:notesSz cx="6858000" cy="9144000"/>
   <p:defaultTextStyle>
     <a:defPPr>
-      <a:defRPr lang="es-MX"/>
+      <a:defRPr lang="en-US"/>
     </a:defPPr>
-    <a:lvl1pPr marL="0" algn="l" defTabSz="914400" rtl="0" eaLnBrk="1" latinLnBrk="0" hangingPunct="1">
+    <a:lvl1pPr marL="0" algn="l" defTabSz="457200" rtl="0" eaLnBrk="1" latinLnBrk="0" hangingPunct="1">
       <a:defRPr sz="1800" kern="1200">
         <a:solidFill>
           <a:schemeClr val="tx1"/>
@@ -23,7 +24,7 @@
         <a:cs typeface="+mn-cs"/>
       </a:defRPr>
     </a:lvl1pPr>
-    <a:lvl2pPr marL="457200" algn="l" defTabSz="914400" rtl="0" eaLnBrk="1" latinLnBrk="0" hangingPunct="1">
+    <a:lvl2pPr marL="457200" algn="l" defTabSz="457200" rtl="0" eaLnBrk="1" latinLnBrk="0" hangingPunct="1">
       <a:defRPr sz="1800" kern="1200">
         <a:solidFill>
           <a:schemeClr val="tx1"/>
@@ -33,7 +34,7 @@
         <a:cs typeface="+mn-cs"/>
       </a:defRPr>
     </a:lvl2pPr>
-    <a:lvl3pPr marL="914400" algn="l" defTabSz="914400" rtl="0" eaLnBrk="1" latinLnBrk="0" hangingPunct="1">
+    <a:lvl3pPr marL="914400" algn="l" defTabSz="457200" rtl="0" eaLnBrk="1" latinLnBrk="0" hangingPunct="1">
       <a:defRPr sz="1800" kern="1200">
         <a:solidFill>
           <a:schemeClr val="tx1"/>
@@ -43,7 +44,7 @@
         <a:cs typeface="+mn-cs"/>
       </a:defRPr>
     </a:lvl3pPr>
-    <a:lvl4pPr marL="1371600" algn="l" defTabSz="914400" rtl="0" eaLnBrk="1" latinLnBrk="0" hangingPunct="1">
+    <a:lvl4pPr marL="1371600" algn="l" defTabSz="457200" rtl="0" eaLnBrk="1" latinLnBrk="0" hangingPunct="1">
       <a:defRPr sz="1800" kern="1200">
         <a:solidFill>
           <a:schemeClr val="tx1"/>
@@ -53,7 +54,7 @@
         <a:cs typeface="+mn-cs"/>
       </a:defRPr>
     </a:lvl4pPr>
-    <a:lvl5pPr marL="1828800" algn="l" defTabSz="914400" rtl="0" eaLnBrk="1" latinLnBrk="0" hangingPunct="1">
+    <a:lvl5pPr marL="1828800" algn="l" defTabSz="457200" rtl="0" eaLnBrk="1" latinLnBrk="0" hangingPunct="1">
       <a:defRPr sz="1800" kern="1200">
         <a:solidFill>
           <a:schemeClr val="tx1"/>
@@ -63,7 +64,7 @@
         <a:cs typeface="+mn-cs"/>
       </a:defRPr>
     </a:lvl5pPr>
-    <a:lvl6pPr marL="2286000" algn="l" defTabSz="914400" rtl="0" eaLnBrk="1" latinLnBrk="0" hangingPunct="1">
+    <a:lvl6pPr marL="2286000" algn="l" defTabSz="457200" rtl="0" eaLnBrk="1" latinLnBrk="0" hangingPunct="1">
       <a:defRPr sz="1800" kern="1200">
         <a:solidFill>
           <a:schemeClr val="tx1"/>
@@ -73,7 +74,7 @@
         <a:cs typeface="+mn-cs"/>
       </a:defRPr>
     </a:lvl6pPr>
-    <a:lvl7pPr marL="2743200" algn="l" defTabSz="914400" rtl="0" eaLnBrk="1" latinLnBrk="0" hangingPunct="1">
+    <a:lvl7pPr marL="2743200" algn="l" defTabSz="457200" rtl="0" eaLnBrk="1" latinLnBrk="0" hangingPunct="1">
       <a:defRPr sz="1800" kern="1200">
         <a:solidFill>
           <a:schemeClr val="tx1"/>
@@ -83,7 +84,7 @@
         <a:cs typeface="+mn-cs"/>
       </a:defRPr>
     </a:lvl7pPr>
-    <a:lvl8pPr marL="3200400" algn="l" defTabSz="914400" rtl="0" eaLnBrk="1" latinLnBrk="0" hangingPunct="1">
+    <a:lvl8pPr marL="3200400" algn="l" defTabSz="457200" rtl="0" eaLnBrk="1" latinLnBrk="0" hangingPunct="1">
       <a:defRPr sz="1800" kern="1200">
         <a:solidFill>
           <a:schemeClr val="tx1"/>
@@ -93,7 +94,7 @@
         <a:cs typeface="+mn-cs"/>
       </a:defRPr>
     </a:lvl8pPr>
-    <a:lvl9pPr marL="3657600" algn="l" defTabSz="914400" rtl="0" eaLnBrk="1" latinLnBrk="0" hangingPunct="1">
+    <a:lvl9pPr marL="3657600" algn="l" defTabSz="457200" rtl="0" eaLnBrk="1" latinLnBrk="0" hangingPunct="1">
       <a:defRPr sz="1800" kern="1200">
         <a:solidFill>
           <a:schemeClr val="tx1"/>
@@ -104,11 +105,16 @@
       </a:defRPr>
     </a:lvl9pPr>
   </p:defaultTextStyle>
+  <p:extLst>
+    <p:ext uri="{EFAFB233-063F-42B5-8137-9DF3F51BA10A}">
+      <p15:sldGuideLst xmlns:p15="http://schemas.microsoft.com/office/powerpoint/2012/main"/>
+    </p:ext>
+  </p:extLst>
 </p:presentation>
 </file>
 
 <file path=ppt/slideLayouts/slideLayout1.xml><?xml version="1.0" encoding="utf-8"?>
-<p:sldLayout xmlns:a="http://schemas.openxmlformats.org/drawingml/2006/main" xmlns:r="http://schemas.openxmlformats.org/officeDocument/2006/relationships" xmlns:p="http://schemas.openxmlformats.org/presentationml/2006/main" type="title" preserve="1">
+<p:sldLayout xmlns:a="http://schemas.openxmlformats.org/drawingml/2006/main" xmlns:r="http://schemas.openxmlformats.org/officeDocument/2006/relationships" xmlns:p="http://schemas.openxmlformats.org/presentationml/2006/main" showMasterSp="0" type="title" preserve="1">
   <p:cSld name="Diapositiva de título">
     <p:spTree>
       <p:nvGrpSpPr>
@@ -126,13 +132,83 @@
       </p:grpSpPr>
       <p:sp>
         <p:nvSpPr>
-          <p:cNvPr id="2" name="Título 1">
-            <a:extLst>
-              <a:ext uri="{FF2B5EF4-FFF2-40B4-BE49-F238E27FC236}">
-                <a16:creationId xmlns:a16="http://schemas.microsoft.com/office/drawing/2014/main" id="{B8022F16-353A-41E6-9935-838C458CB4FC}"/>
-              </a:ext>
-            </a:extLst>
-          </p:cNvPr>
+          <p:cNvPr id="7" name="Rectangle 6"/>
+          <p:cNvSpPr/>
+          <p:nvPr/>
+        </p:nvSpPr>
+        <p:spPr>
+          <a:xfrm>
+            <a:off x="3175" y="6400800"/>
+            <a:ext cx="12188825" cy="457200"/>
+          </a:xfrm>
+          <a:prstGeom prst="rect">
+            <a:avLst/>
+          </a:prstGeom>
+          <a:solidFill>
+            <a:schemeClr val="accent2"/>
+          </a:solidFill>
+          <a:ln>
+            <a:noFill/>
+          </a:ln>
+        </p:spPr>
+        <p:style>
+          <a:lnRef idx="2">
+            <a:schemeClr val="accent1">
+              <a:shade val="50000"/>
+            </a:schemeClr>
+          </a:lnRef>
+          <a:fillRef idx="1">
+            <a:schemeClr val="accent1"/>
+          </a:fillRef>
+          <a:effectRef idx="0">
+            <a:schemeClr val="accent1"/>
+          </a:effectRef>
+          <a:fontRef idx="minor">
+            <a:schemeClr val="lt1"/>
+          </a:fontRef>
+        </p:style>
+      </p:sp>
+      <p:sp>
+        <p:nvSpPr>
+          <p:cNvPr id="8" name="Rectangle 7"/>
+          <p:cNvSpPr/>
+          <p:nvPr/>
+        </p:nvSpPr>
+        <p:spPr>
+          <a:xfrm>
+            <a:off x="15" y="6334316"/>
+            <a:ext cx="12188825" cy="64008"/>
+          </a:xfrm>
+          <a:prstGeom prst="rect">
+            <a:avLst/>
+          </a:prstGeom>
+          <a:solidFill>
+            <a:schemeClr val="accent1"/>
+          </a:solidFill>
+          <a:ln>
+            <a:noFill/>
+          </a:ln>
+        </p:spPr>
+        <p:style>
+          <a:lnRef idx="2">
+            <a:schemeClr val="accent1">
+              <a:shade val="50000"/>
+            </a:schemeClr>
+          </a:lnRef>
+          <a:fillRef idx="1">
+            <a:schemeClr val="accent1"/>
+          </a:fillRef>
+          <a:effectRef idx="0">
+            <a:schemeClr val="accent1"/>
+          </a:effectRef>
+          <a:fontRef idx="minor">
+            <a:schemeClr val="lt1"/>
+          </a:fontRef>
+        </p:style>
+      </p:sp>
+      <p:sp>
+        <p:nvSpPr>
+          <p:cNvPr id="2" name="Title 1"/>
           <p:cNvSpPr>
             <a:spLocks noGrp="1"/>
           </p:cNvSpPr>
@@ -142,15 +218,27 @@
         </p:nvSpPr>
         <p:spPr>
           <a:xfrm>
-            <a:off x="1524000" y="1122363"/>
-            <a:ext cx="9144000" cy="2387600"/>
-          </a:xfrm>
-        </p:spPr>
-        <p:txBody>
-          <a:bodyPr anchor="b"/>
+            <a:off x="1097280" y="758952"/>
+            <a:ext cx="10058400" cy="3566160"/>
+          </a:xfrm>
+        </p:spPr>
+        <p:txBody>
+          <a:bodyPr anchor="b">
+            <a:normAutofit/>
+          </a:bodyPr>
           <a:lstStyle>
-            <a:lvl1pPr algn="ctr">
-              <a:defRPr sz="6000"/>
+            <a:lvl1pPr algn="l">
+              <a:lnSpc>
+                <a:spcPct val="85000"/>
+              </a:lnSpc>
+              <a:defRPr sz="8000" spc="-50" baseline="0">
+                <a:solidFill>
+                  <a:schemeClr val="tx1">
+                    <a:lumMod val="85000"/>
+                    <a:lumOff val="15000"/>
+                  </a:schemeClr>
+                </a:solidFill>
+              </a:defRPr>
             </a:lvl1pPr>
           </a:lstStyle>
           <a:p>
@@ -158,19 +246,13 @@
               <a:rPr lang="es-ES"/>
               <a:t>Haga clic para modificar el estilo de título del patrón</a:t>
             </a:r>
-            <a:endParaRPr lang="es-MX"/>
-          </a:p>
-        </p:txBody>
-      </p:sp>
-      <p:sp>
-        <p:nvSpPr>
-          <p:cNvPr id="3" name="Subtítulo 2">
-            <a:extLst>
-              <a:ext uri="{FF2B5EF4-FFF2-40B4-BE49-F238E27FC236}">
-                <a16:creationId xmlns:a16="http://schemas.microsoft.com/office/drawing/2014/main" id="{D0020704-FFCB-4F5D-8B52-9C6646416BE2}"/>
-              </a:ext>
-            </a:extLst>
-          </p:cNvPr>
+            <a:endParaRPr lang="en-US" dirty="0"/>
+          </a:p>
+        </p:txBody>
+      </p:sp>
+      <p:sp>
+        <p:nvSpPr>
+          <p:cNvPr id="3" name="Subtitle 2"/>
           <p:cNvSpPr>
             <a:spLocks noGrp="1"/>
           </p:cNvSpPr>
@@ -180,48 +262,55 @@
         </p:nvSpPr>
         <p:spPr>
           <a:xfrm>
-            <a:off x="1524000" y="3602038"/>
-            <a:ext cx="9144000" cy="1655762"/>
-          </a:xfrm>
-        </p:spPr>
-        <p:txBody>
-          <a:bodyPr/>
+            <a:off x="1100051" y="4455620"/>
+            <a:ext cx="10058400" cy="1143000"/>
+          </a:xfrm>
+        </p:spPr>
+        <p:txBody>
+          <a:bodyPr lIns="91440" rIns="91440">
+            <a:normAutofit/>
+          </a:bodyPr>
           <a:lstStyle>
-            <a:lvl1pPr marL="0" indent="0" algn="ctr">
-              <a:buNone/>
-              <a:defRPr sz="2400"/>
+            <a:lvl1pPr marL="0" indent="0" algn="l">
+              <a:buNone/>
+              <a:defRPr sz="2400" cap="all" spc="200" baseline="0">
+                <a:solidFill>
+                  <a:schemeClr val="tx2"/>
+                </a:solidFill>
+                <a:latin typeface="+mj-lt"/>
+              </a:defRPr>
             </a:lvl1pPr>
             <a:lvl2pPr marL="457200" indent="0" algn="ctr">
               <a:buNone/>
-              <a:defRPr sz="2000"/>
+              <a:defRPr sz="2400"/>
             </a:lvl2pPr>
             <a:lvl3pPr marL="914400" indent="0" algn="ctr">
               <a:buNone/>
-              <a:defRPr sz="1800"/>
+              <a:defRPr sz="2400"/>
             </a:lvl3pPr>
             <a:lvl4pPr marL="1371600" indent="0" algn="ctr">
               <a:buNone/>
-              <a:defRPr sz="1600"/>
+              <a:defRPr sz="2000"/>
             </a:lvl4pPr>
             <a:lvl5pPr marL="1828800" indent="0" algn="ctr">
               <a:buNone/>
-              <a:defRPr sz="1600"/>
+              <a:defRPr sz="2000"/>
             </a:lvl5pPr>
             <a:lvl6pPr marL="2286000" indent="0" algn="ctr">
               <a:buNone/>
-              <a:defRPr sz="1600"/>
+              <a:defRPr sz="2000"/>
             </a:lvl6pPr>
             <a:lvl7pPr marL="2743200" indent="0" algn="ctr">
               <a:buNone/>
-              <a:defRPr sz="1600"/>
+              <a:defRPr sz="2000"/>
             </a:lvl7pPr>
             <a:lvl8pPr marL="3200400" indent="0" algn="ctr">
               <a:buNone/>
-              <a:defRPr sz="1600"/>
+              <a:defRPr sz="2000"/>
             </a:lvl8pPr>
             <a:lvl9pPr marL="3657600" indent="0" algn="ctr">
               <a:buNone/>
-              <a:defRPr sz="1600"/>
+              <a:defRPr sz="2000"/>
             </a:lvl9pPr>
           </a:lstStyle>
           <a:p>
@@ -229,19 +318,13 @@
               <a:rPr lang="es-ES"/>
               <a:t>Haga clic para modificar el estilo de subtítulo del patrón</a:t>
             </a:r>
-            <a:endParaRPr lang="es-MX"/>
-          </a:p>
-        </p:txBody>
-      </p:sp>
-      <p:sp>
-        <p:nvSpPr>
-          <p:cNvPr id="4" name="Marcador de fecha 3">
-            <a:extLst>
-              <a:ext uri="{FF2B5EF4-FFF2-40B4-BE49-F238E27FC236}">
-                <a16:creationId xmlns:a16="http://schemas.microsoft.com/office/drawing/2014/main" id="{8CE9F7DE-E533-4922-BF9C-4E91EB5BC3F2}"/>
-              </a:ext>
-            </a:extLst>
-          </p:cNvPr>
+            <a:endParaRPr lang="en-US" dirty="0"/>
+          </a:p>
+        </p:txBody>
+      </p:sp>
+      <p:sp>
+        <p:nvSpPr>
+          <p:cNvPr id="4" name="Date Placeholder 3"/>
           <p:cNvSpPr>
             <a:spLocks noGrp="1"/>
           </p:cNvSpPr>
@@ -264,13 +347,7 @@
       </p:sp>
       <p:sp>
         <p:nvSpPr>
-          <p:cNvPr id="5" name="Marcador de pie de página 4">
-            <a:extLst>
-              <a:ext uri="{FF2B5EF4-FFF2-40B4-BE49-F238E27FC236}">
-                <a16:creationId xmlns:a16="http://schemas.microsoft.com/office/drawing/2014/main" id="{1E54B779-BB33-41D0-B548-B2098ED33419}"/>
-              </a:ext>
-            </a:extLst>
-          </p:cNvPr>
+          <p:cNvPr id="5" name="Footer Placeholder 4"/>
           <p:cNvSpPr>
             <a:spLocks noGrp="1"/>
           </p:cNvSpPr>
@@ -289,13 +366,7 @@
       </p:sp>
       <p:sp>
         <p:nvSpPr>
-          <p:cNvPr id="6" name="Marcador de número de diapositiva 5">
-            <a:extLst>
-              <a:ext uri="{FF2B5EF4-FFF2-40B4-BE49-F238E27FC236}">
-                <a16:creationId xmlns:a16="http://schemas.microsoft.com/office/drawing/2014/main" id="{DF3A54FE-BC98-46B9-84F1-FB7ADEAD1A82}"/>
-              </a:ext>
-            </a:extLst>
-          </p:cNvPr>
+          <p:cNvPr id="6" name="Slide Number Placeholder 5"/>
           <p:cNvSpPr>
             <a:spLocks noGrp="1"/>
           </p:cNvSpPr>
@@ -316,10 +387,48 @@
           </a:p>
         </p:txBody>
       </p:sp>
+      <p:cxnSp>
+        <p:nvCxnSpPr>
+          <p:cNvPr id="9" name="Straight Connector 8"/>
+          <p:cNvCxnSpPr/>
+          <p:nvPr/>
+        </p:nvCxnSpPr>
+        <p:spPr>
+          <a:xfrm>
+            <a:off x="1207658" y="4343400"/>
+            <a:ext cx="9875520" cy="0"/>
+          </a:xfrm>
+          <a:prstGeom prst="line">
+            <a:avLst/>
+          </a:prstGeom>
+          <a:ln w="6350">
+            <a:solidFill>
+              <a:schemeClr val="tx1">
+                <a:lumMod val="50000"/>
+                <a:lumOff val="50000"/>
+              </a:schemeClr>
+            </a:solidFill>
+          </a:ln>
+        </p:spPr>
+        <p:style>
+          <a:lnRef idx="1">
+            <a:schemeClr val="accent1"/>
+          </a:lnRef>
+          <a:fillRef idx="0">
+            <a:schemeClr val="accent1"/>
+          </a:fillRef>
+          <a:effectRef idx="0">
+            <a:schemeClr val="accent1"/>
+          </a:effectRef>
+          <a:fontRef idx="minor">
+            <a:schemeClr val="tx1"/>
+          </a:fontRef>
+        </p:style>
+      </p:cxnSp>
     </p:spTree>
     <p:extLst>
       <p:ext uri="{BB962C8B-B14F-4D97-AF65-F5344CB8AC3E}">
-        <p14:creationId xmlns:p14="http://schemas.microsoft.com/office/powerpoint/2010/main" val="2695156636"/>
+        <p14:creationId xmlns:p14="http://schemas.microsoft.com/office/powerpoint/2010/main" val="2936287478"/>
       </p:ext>
     </p:extLst>
   </p:cSld>
@@ -348,13 +457,7 @@
       </p:grpSpPr>
       <p:sp>
         <p:nvSpPr>
-          <p:cNvPr id="2" name="Título 1">
-            <a:extLst>
-              <a:ext uri="{FF2B5EF4-FFF2-40B4-BE49-F238E27FC236}">
-                <a16:creationId xmlns:a16="http://schemas.microsoft.com/office/drawing/2014/main" id="{D642B2B6-7BB0-4A7A-A0DE-A775C9B7336F}"/>
-              </a:ext>
-            </a:extLst>
-          </p:cNvPr>
+          <p:cNvPr id="2" name="Title 1"/>
           <p:cNvSpPr>
             <a:spLocks noGrp="1"/>
           </p:cNvSpPr>
@@ -371,19 +474,13 @@
               <a:rPr lang="es-ES"/>
               <a:t>Haga clic para modificar el estilo de título del patrón</a:t>
             </a:r>
-            <a:endParaRPr lang="es-MX"/>
-          </a:p>
-        </p:txBody>
-      </p:sp>
-      <p:sp>
-        <p:nvSpPr>
-          <p:cNvPr id="3" name="Marcador de texto vertical 2">
-            <a:extLst>
-              <a:ext uri="{FF2B5EF4-FFF2-40B4-BE49-F238E27FC236}">
-                <a16:creationId xmlns:a16="http://schemas.microsoft.com/office/drawing/2014/main" id="{4F4AD9E3-FDA1-4A2D-8C6E-BFAC35219E56}"/>
-              </a:ext>
-            </a:extLst>
-          </p:cNvPr>
+            <a:endParaRPr lang="en-US" dirty="0"/>
+          </a:p>
+        </p:txBody>
+      </p:sp>
+      <p:sp>
+        <p:nvSpPr>
+          <p:cNvPr id="3" name="Vertical Text Placeholder 2"/>
           <p:cNvSpPr>
             <a:spLocks noGrp="1"/>
           </p:cNvSpPr>
@@ -393,7 +490,7 @@
         </p:nvSpPr>
         <p:spPr/>
         <p:txBody>
-          <a:bodyPr vert="eaVert"/>
+          <a:bodyPr vert="eaVert" lIns="45720" tIns="0" rIns="45720" bIns="0"/>
           <a:lstStyle/>
           <a:p>
             <a:pPr lvl="0"/>
@@ -429,19 +526,13 @@
               <a:rPr lang="es-ES"/>
               <a:t>Quinto nivel</a:t>
             </a:r>
-            <a:endParaRPr lang="es-MX"/>
-          </a:p>
-        </p:txBody>
-      </p:sp>
-      <p:sp>
-        <p:nvSpPr>
-          <p:cNvPr id="4" name="Marcador de fecha 3">
-            <a:extLst>
-              <a:ext uri="{FF2B5EF4-FFF2-40B4-BE49-F238E27FC236}">
-                <a16:creationId xmlns:a16="http://schemas.microsoft.com/office/drawing/2014/main" id="{334FCE5C-9F08-412C-AD83-74BD64574A1D}"/>
-              </a:ext>
-            </a:extLst>
-          </p:cNvPr>
+            <a:endParaRPr lang="en-US" dirty="0"/>
+          </a:p>
+        </p:txBody>
+      </p:sp>
+      <p:sp>
+        <p:nvSpPr>
+          <p:cNvPr id="4" name="Date Placeholder 3"/>
           <p:cNvSpPr>
             <a:spLocks noGrp="1"/>
           </p:cNvSpPr>
@@ -464,13 +555,7 @@
       </p:sp>
       <p:sp>
         <p:nvSpPr>
-          <p:cNvPr id="5" name="Marcador de pie de página 4">
-            <a:extLst>
-              <a:ext uri="{FF2B5EF4-FFF2-40B4-BE49-F238E27FC236}">
-                <a16:creationId xmlns:a16="http://schemas.microsoft.com/office/drawing/2014/main" id="{73E9F7D3-332C-4025-B9F9-F7B2B35C073A}"/>
-              </a:ext>
-            </a:extLst>
-          </p:cNvPr>
+          <p:cNvPr id="5" name="Footer Placeholder 4"/>
           <p:cNvSpPr>
             <a:spLocks noGrp="1"/>
           </p:cNvSpPr>
@@ -489,13 +574,7 @@
       </p:sp>
       <p:sp>
         <p:nvSpPr>
-          <p:cNvPr id="6" name="Marcador de número de diapositiva 5">
-            <a:extLst>
-              <a:ext uri="{FF2B5EF4-FFF2-40B4-BE49-F238E27FC236}">
-                <a16:creationId xmlns:a16="http://schemas.microsoft.com/office/drawing/2014/main" id="{D6C16003-CBF7-4ABE-B91A-A5C7E5950094}"/>
-              </a:ext>
-            </a:extLst>
-          </p:cNvPr>
+          <p:cNvPr id="6" name="Slide Number Placeholder 5"/>
           <p:cNvSpPr>
             <a:spLocks noGrp="1"/>
           </p:cNvSpPr>
@@ -519,7 +598,7 @@
     </p:spTree>
     <p:extLst>
       <p:ext uri="{BB962C8B-B14F-4D97-AF65-F5344CB8AC3E}">
-        <p14:creationId xmlns:p14="http://schemas.microsoft.com/office/powerpoint/2010/main" val="3372366033"/>
+        <p14:creationId xmlns:p14="http://schemas.microsoft.com/office/powerpoint/2010/main" val="1351785932"/>
       </p:ext>
     </p:extLst>
   </p:cSld>
@@ -530,7 +609,7 @@
 </file>
 
 <file path=ppt/slideLayouts/slideLayout11.xml><?xml version="1.0" encoding="utf-8"?>
-<p:sldLayout xmlns:a="http://schemas.openxmlformats.org/drawingml/2006/main" xmlns:r="http://schemas.openxmlformats.org/officeDocument/2006/relationships" xmlns:p="http://schemas.openxmlformats.org/presentationml/2006/main" type="vertTitleAndTx" preserve="1">
+<p:sldLayout xmlns:a="http://schemas.openxmlformats.org/drawingml/2006/main" xmlns:r="http://schemas.openxmlformats.org/officeDocument/2006/relationships" xmlns:p="http://schemas.openxmlformats.org/presentationml/2006/main" showMasterSp="0" type="vertTitleAndTx" preserve="1">
   <p:cSld name="Título vertical y texto">
     <p:spTree>
       <p:nvGrpSpPr>
@@ -548,13 +627,83 @@
       </p:grpSpPr>
       <p:sp>
         <p:nvSpPr>
-          <p:cNvPr id="2" name="Título vertical 1">
-            <a:extLst>
-              <a:ext uri="{FF2B5EF4-FFF2-40B4-BE49-F238E27FC236}">
-                <a16:creationId xmlns:a16="http://schemas.microsoft.com/office/drawing/2014/main" id="{5A954FD6-00CA-464E-ACC6-6912E95E748D}"/>
-              </a:ext>
-            </a:extLst>
-          </p:cNvPr>
+          <p:cNvPr id="7" name="Rectangle 6"/>
+          <p:cNvSpPr/>
+          <p:nvPr/>
+        </p:nvSpPr>
+        <p:spPr>
+          <a:xfrm>
+            <a:off x="3175" y="6400800"/>
+            <a:ext cx="12188825" cy="457200"/>
+          </a:xfrm>
+          <a:prstGeom prst="rect">
+            <a:avLst/>
+          </a:prstGeom>
+          <a:solidFill>
+            <a:schemeClr val="accent2"/>
+          </a:solidFill>
+          <a:ln>
+            <a:noFill/>
+          </a:ln>
+        </p:spPr>
+        <p:style>
+          <a:lnRef idx="2">
+            <a:schemeClr val="accent1">
+              <a:shade val="50000"/>
+            </a:schemeClr>
+          </a:lnRef>
+          <a:fillRef idx="1">
+            <a:schemeClr val="accent1"/>
+          </a:fillRef>
+          <a:effectRef idx="0">
+            <a:schemeClr val="accent1"/>
+          </a:effectRef>
+          <a:fontRef idx="minor">
+            <a:schemeClr val="lt1"/>
+          </a:fontRef>
+        </p:style>
+      </p:sp>
+      <p:sp>
+        <p:nvSpPr>
+          <p:cNvPr id="8" name="Rectangle 7"/>
+          <p:cNvSpPr/>
+          <p:nvPr/>
+        </p:nvSpPr>
+        <p:spPr>
+          <a:xfrm>
+            <a:off x="15" y="6334316"/>
+            <a:ext cx="12188825" cy="64008"/>
+          </a:xfrm>
+          <a:prstGeom prst="rect">
+            <a:avLst/>
+          </a:prstGeom>
+          <a:solidFill>
+            <a:schemeClr val="accent1"/>
+          </a:solidFill>
+          <a:ln>
+            <a:noFill/>
+          </a:ln>
+        </p:spPr>
+        <p:style>
+          <a:lnRef idx="2">
+            <a:schemeClr val="accent1">
+              <a:shade val="50000"/>
+            </a:schemeClr>
+          </a:lnRef>
+          <a:fillRef idx="1">
+            <a:schemeClr val="accent1"/>
+          </a:fillRef>
+          <a:effectRef idx="0">
+            <a:schemeClr val="accent1"/>
+          </a:effectRef>
+          <a:fontRef idx="minor">
+            <a:schemeClr val="lt1"/>
+          </a:fontRef>
+        </p:style>
+      </p:sp>
+      <p:sp>
+        <p:nvSpPr>
+          <p:cNvPr id="2" name="Vertical Title 1"/>
           <p:cNvSpPr>
             <a:spLocks noGrp="1"/>
           </p:cNvSpPr>
@@ -564,8 +713,8 @@
         </p:nvSpPr>
         <p:spPr>
           <a:xfrm>
-            <a:off x="8724900" y="365125"/>
-            <a:ext cx="2628900" cy="5811838"/>
+            <a:off x="8724900" y="414778"/>
+            <a:ext cx="2628900" cy="5757421"/>
           </a:xfrm>
         </p:spPr>
         <p:txBody>
@@ -576,19 +725,13 @@
               <a:rPr lang="es-ES"/>
               <a:t>Haga clic para modificar el estilo de título del patrón</a:t>
             </a:r>
-            <a:endParaRPr lang="es-MX"/>
-          </a:p>
-        </p:txBody>
-      </p:sp>
-      <p:sp>
-        <p:nvSpPr>
-          <p:cNvPr id="3" name="Marcador de texto vertical 2">
-            <a:extLst>
-              <a:ext uri="{FF2B5EF4-FFF2-40B4-BE49-F238E27FC236}">
-                <a16:creationId xmlns:a16="http://schemas.microsoft.com/office/drawing/2014/main" id="{E457F2A9-4218-4672-93B5-730CF4A9056A}"/>
-              </a:ext>
-            </a:extLst>
-          </p:cNvPr>
+            <a:endParaRPr lang="en-US" dirty="0"/>
+          </a:p>
+        </p:txBody>
+      </p:sp>
+      <p:sp>
+        <p:nvSpPr>
+          <p:cNvPr id="3" name="Vertical Text Placeholder 2"/>
           <p:cNvSpPr>
             <a:spLocks noGrp="1"/>
           </p:cNvSpPr>
@@ -598,12 +741,12 @@
         </p:nvSpPr>
         <p:spPr>
           <a:xfrm>
-            <a:off x="838200" y="365125"/>
-            <a:ext cx="7734300" cy="5811838"/>
-          </a:xfrm>
-        </p:spPr>
-        <p:txBody>
-          <a:bodyPr vert="eaVert"/>
+            <a:off x="838200" y="414778"/>
+            <a:ext cx="7734300" cy="5757422"/>
+          </a:xfrm>
+        </p:spPr>
+        <p:txBody>
+          <a:bodyPr vert="eaVert" lIns="45720" tIns="0" rIns="45720" bIns="0"/>
           <a:lstStyle/>
           <a:p>
             <a:pPr lvl="0"/>
@@ -639,19 +782,13 @@
               <a:rPr lang="es-ES"/>
               <a:t>Quinto nivel</a:t>
             </a:r>
-            <a:endParaRPr lang="es-MX"/>
-          </a:p>
-        </p:txBody>
-      </p:sp>
-      <p:sp>
-        <p:nvSpPr>
-          <p:cNvPr id="4" name="Marcador de fecha 3">
-            <a:extLst>
-              <a:ext uri="{FF2B5EF4-FFF2-40B4-BE49-F238E27FC236}">
-                <a16:creationId xmlns:a16="http://schemas.microsoft.com/office/drawing/2014/main" id="{4BDF1DCB-C887-4510-BD6C-DF1D9D458F1F}"/>
-              </a:ext>
-            </a:extLst>
-          </p:cNvPr>
+            <a:endParaRPr lang="en-US" dirty="0"/>
+          </a:p>
+        </p:txBody>
+      </p:sp>
+      <p:sp>
+        <p:nvSpPr>
+          <p:cNvPr id="4" name="Date Placeholder 3"/>
           <p:cNvSpPr>
             <a:spLocks noGrp="1"/>
           </p:cNvSpPr>
@@ -674,13 +811,7 @@
       </p:sp>
       <p:sp>
         <p:nvSpPr>
-          <p:cNvPr id="5" name="Marcador de pie de página 4">
-            <a:extLst>
-              <a:ext uri="{FF2B5EF4-FFF2-40B4-BE49-F238E27FC236}">
-                <a16:creationId xmlns:a16="http://schemas.microsoft.com/office/drawing/2014/main" id="{AC96B452-4BEC-42BF-8860-E97D0EB35552}"/>
-              </a:ext>
-            </a:extLst>
-          </p:cNvPr>
+          <p:cNvPr id="5" name="Footer Placeholder 4"/>
           <p:cNvSpPr>
             <a:spLocks noGrp="1"/>
           </p:cNvSpPr>
@@ -699,13 +830,7 @@
       </p:sp>
       <p:sp>
         <p:nvSpPr>
-          <p:cNvPr id="6" name="Marcador de número de diapositiva 5">
-            <a:extLst>
-              <a:ext uri="{FF2B5EF4-FFF2-40B4-BE49-F238E27FC236}">
-                <a16:creationId xmlns:a16="http://schemas.microsoft.com/office/drawing/2014/main" id="{0EF4EFDC-D749-42A6-BDAF-D96AFBB69C4D}"/>
-              </a:ext>
-            </a:extLst>
-          </p:cNvPr>
+          <p:cNvPr id="6" name="Slide Number Placeholder 5"/>
           <p:cNvSpPr>
             <a:spLocks noGrp="1"/>
           </p:cNvSpPr>
@@ -729,7 +854,7 @@
     </p:spTree>
     <p:extLst>
       <p:ext uri="{BB962C8B-B14F-4D97-AF65-F5344CB8AC3E}">
-        <p14:creationId xmlns:p14="http://schemas.microsoft.com/office/powerpoint/2010/main" val="1946149728"/>
+        <p14:creationId xmlns:p14="http://schemas.microsoft.com/office/powerpoint/2010/main" val="1392456088"/>
       </p:ext>
     </p:extLst>
   </p:cSld>
@@ -758,13 +883,7 @@
       </p:grpSpPr>
       <p:sp>
         <p:nvSpPr>
-          <p:cNvPr id="2" name="Título 1">
-            <a:extLst>
-              <a:ext uri="{FF2B5EF4-FFF2-40B4-BE49-F238E27FC236}">
-                <a16:creationId xmlns:a16="http://schemas.microsoft.com/office/drawing/2014/main" id="{289E484C-1380-4E2C-B5B8-22A1D50DF326}"/>
-              </a:ext>
-            </a:extLst>
-          </p:cNvPr>
+          <p:cNvPr id="2" name="Title 1"/>
           <p:cNvSpPr>
             <a:spLocks noGrp="1"/>
           </p:cNvSpPr>
@@ -775,25 +894,23 @@
         <p:spPr/>
         <p:txBody>
           <a:bodyPr/>
-          <a:lstStyle/>
+          <a:lstStyle>
+            <a:lvl1pPr marL="0">
+              <a:defRPr/>
+            </a:lvl1pPr>
+          </a:lstStyle>
           <a:p>
             <a:r>
               <a:rPr lang="es-ES"/>
               <a:t>Haga clic para modificar el estilo de título del patrón</a:t>
             </a:r>
-            <a:endParaRPr lang="es-MX"/>
-          </a:p>
-        </p:txBody>
-      </p:sp>
-      <p:sp>
-        <p:nvSpPr>
-          <p:cNvPr id="3" name="Marcador de contenido 2">
-            <a:extLst>
-              <a:ext uri="{FF2B5EF4-FFF2-40B4-BE49-F238E27FC236}">
-                <a16:creationId xmlns:a16="http://schemas.microsoft.com/office/drawing/2014/main" id="{5F9F54DB-7BE2-4B32-A779-911847FA1C43}"/>
-              </a:ext>
-            </a:extLst>
-          </p:cNvPr>
+            <a:endParaRPr lang="en-US" dirty="0"/>
+          </a:p>
+        </p:txBody>
+      </p:sp>
+      <p:sp>
+        <p:nvSpPr>
+          <p:cNvPr id="3" name="Content Placeholder 2"/>
           <p:cNvSpPr>
             <a:spLocks noGrp="1"/>
           </p:cNvSpPr>
@@ -839,19 +956,13 @@
               <a:rPr lang="es-ES"/>
               <a:t>Quinto nivel</a:t>
             </a:r>
-            <a:endParaRPr lang="es-MX"/>
-          </a:p>
-        </p:txBody>
-      </p:sp>
-      <p:sp>
-        <p:nvSpPr>
-          <p:cNvPr id="4" name="Marcador de fecha 3">
-            <a:extLst>
-              <a:ext uri="{FF2B5EF4-FFF2-40B4-BE49-F238E27FC236}">
-                <a16:creationId xmlns:a16="http://schemas.microsoft.com/office/drawing/2014/main" id="{69EC7BD2-3261-4760-8A1D-08F30BFD387A}"/>
-              </a:ext>
-            </a:extLst>
-          </p:cNvPr>
+            <a:endParaRPr lang="en-US" dirty="0"/>
+          </a:p>
+        </p:txBody>
+      </p:sp>
+      <p:sp>
+        <p:nvSpPr>
+          <p:cNvPr id="4" name="Date Placeholder 3"/>
           <p:cNvSpPr>
             <a:spLocks noGrp="1"/>
           </p:cNvSpPr>
@@ -874,13 +985,7 @@
       </p:sp>
       <p:sp>
         <p:nvSpPr>
-          <p:cNvPr id="5" name="Marcador de pie de página 4">
-            <a:extLst>
-              <a:ext uri="{FF2B5EF4-FFF2-40B4-BE49-F238E27FC236}">
-                <a16:creationId xmlns:a16="http://schemas.microsoft.com/office/drawing/2014/main" id="{EAD18FF5-BEA5-4388-B32A-3979FA98FE40}"/>
-              </a:ext>
-            </a:extLst>
-          </p:cNvPr>
+          <p:cNvPr id="5" name="Footer Placeholder 4"/>
           <p:cNvSpPr>
             <a:spLocks noGrp="1"/>
           </p:cNvSpPr>
@@ -899,13 +1004,7 @@
       </p:sp>
       <p:sp>
         <p:nvSpPr>
-          <p:cNvPr id="6" name="Marcador de número de diapositiva 5">
-            <a:extLst>
-              <a:ext uri="{FF2B5EF4-FFF2-40B4-BE49-F238E27FC236}">
-                <a16:creationId xmlns:a16="http://schemas.microsoft.com/office/drawing/2014/main" id="{8514FB44-9658-4DEB-9C23-DC3AF3CE23C9}"/>
-              </a:ext>
-            </a:extLst>
-          </p:cNvPr>
+          <p:cNvPr id="6" name="Slide Number Placeholder 5"/>
           <p:cNvSpPr>
             <a:spLocks noGrp="1"/>
           </p:cNvSpPr>
@@ -929,7 +1028,7 @@
     </p:spTree>
     <p:extLst>
       <p:ext uri="{BB962C8B-B14F-4D97-AF65-F5344CB8AC3E}">
-        <p14:creationId xmlns:p14="http://schemas.microsoft.com/office/powerpoint/2010/main" val="3802311032"/>
+        <p14:creationId xmlns:p14="http://schemas.microsoft.com/office/powerpoint/2010/main" val="606326340"/>
       </p:ext>
     </p:extLst>
   </p:cSld>
@@ -940,8 +1039,16 @@
 </file>
 
 <file path=ppt/slideLayouts/slideLayout3.xml><?xml version="1.0" encoding="utf-8"?>
-<p:sldLayout xmlns:a="http://schemas.openxmlformats.org/drawingml/2006/main" xmlns:r="http://schemas.openxmlformats.org/officeDocument/2006/relationships" xmlns:p="http://schemas.openxmlformats.org/presentationml/2006/main" type="secHead" preserve="1">
+<p:sldLayout xmlns:a="http://schemas.openxmlformats.org/drawingml/2006/main" xmlns:r="http://schemas.openxmlformats.org/officeDocument/2006/relationships" xmlns:p="http://schemas.openxmlformats.org/presentationml/2006/main" showMasterSp="0" type="secHead" preserve="1">
   <p:cSld name="Encabezado de sección">
+    <p:bg>
+      <p:bgPr>
+        <a:solidFill>
+          <a:schemeClr val="bg1"/>
+        </a:solidFill>
+        <a:effectLst/>
+      </p:bgPr>
+    </p:bg>
     <p:spTree>
       <p:nvGrpSpPr>
         <p:cNvPr id="1" name=""/>
@@ -958,13 +1065,83 @@
       </p:grpSpPr>
       <p:sp>
         <p:nvSpPr>
-          <p:cNvPr id="2" name="Título 1">
-            <a:extLst>
-              <a:ext uri="{FF2B5EF4-FFF2-40B4-BE49-F238E27FC236}">
-                <a16:creationId xmlns:a16="http://schemas.microsoft.com/office/drawing/2014/main" id="{63D85133-6832-4D74-B326-8B97D6FF0D95}"/>
-              </a:ext>
-            </a:extLst>
-          </p:cNvPr>
+          <p:cNvPr id="7" name="Rectangle 6"/>
+          <p:cNvSpPr/>
+          <p:nvPr/>
+        </p:nvSpPr>
+        <p:spPr>
+          <a:xfrm>
+            <a:off x="3175" y="6400800"/>
+            <a:ext cx="12188825" cy="457200"/>
+          </a:xfrm>
+          <a:prstGeom prst="rect">
+            <a:avLst/>
+          </a:prstGeom>
+          <a:solidFill>
+            <a:schemeClr val="accent2"/>
+          </a:solidFill>
+          <a:ln>
+            <a:noFill/>
+          </a:ln>
+        </p:spPr>
+        <p:style>
+          <a:lnRef idx="2">
+            <a:schemeClr val="accent1">
+              <a:shade val="50000"/>
+            </a:schemeClr>
+          </a:lnRef>
+          <a:fillRef idx="1">
+            <a:schemeClr val="accent1"/>
+          </a:fillRef>
+          <a:effectRef idx="0">
+            <a:schemeClr val="accent1"/>
+          </a:effectRef>
+          <a:fontRef idx="minor">
+            <a:schemeClr val="lt1"/>
+          </a:fontRef>
+        </p:style>
+      </p:sp>
+      <p:sp>
+        <p:nvSpPr>
+          <p:cNvPr id="8" name="Rectangle 7"/>
+          <p:cNvSpPr/>
+          <p:nvPr/>
+        </p:nvSpPr>
+        <p:spPr>
+          <a:xfrm>
+            <a:off x="15" y="6334316"/>
+            <a:ext cx="12188825" cy="64008"/>
+          </a:xfrm>
+          <a:prstGeom prst="rect">
+            <a:avLst/>
+          </a:prstGeom>
+          <a:solidFill>
+            <a:schemeClr val="accent1"/>
+          </a:solidFill>
+          <a:ln>
+            <a:noFill/>
+          </a:ln>
+        </p:spPr>
+        <p:style>
+          <a:lnRef idx="2">
+            <a:schemeClr val="accent1">
+              <a:shade val="50000"/>
+            </a:schemeClr>
+          </a:lnRef>
+          <a:fillRef idx="1">
+            <a:schemeClr val="accent1"/>
+          </a:fillRef>
+          <a:effectRef idx="0">
+            <a:schemeClr val="accent1"/>
+          </a:effectRef>
+          <a:fontRef idx="minor">
+            <a:schemeClr val="lt1"/>
+          </a:fontRef>
+        </p:style>
+      </p:sp>
+      <p:sp>
+        <p:nvSpPr>
+          <p:cNvPr id="2" name="Title 1"/>
           <p:cNvSpPr>
             <a:spLocks noGrp="1"/>
           </p:cNvSpPr>
@@ -974,64 +1151,71 @@
         </p:nvSpPr>
         <p:spPr>
           <a:xfrm>
-            <a:off x="831850" y="1709738"/>
-            <a:ext cx="10515600" cy="2852737"/>
-          </a:xfrm>
-        </p:spPr>
-        <p:txBody>
-          <a:bodyPr anchor="b"/>
+            <a:off x="1097280" y="758952"/>
+            <a:ext cx="10058400" cy="3566160"/>
+          </a:xfrm>
+        </p:spPr>
+        <p:txBody>
+          <a:bodyPr anchor="b" anchorCtr="0">
+            <a:normAutofit/>
+          </a:bodyPr>
           <a:lstStyle>
             <a:lvl1pPr>
-              <a:defRPr sz="6000"/>
-            </a:lvl1pPr>
-          </a:lstStyle>
-          <a:p>
-            <a:r>
-              <a:rPr lang="es-ES"/>
-              <a:t>Haga clic para modificar el estilo de título del patrón</a:t>
-            </a:r>
-            <a:endParaRPr lang="es-MX"/>
-          </a:p>
-        </p:txBody>
-      </p:sp>
-      <p:sp>
-        <p:nvSpPr>
-          <p:cNvPr id="3" name="Marcador de texto 2">
-            <a:extLst>
-              <a:ext uri="{FF2B5EF4-FFF2-40B4-BE49-F238E27FC236}">
-                <a16:creationId xmlns:a16="http://schemas.microsoft.com/office/drawing/2014/main" id="{651B9F5B-6F3D-4FC9-9CA0-0B1AB21FB50E}"/>
-              </a:ext>
-            </a:extLst>
-          </p:cNvPr>
-          <p:cNvSpPr>
-            <a:spLocks noGrp="1"/>
-          </p:cNvSpPr>
-          <p:nvPr>
-            <p:ph type="body" idx="1"/>
-          </p:nvPr>
-        </p:nvSpPr>
-        <p:spPr>
-          <a:xfrm>
-            <a:off x="831850" y="4589463"/>
-            <a:ext cx="10515600" cy="1500187"/>
-          </a:xfrm>
-        </p:spPr>
-        <p:txBody>
-          <a:bodyPr/>
-          <a:lstStyle>
-            <a:lvl1pPr marL="0" indent="0">
-              <a:buNone/>
-              <a:defRPr sz="2400">
+              <a:lnSpc>
+                <a:spcPct val="85000"/>
+              </a:lnSpc>
+              <a:defRPr sz="8000" b="0">
                 <a:solidFill>
                   <a:schemeClr val="tx1">
-                    <a:tint val="75000"/>
+                    <a:lumMod val="85000"/>
+                    <a:lumOff val="15000"/>
                   </a:schemeClr>
                 </a:solidFill>
               </a:defRPr>
             </a:lvl1pPr>
+          </a:lstStyle>
+          <a:p>
+            <a:r>
+              <a:rPr lang="es-ES"/>
+              <a:t>Haga clic para modificar el estilo de título del patrón</a:t>
+            </a:r>
+            <a:endParaRPr lang="en-US" dirty="0"/>
+          </a:p>
+        </p:txBody>
+      </p:sp>
+      <p:sp>
+        <p:nvSpPr>
+          <p:cNvPr id="3" name="Text Placeholder 2"/>
+          <p:cNvSpPr>
+            <a:spLocks noGrp="1"/>
+          </p:cNvSpPr>
+          <p:nvPr>
+            <p:ph type="body" idx="1"/>
+          </p:nvPr>
+        </p:nvSpPr>
+        <p:spPr>
+          <a:xfrm>
+            <a:off x="1097280" y="4453128"/>
+            <a:ext cx="10058400" cy="1143000"/>
+          </a:xfrm>
+        </p:spPr>
+        <p:txBody>
+          <a:bodyPr lIns="91440" rIns="91440" anchor="t" anchorCtr="0">
+            <a:normAutofit/>
+          </a:bodyPr>
+          <a:lstStyle>
+            <a:lvl1pPr marL="0" indent="0">
+              <a:buNone/>
+              <a:defRPr sz="2400" cap="all" spc="200" baseline="0">
+                <a:solidFill>
+                  <a:schemeClr val="tx2"/>
+                </a:solidFill>
+                <a:latin typeface="+mj-lt"/>
+              </a:defRPr>
+            </a:lvl1pPr>
             <a:lvl2pPr marL="457200" indent="0">
               <a:buNone/>
-              <a:defRPr sz="2000">
+              <a:defRPr sz="1800">
                 <a:solidFill>
                   <a:schemeClr val="tx1">
                     <a:tint val="75000"/>
@@ -1041,7 +1225,7 @@
             </a:lvl2pPr>
             <a:lvl3pPr marL="914400" indent="0">
               <a:buNone/>
-              <a:defRPr sz="1800">
+              <a:defRPr sz="1600">
                 <a:solidFill>
                   <a:schemeClr val="tx1">
                     <a:tint val="75000"/>
@@ -1051,7 +1235,7 @@
             </a:lvl3pPr>
             <a:lvl4pPr marL="1371600" indent="0">
               <a:buNone/>
-              <a:defRPr sz="1600">
+              <a:defRPr sz="1400">
                 <a:solidFill>
                   <a:schemeClr val="tx1">
                     <a:tint val="75000"/>
@@ -1061,7 +1245,7 @@
             </a:lvl4pPr>
             <a:lvl5pPr marL="1828800" indent="0">
               <a:buNone/>
-              <a:defRPr sz="1600">
+              <a:defRPr sz="1400">
                 <a:solidFill>
                   <a:schemeClr val="tx1">
                     <a:tint val="75000"/>
@@ -1071,7 +1255,7 @@
             </a:lvl5pPr>
             <a:lvl6pPr marL="2286000" indent="0">
               <a:buNone/>
-              <a:defRPr sz="1600">
+              <a:defRPr sz="1400">
                 <a:solidFill>
                   <a:schemeClr val="tx1">
                     <a:tint val="75000"/>
@@ -1081,7 +1265,7 @@
             </a:lvl6pPr>
             <a:lvl7pPr marL="2743200" indent="0">
               <a:buNone/>
-              <a:defRPr sz="1600">
+              <a:defRPr sz="1400">
                 <a:solidFill>
                   <a:schemeClr val="tx1">
                     <a:tint val="75000"/>
@@ -1091,7 +1275,7 @@
             </a:lvl7pPr>
             <a:lvl8pPr marL="3200400" indent="0">
               <a:buNone/>
-              <a:defRPr sz="1600">
+              <a:defRPr sz="1400">
                 <a:solidFill>
                   <a:schemeClr val="tx1">
                     <a:tint val="75000"/>
@@ -1101,7 +1285,7 @@
             </a:lvl8pPr>
             <a:lvl9pPr marL="3657600" indent="0">
               <a:buNone/>
-              <a:defRPr sz="1600">
+              <a:defRPr sz="1400">
                 <a:solidFill>
                   <a:schemeClr val="tx1">
                     <a:tint val="75000"/>
@@ -1121,13 +1305,7 @@
       </p:sp>
       <p:sp>
         <p:nvSpPr>
-          <p:cNvPr id="4" name="Marcador de fecha 3">
-            <a:extLst>
-              <a:ext uri="{FF2B5EF4-FFF2-40B4-BE49-F238E27FC236}">
-                <a16:creationId xmlns:a16="http://schemas.microsoft.com/office/drawing/2014/main" id="{299D7069-F062-4FC7-8ABB-DB156594E127}"/>
-              </a:ext>
-            </a:extLst>
-          </p:cNvPr>
+          <p:cNvPr id="4" name="Date Placeholder 3"/>
           <p:cNvSpPr>
             <a:spLocks noGrp="1"/>
           </p:cNvSpPr>
@@ -1150,13 +1328,7 @@
       </p:sp>
       <p:sp>
         <p:nvSpPr>
-          <p:cNvPr id="5" name="Marcador de pie de página 4">
-            <a:extLst>
-              <a:ext uri="{FF2B5EF4-FFF2-40B4-BE49-F238E27FC236}">
-                <a16:creationId xmlns:a16="http://schemas.microsoft.com/office/drawing/2014/main" id="{29275BCD-B00D-467C-9148-77768FEE9BE3}"/>
-              </a:ext>
-            </a:extLst>
-          </p:cNvPr>
+          <p:cNvPr id="5" name="Footer Placeholder 4"/>
           <p:cNvSpPr>
             <a:spLocks noGrp="1"/>
           </p:cNvSpPr>
@@ -1175,13 +1347,7 @@
       </p:sp>
       <p:sp>
         <p:nvSpPr>
-          <p:cNvPr id="6" name="Marcador de número de diapositiva 5">
-            <a:extLst>
-              <a:ext uri="{FF2B5EF4-FFF2-40B4-BE49-F238E27FC236}">
-                <a16:creationId xmlns:a16="http://schemas.microsoft.com/office/drawing/2014/main" id="{E4ED9E9B-E9DD-4AFF-83D5-73754DC81701}"/>
-              </a:ext>
-            </a:extLst>
-          </p:cNvPr>
+          <p:cNvPr id="6" name="Slide Number Placeholder 5"/>
           <p:cNvSpPr>
             <a:spLocks noGrp="1"/>
           </p:cNvSpPr>
@@ -1202,10 +1368,48 @@
           </a:p>
         </p:txBody>
       </p:sp>
+      <p:cxnSp>
+        <p:nvCxnSpPr>
+          <p:cNvPr id="9" name="Straight Connector 8"/>
+          <p:cNvCxnSpPr/>
+          <p:nvPr/>
+        </p:nvCxnSpPr>
+        <p:spPr>
+          <a:xfrm>
+            <a:off x="1207658" y="4343400"/>
+            <a:ext cx="9875520" cy="0"/>
+          </a:xfrm>
+          <a:prstGeom prst="line">
+            <a:avLst/>
+          </a:prstGeom>
+          <a:ln w="6350">
+            <a:solidFill>
+              <a:schemeClr val="tx1">
+                <a:lumMod val="50000"/>
+                <a:lumOff val="50000"/>
+              </a:schemeClr>
+            </a:solidFill>
+          </a:ln>
+        </p:spPr>
+        <p:style>
+          <a:lnRef idx="1">
+            <a:schemeClr val="accent1"/>
+          </a:lnRef>
+          <a:fillRef idx="0">
+            <a:schemeClr val="accent1"/>
+          </a:fillRef>
+          <a:effectRef idx="0">
+            <a:schemeClr val="accent1"/>
+          </a:effectRef>
+          <a:fontRef idx="minor">
+            <a:schemeClr val="tx1"/>
+          </a:fontRef>
+        </p:style>
+      </p:cxnSp>
     </p:spTree>
     <p:extLst>
       <p:ext uri="{BB962C8B-B14F-4D97-AF65-F5344CB8AC3E}">
-        <p14:creationId xmlns:p14="http://schemas.microsoft.com/office/powerpoint/2010/main" val="2654391914"/>
+        <p14:creationId xmlns:p14="http://schemas.microsoft.com/office/powerpoint/2010/main" val="562031216"/>
       </p:ext>
     </p:extLst>
   </p:cSld>
@@ -1234,13 +1438,7 @@
       </p:grpSpPr>
       <p:sp>
         <p:nvSpPr>
-          <p:cNvPr id="2" name="Título 1">
-            <a:extLst>
-              <a:ext uri="{FF2B5EF4-FFF2-40B4-BE49-F238E27FC236}">
-                <a16:creationId xmlns:a16="http://schemas.microsoft.com/office/drawing/2014/main" id="{BD03A317-F1F7-4381-86B9-075F7213B300}"/>
-              </a:ext>
-            </a:extLst>
-          </p:cNvPr>
+          <p:cNvPr id="8" name="Title 7"/>
           <p:cNvSpPr>
             <a:spLocks noGrp="1"/>
           </p:cNvSpPr>
@@ -1248,7 +1446,12 @@
             <p:ph type="title"/>
           </p:nvPr>
         </p:nvSpPr>
-        <p:spPr/>
+        <p:spPr>
+          <a:xfrm>
+            <a:off x="1097280" y="286603"/>
+            <a:ext cx="10058400" cy="1450757"/>
+          </a:xfrm>
+        </p:spPr>
         <p:txBody>
           <a:bodyPr/>
           <a:lstStyle/>
@@ -1257,19 +1460,13 @@
               <a:rPr lang="es-ES"/>
               <a:t>Haga clic para modificar el estilo de título del patrón</a:t>
             </a:r>
-            <a:endParaRPr lang="es-MX"/>
-          </a:p>
-        </p:txBody>
-      </p:sp>
-      <p:sp>
-        <p:nvSpPr>
-          <p:cNvPr id="3" name="Marcador de contenido 2">
-            <a:extLst>
-              <a:ext uri="{FF2B5EF4-FFF2-40B4-BE49-F238E27FC236}">
-                <a16:creationId xmlns:a16="http://schemas.microsoft.com/office/drawing/2014/main" id="{299286D8-A4FD-4C8F-B8C0-E729521BF9B4}"/>
-              </a:ext>
-            </a:extLst>
-          </p:cNvPr>
+            <a:endParaRPr lang="en-US" dirty="0"/>
+          </a:p>
+        </p:txBody>
+      </p:sp>
+      <p:sp>
+        <p:nvSpPr>
+          <p:cNvPr id="3" name="Content Placeholder 2"/>
           <p:cNvSpPr>
             <a:spLocks noGrp="1"/>
           </p:cNvSpPr>
@@ -1279,8 +1476,8 @@
         </p:nvSpPr>
         <p:spPr>
           <a:xfrm>
-            <a:off x="838200" y="1825625"/>
-            <a:ext cx="5181600" cy="4351338"/>
+            <a:off x="1097279" y="1845734"/>
+            <a:ext cx="4937760" cy="4023360"/>
           </a:xfrm>
         </p:spPr>
         <p:txBody>
@@ -1320,19 +1517,13 @@
               <a:rPr lang="es-ES"/>
               <a:t>Quinto nivel</a:t>
             </a:r>
-            <a:endParaRPr lang="es-MX"/>
-          </a:p>
-        </p:txBody>
-      </p:sp>
-      <p:sp>
-        <p:nvSpPr>
-          <p:cNvPr id="4" name="Marcador de contenido 3">
-            <a:extLst>
-              <a:ext uri="{FF2B5EF4-FFF2-40B4-BE49-F238E27FC236}">
-                <a16:creationId xmlns:a16="http://schemas.microsoft.com/office/drawing/2014/main" id="{2AA2FB3F-5C3F-4C16-8706-20B3179EACE8}"/>
-              </a:ext>
-            </a:extLst>
-          </p:cNvPr>
+            <a:endParaRPr lang="en-US" dirty="0"/>
+          </a:p>
+        </p:txBody>
+      </p:sp>
+      <p:sp>
+        <p:nvSpPr>
+          <p:cNvPr id="4" name="Content Placeholder 3"/>
           <p:cNvSpPr>
             <a:spLocks noGrp="1"/>
           </p:cNvSpPr>
@@ -1342,8 +1533,8 @@
         </p:nvSpPr>
         <p:spPr>
           <a:xfrm>
-            <a:off x="6172200" y="1825625"/>
-            <a:ext cx="5181600" cy="4351338"/>
+            <a:off x="6217920" y="1845735"/>
+            <a:ext cx="4937760" cy="4023360"/>
           </a:xfrm>
         </p:spPr>
         <p:txBody>
@@ -1383,19 +1574,13 @@
               <a:rPr lang="es-ES"/>
               <a:t>Quinto nivel</a:t>
             </a:r>
-            <a:endParaRPr lang="es-MX"/>
-          </a:p>
-        </p:txBody>
-      </p:sp>
-      <p:sp>
-        <p:nvSpPr>
-          <p:cNvPr id="5" name="Marcador de fecha 4">
-            <a:extLst>
-              <a:ext uri="{FF2B5EF4-FFF2-40B4-BE49-F238E27FC236}">
-                <a16:creationId xmlns:a16="http://schemas.microsoft.com/office/drawing/2014/main" id="{5AB55810-FFB7-4708-9E40-8513B754B938}"/>
-              </a:ext>
-            </a:extLst>
-          </p:cNvPr>
+            <a:endParaRPr lang="en-US" dirty="0"/>
+          </a:p>
+        </p:txBody>
+      </p:sp>
+      <p:sp>
+        <p:nvSpPr>
+          <p:cNvPr id="5" name="Date Placeholder 4"/>
           <p:cNvSpPr>
             <a:spLocks noGrp="1"/>
           </p:cNvSpPr>
@@ -1418,13 +1603,7 @@
       </p:sp>
       <p:sp>
         <p:nvSpPr>
-          <p:cNvPr id="6" name="Marcador de pie de página 5">
-            <a:extLst>
-              <a:ext uri="{FF2B5EF4-FFF2-40B4-BE49-F238E27FC236}">
-                <a16:creationId xmlns:a16="http://schemas.microsoft.com/office/drawing/2014/main" id="{CE248B07-D32C-4BE5-97C2-59F0994F526F}"/>
-              </a:ext>
-            </a:extLst>
-          </p:cNvPr>
+          <p:cNvPr id="6" name="Footer Placeholder 5"/>
           <p:cNvSpPr>
             <a:spLocks noGrp="1"/>
           </p:cNvSpPr>
@@ -1443,13 +1622,7 @@
       </p:sp>
       <p:sp>
         <p:nvSpPr>
-          <p:cNvPr id="7" name="Marcador de número de diapositiva 6">
-            <a:extLst>
-              <a:ext uri="{FF2B5EF4-FFF2-40B4-BE49-F238E27FC236}">
-                <a16:creationId xmlns:a16="http://schemas.microsoft.com/office/drawing/2014/main" id="{D7F61837-068C-4E16-87CC-7552BF7615F1}"/>
-              </a:ext>
-            </a:extLst>
-          </p:cNvPr>
+          <p:cNvPr id="7" name="Slide Number Placeholder 6"/>
           <p:cNvSpPr>
             <a:spLocks noGrp="1"/>
           </p:cNvSpPr>
@@ -1473,7 +1646,7 @@
     </p:spTree>
     <p:extLst>
       <p:ext uri="{BB962C8B-B14F-4D97-AF65-F5344CB8AC3E}">
-        <p14:creationId xmlns:p14="http://schemas.microsoft.com/office/powerpoint/2010/main" val="1214883990"/>
+        <p14:creationId xmlns:p14="http://schemas.microsoft.com/office/powerpoint/2010/main" val="2136864238"/>
       </p:ext>
     </p:extLst>
   </p:cSld>
@@ -1502,13 +1675,7 @@
       </p:grpSpPr>
       <p:sp>
         <p:nvSpPr>
-          <p:cNvPr id="2" name="Título 1">
-            <a:extLst>
-              <a:ext uri="{FF2B5EF4-FFF2-40B4-BE49-F238E27FC236}">
-                <a16:creationId xmlns:a16="http://schemas.microsoft.com/office/drawing/2014/main" id="{85EBAB7B-AEE6-4AFA-8D3E-2E5580D2D955}"/>
-              </a:ext>
-            </a:extLst>
-          </p:cNvPr>
+          <p:cNvPr id="10" name="Title 9"/>
           <p:cNvSpPr>
             <a:spLocks noGrp="1"/>
           </p:cNvSpPr>
@@ -1518,8 +1685,8 @@
         </p:nvSpPr>
         <p:spPr>
           <a:xfrm>
-            <a:off x="839788" y="365125"/>
-            <a:ext cx="10515600" cy="1325563"/>
+            <a:off x="1097280" y="286603"/>
+            <a:ext cx="10058400" cy="1450757"/>
           </a:xfrm>
         </p:spPr>
         <p:txBody>
@@ -1530,19 +1697,13 @@
               <a:rPr lang="es-ES"/>
               <a:t>Haga clic para modificar el estilo de título del patrón</a:t>
             </a:r>
-            <a:endParaRPr lang="es-MX"/>
-          </a:p>
-        </p:txBody>
-      </p:sp>
-      <p:sp>
-        <p:nvSpPr>
-          <p:cNvPr id="3" name="Marcador de texto 2">
-            <a:extLst>
-              <a:ext uri="{FF2B5EF4-FFF2-40B4-BE49-F238E27FC236}">
-                <a16:creationId xmlns:a16="http://schemas.microsoft.com/office/drawing/2014/main" id="{D3167869-5BBD-4E77-9535-BE7FBC52D964}"/>
-              </a:ext>
-            </a:extLst>
-          </p:cNvPr>
+            <a:endParaRPr lang="en-US" dirty="0"/>
+          </a:p>
+        </p:txBody>
+      </p:sp>
+      <p:sp>
+        <p:nvSpPr>
+          <p:cNvPr id="3" name="Text Placeholder 2"/>
           <p:cNvSpPr>
             <a:spLocks noGrp="1"/>
           </p:cNvSpPr>
@@ -1552,16 +1713,22 @@
         </p:nvSpPr>
         <p:spPr>
           <a:xfrm>
-            <a:off x="839788" y="1681163"/>
-            <a:ext cx="5157787" cy="823912"/>
-          </a:xfrm>
-        </p:spPr>
-        <p:txBody>
-          <a:bodyPr anchor="b"/>
+            <a:off x="1097280" y="1846052"/>
+            <a:ext cx="4937760" cy="736282"/>
+          </a:xfrm>
+        </p:spPr>
+        <p:txBody>
+          <a:bodyPr lIns="91440" rIns="91440" anchor="ctr">
+            <a:normAutofit/>
+          </a:bodyPr>
           <a:lstStyle>
             <a:lvl1pPr marL="0" indent="0">
               <a:buNone/>
-              <a:defRPr sz="2400" b="1"/>
+              <a:defRPr sz="2000" b="0" cap="all" baseline="0">
+                <a:solidFill>
+                  <a:schemeClr val="tx2"/>
+                </a:solidFill>
+              </a:defRPr>
             </a:lvl1pPr>
             <a:lvl2pPr marL="457200" indent="0">
               <a:buNone/>
@@ -1607,13 +1774,7 @@
       </p:sp>
       <p:sp>
         <p:nvSpPr>
-          <p:cNvPr id="4" name="Marcador de contenido 3">
-            <a:extLst>
-              <a:ext uri="{FF2B5EF4-FFF2-40B4-BE49-F238E27FC236}">
-                <a16:creationId xmlns:a16="http://schemas.microsoft.com/office/drawing/2014/main" id="{F51FC3CC-B106-4E1A-AB04-AB7C22B3FD1D}"/>
-              </a:ext>
-            </a:extLst>
-          </p:cNvPr>
+          <p:cNvPr id="4" name="Content Placeholder 3"/>
           <p:cNvSpPr>
             <a:spLocks noGrp="1"/>
           </p:cNvSpPr>
@@ -1623,8 +1784,8 @@
         </p:nvSpPr>
         <p:spPr>
           <a:xfrm>
-            <a:off x="839788" y="2505075"/>
-            <a:ext cx="5157787" cy="3684588"/>
+            <a:off x="1097280" y="2582334"/>
+            <a:ext cx="4937760" cy="3378200"/>
           </a:xfrm>
         </p:spPr>
         <p:txBody>
@@ -1664,19 +1825,13 @@
               <a:rPr lang="es-ES"/>
               <a:t>Quinto nivel</a:t>
             </a:r>
-            <a:endParaRPr lang="es-MX"/>
-          </a:p>
-        </p:txBody>
-      </p:sp>
-      <p:sp>
-        <p:nvSpPr>
-          <p:cNvPr id="5" name="Marcador de texto 4">
-            <a:extLst>
-              <a:ext uri="{FF2B5EF4-FFF2-40B4-BE49-F238E27FC236}">
-                <a16:creationId xmlns:a16="http://schemas.microsoft.com/office/drawing/2014/main" id="{899754E0-1388-4BFC-934B-FC27F4D3C9EB}"/>
-              </a:ext>
-            </a:extLst>
-          </p:cNvPr>
+            <a:endParaRPr lang="en-US" dirty="0"/>
+          </a:p>
+        </p:txBody>
+      </p:sp>
+      <p:sp>
+        <p:nvSpPr>
+          <p:cNvPr id="5" name="Text Placeholder 4"/>
           <p:cNvSpPr>
             <a:spLocks noGrp="1"/>
           </p:cNvSpPr>
@@ -1686,16 +1841,22 @@
         </p:nvSpPr>
         <p:spPr>
           <a:xfrm>
-            <a:off x="6172200" y="1681163"/>
-            <a:ext cx="5183188" cy="823912"/>
-          </a:xfrm>
-        </p:spPr>
-        <p:txBody>
-          <a:bodyPr anchor="b"/>
+            <a:off x="6217920" y="1846052"/>
+            <a:ext cx="4937760" cy="736282"/>
+          </a:xfrm>
+        </p:spPr>
+        <p:txBody>
+          <a:bodyPr lIns="91440" rIns="91440" anchor="ctr">
+            <a:normAutofit/>
+          </a:bodyPr>
           <a:lstStyle>
             <a:lvl1pPr marL="0" indent="0">
               <a:buNone/>
-              <a:defRPr sz="2400" b="1"/>
+              <a:defRPr sz="2000" b="0" cap="all" baseline="0">
+                <a:solidFill>
+                  <a:schemeClr val="tx2"/>
+                </a:solidFill>
+              </a:defRPr>
             </a:lvl1pPr>
             <a:lvl2pPr marL="457200" indent="0">
               <a:buNone/>
@@ -1741,13 +1902,7 @@
       </p:sp>
       <p:sp>
         <p:nvSpPr>
-          <p:cNvPr id="6" name="Marcador de contenido 5">
-            <a:extLst>
-              <a:ext uri="{FF2B5EF4-FFF2-40B4-BE49-F238E27FC236}">
-                <a16:creationId xmlns:a16="http://schemas.microsoft.com/office/drawing/2014/main" id="{B91C31A6-EA55-41C3-B2CA-60233C83B76C}"/>
-              </a:ext>
-            </a:extLst>
-          </p:cNvPr>
+          <p:cNvPr id="6" name="Content Placeholder 5"/>
           <p:cNvSpPr>
             <a:spLocks noGrp="1"/>
           </p:cNvSpPr>
@@ -1757,8 +1912,8 @@
         </p:nvSpPr>
         <p:spPr>
           <a:xfrm>
-            <a:off x="6172200" y="2505075"/>
-            <a:ext cx="5183188" cy="3684588"/>
+            <a:off x="6217920" y="2582334"/>
+            <a:ext cx="4937760" cy="3378200"/>
           </a:xfrm>
         </p:spPr>
         <p:txBody>
@@ -1798,19 +1953,13 @@
               <a:rPr lang="es-ES"/>
               <a:t>Quinto nivel</a:t>
             </a:r>
-            <a:endParaRPr lang="es-MX"/>
-          </a:p>
-        </p:txBody>
-      </p:sp>
-      <p:sp>
-        <p:nvSpPr>
-          <p:cNvPr id="7" name="Marcador de fecha 6">
-            <a:extLst>
-              <a:ext uri="{FF2B5EF4-FFF2-40B4-BE49-F238E27FC236}">
-                <a16:creationId xmlns:a16="http://schemas.microsoft.com/office/drawing/2014/main" id="{83286620-8946-49BC-B7A8-D15CD88E730D}"/>
-              </a:ext>
-            </a:extLst>
-          </p:cNvPr>
+            <a:endParaRPr lang="en-US" dirty="0"/>
+          </a:p>
+        </p:txBody>
+      </p:sp>
+      <p:sp>
+        <p:nvSpPr>
+          <p:cNvPr id="7" name="Date Placeholder 6"/>
           <p:cNvSpPr>
             <a:spLocks noGrp="1"/>
           </p:cNvSpPr>
@@ -1833,13 +1982,7 @@
       </p:sp>
       <p:sp>
         <p:nvSpPr>
-          <p:cNvPr id="8" name="Marcador de pie de página 7">
-            <a:extLst>
-              <a:ext uri="{FF2B5EF4-FFF2-40B4-BE49-F238E27FC236}">
-                <a16:creationId xmlns:a16="http://schemas.microsoft.com/office/drawing/2014/main" id="{AE43BC07-88D4-4129-B4A9-4B1CD8146678}"/>
-              </a:ext>
-            </a:extLst>
-          </p:cNvPr>
+          <p:cNvPr id="8" name="Footer Placeholder 7"/>
           <p:cNvSpPr>
             <a:spLocks noGrp="1"/>
           </p:cNvSpPr>
@@ -1858,13 +2001,7 @@
       </p:sp>
       <p:sp>
         <p:nvSpPr>
-          <p:cNvPr id="9" name="Marcador de número de diapositiva 8">
-            <a:extLst>
-              <a:ext uri="{FF2B5EF4-FFF2-40B4-BE49-F238E27FC236}">
-                <a16:creationId xmlns:a16="http://schemas.microsoft.com/office/drawing/2014/main" id="{9D5F7F6B-9215-452E-9A49-897A21D608B7}"/>
-              </a:ext>
-            </a:extLst>
-          </p:cNvPr>
+          <p:cNvPr id="9" name="Slide Number Placeholder 8"/>
           <p:cNvSpPr>
             <a:spLocks noGrp="1"/>
           </p:cNvSpPr>
@@ -1888,7 +2025,7 @@
     </p:spTree>
     <p:extLst>
       <p:ext uri="{BB962C8B-B14F-4D97-AF65-F5344CB8AC3E}">
-        <p14:creationId xmlns:p14="http://schemas.microsoft.com/office/powerpoint/2010/main" val="1923606473"/>
+        <p14:creationId xmlns:p14="http://schemas.microsoft.com/office/powerpoint/2010/main" val="1577288496"/>
       </p:ext>
     </p:extLst>
   </p:cSld>
@@ -1917,13 +2054,7 @@
       </p:grpSpPr>
       <p:sp>
         <p:nvSpPr>
-          <p:cNvPr id="2" name="Título 1">
-            <a:extLst>
-              <a:ext uri="{FF2B5EF4-FFF2-40B4-BE49-F238E27FC236}">
-                <a16:creationId xmlns:a16="http://schemas.microsoft.com/office/drawing/2014/main" id="{FC2B365A-491F-4FB3-A4A8-D0EB1594DEC7}"/>
-              </a:ext>
-            </a:extLst>
-          </p:cNvPr>
+          <p:cNvPr id="2" name="Title 1"/>
           <p:cNvSpPr>
             <a:spLocks noGrp="1"/>
           </p:cNvSpPr>
@@ -1940,19 +2071,13 @@
               <a:rPr lang="es-ES"/>
               <a:t>Haga clic para modificar el estilo de título del patrón</a:t>
             </a:r>
-            <a:endParaRPr lang="es-MX"/>
-          </a:p>
-        </p:txBody>
-      </p:sp>
-      <p:sp>
-        <p:nvSpPr>
-          <p:cNvPr id="3" name="Marcador de fecha 2">
-            <a:extLst>
-              <a:ext uri="{FF2B5EF4-FFF2-40B4-BE49-F238E27FC236}">
-                <a16:creationId xmlns:a16="http://schemas.microsoft.com/office/drawing/2014/main" id="{69BB6E68-FCF3-4C77-92A8-ED281F6B2CEC}"/>
-              </a:ext>
-            </a:extLst>
-          </p:cNvPr>
+            <a:endParaRPr lang="en-US" dirty="0"/>
+          </a:p>
+        </p:txBody>
+      </p:sp>
+      <p:sp>
+        <p:nvSpPr>
+          <p:cNvPr id="3" name="Date Placeholder 2"/>
           <p:cNvSpPr>
             <a:spLocks noGrp="1"/>
           </p:cNvSpPr>
@@ -1975,13 +2100,7 @@
       </p:sp>
       <p:sp>
         <p:nvSpPr>
-          <p:cNvPr id="4" name="Marcador de pie de página 3">
-            <a:extLst>
-              <a:ext uri="{FF2B5EF4-FFF2-40B4-BE49-F238E27FC236}">
-                <a16:creationId xmlns:a16="http://schemas.microsoft.com/office/drawing/2014/main" id="{513C6C7D-D89B-443B-BB33-7A5406CCB710}"/>
-              </a:ext>
-            </a:extLst>
-          </p:cNvPr>
+          <p:cNvPr id="4" name="Footer Placeholder 3"/>
           <p:cNvSpPr>
             <a:spLocks noGrp="1"/>
           </p:cNvSpPr>
@@ -2000,13 +2119,7 @@
       </p:sp>
       <p:sp>
         <p:nvSpPr>
-          <p:cNvPr id="5" name="Marcador de número de diapositiva 4">
-            <a:extLst>
-              <a:ext uri="{FF2B5EF4-FFF2-40B4-BE49-F238E27FC236}">
-                <a16:creationId xmlns:a16="http://schemas.microsoft.com/office/drawing/2014/main" id="{733214FC-A9B6-431B-BFB0-7B5792BA518B}"/>
-              </a:ext>
-            </a:extLst>
-          </p:cNvPr>
+          <p:cNvPr id="5" name="Slide Number Placeholder 4"/>
           <p:cNvSpPr>
             <a:spLocks noGrp="1"/>
           </p:cNvSpPr>
@@ -2030,7 +2143,7 @@
     </p:spTree>
     <p:extLst>
       <p:ext uri="{BB962C8B-B14F-4D97-AF65-F5344CB8AC3E}">
-        <p14:creationId xmlns:p14="http://schemas.microsoft.com/office/powerpoint/2010/main" val="3444499117"/>
+        <p14:creationId xmlns:p14="http://schemas.microsoft.com/office/powerpoint/2010/main" val="3769320463"/>
       </p:ext>
     </p:extLst>
   </p:cSld>
@@ -2041,7 +2154,7 @@
 </file>
 
 <file path=ppt/slideLayouts/slideLayout7.xml><?xml version="1.0" encoding="utf-8"?>
-<p:sldLayout xmlns:a="http://schemas.openxmlformats.org/drawingml/2006/main" xmlns:r="http://schemas.openxmlformats.org/officeDocument/2006/relationships" xmlns:p="http://schemas.openxmlformats.org/presentationml/2006/main" type="blank" preserve="1">
+<p:sldLayout xmlns:a="http://schemas.openxmlformats.org/drawingml/2006/main" xmlns:r="http://schemas.openxmlformats.org/officeDocument/2006/relationships" xmlns:p="http://schemas.openxmlformats.org/presentationml/2006/main" showMasterSp="0" type="blank" preserve="1">
   <p:cSld name="En blanco">
     <p:spTree>
       <p:nvGrpSpPr>
@@ -2059,13 +2172,83 @@
       </p:grpSpPr>
       <p:sp>
         <p:nvSpPr>
-          <p:cNvPr id="2" name="Marcador de fecha 1">
-            <a:extLst>
-              <a:ext uri="{FF2B5EF4-FFF2-40B4-BE49-F238E27FC236}">
-                <a16:creationId xmlns:a16="http://schemas.microsoft.com/office/drawing/2014/main" id="{9B2C80BC-0F3F-4E74-B66E-4FE0DDBC67E1}"/>
-              </a:ext>
-            </a:extLst>
-          </p:cNvPr>
+          <p:cNvPr id="5" name="Rectangle 4"/>
+          <p:cNvSpPr/>
+          <p:nvPr/>
+        </p:nvSpPr>
+        <p:spPr>
+          <a:xfrm>
+            <a:off x="3175" y="6400800"/>
+            <a:ext cx="12188825" cy="457200"/>
+          </a:xfrm>
+          <a:prstGeom prst="rect">
+            <a:avLst/>
+          </a:prstGeom>
+          <a:solidFill>
+            <a:schemeClr val="accent2"/>
+          </a:solidFill>
+          <a:ln>
+            <a:noFill/>
+          </a:ln>
+        </p:spPr>
+        <p:style>
+          <a:lnRef idx="2">
+            <a:schemeClr val="accent1">
+              <a:shade val="50000"/>
+            </a:schemeClr>
+          </a:lnRef>
+          <a:fillRef idx="1">
+            <a:schemeClr val="accent1"/>
+          </a:fillRef>
+          <a:effectRef idx="0">
+            <a:schemeClr val="accent1"/>
+          </a:effectRef>
+          <a:fontRef idx="minor">
+            <a:schemeClr val="lt1"/>
+          </a:fontRef>
+        </p:style>
+      </p:sp>
+      <p:sp>
+        <p:nvSpPr>
+          <p:cNvPr id="6" name="Rectangle 5"/>
+          <p:cNvSpPr/>
+          <p:nvPr/>
+        </p:nvSpPr>
+        <p:spPr>
+          <a:xfrm>
+            <a:off x="15" y="6334316"/>
+            <a:ext cx="12188825" cy="64008"/>
+          </a:xfrm>
+          <a:prstGeom prst="rect">
+            <a:avLst/>
+          </a:prstGeom>
+          <a:solidFill>
+            <a:schemeClr val="accent1"/>
+          </a:solidFill>
+          <a:ln>
+            <a:noFill/>
+          </a:ln>
+        </p:spPr>
+        <p:style>
+          <a:lnRef idx="2">
+            <a:schemeClr val="accent1">
+              <a:shade val="50000"/>
+            </a:schemeClr>
+          </a:lnRef>
+          <a:fillRef idx="1">
+            <a:schemeClr val="accent1"/>
+          </a:fillRef>
+          <a:effectRef idx="0">
+            <a:schemeClr val="accent1"/>
+          </a:effectRef>
+          <a:fontRef idx="minor">
+            <a:schemeClr val="lt1"/>
+          </a:fontRef>
+        </p:style>
+      </p:sp>
+      <p:sp>
+        <p:nvSpPr>
+          <p:cNvPr id="7" name="Date Placeholder 6"/>
           <p:cNvSpPr>
             <a:spLocks noGrp="1"/>
           </p:cNvSpPr>
@@ -2088,13 +2271,7 @@
       </p:sp>
       <p:sp>
         <p:nvSpPr>
-          <p:cNvPr id="3" name="Marcador de pie de página 2">
-            <a:extLst>
-              <a:ext uri="{FF2B5EF4-FFF2-40B4-BE49-F238E27FC236}">
-                <a16:creationId xmlns:a16="http://schemas.microsoft.com/office/drawing/2014/main" id="{05D7A96E-01CB-456D-87A0-813DF733AFB5}"/>
-              </a:ext>
-            </a:extLst>
-          </p:cNvPr>
+          <p:cNvPr id="8" name="Footer Placeholder 7"/>
           <p:cNvSpPr>
             <a:spLocks noGrp="1"/>
           </p:cNvSpPr>
@@ -2105,7 +2282,15 @@
         <p:spPr/>
         <p:txBody>
           <a:bodyPr/>
-          <a:lstStyle/>
+          <a:lstStyle>
+            <a:lvl1pPr>
+              <a:defRPr>
+                <a:solidFill>
+                  <a:srgbClr val="FFFFFF"/>
+                </a:solidFill>
+              </a:defRPr>
+            </a:lvl1pPr>
+          </a:lstStyle>
           <a:p>
             <a:endParaRPr lang="es-MX"/>
           </a:p>
@@ -2113,13 +2298,7 @@
       </p:sp>
       <p:sp>
         <p:nvSpPr>
-          <p:cNvPr id="4" name="Marcador de número de diapositiva 3">
-            <a:extLst>
-              <a:ext uri="{FF2B5EF4-FFF2-40B4-BE49-F238E27FC236}">
-                <a16:creationId xmlns:a16="http://schemas.microsoft.com/office/drawing/2014/main" id="{666E9178-B646-4991-BEA5-9FA90ACAC0B2}"/>
-              </a:ext>
-            </a:extLst>
-          </p:cNvPr>
+          <p:cNvPr id="9" name="Slide Number Placeholder 8"/>
           <p:cNvSpPr>
             <a:spLocks noGrp="1"/>
           </p:cNvSpPr>
@@ -2143,7 +2322,7 @@
     </p:spTree>
     <p:extLst>
       <p:ext uri="{BB962C8B-B14F-4D97-AF65-F5344CB8AC3E}">
-        <p14:creationId xmlns:p14="http://schemas.microsoft.com/office/powerpoint/2010/main" val="3343050919"/>
+        <p14:creationId xmlns:p14="http://schemas.microsoft.com/office/powerpoint/2010/main" val="2058760513"/>
       </p:ext>
     </p:extLst>
   </p:cSld>
@@ -2154,7 +2333,7 @@
 </file>
 
 <file path=ppt/slideLayouts/slideLayout8.xml><?xml version="1.0" encoding="utf-8"?>
-<p:sldLayout xmlns:a="http://schemas.openxmlformats.org/drawingml/2006/main" xmlns:r="http://schemas.openxmlformats.org/officeDocument/2006/relationships" xmlns:p="http://schemas.openxmlformats.org/presentationml/2006/main" type="objTx" preserve="1">
+<p:sldLayout xmlns:a="http://schemas.openxmlformats.org/drawingml/2006/main" xmlns:r="http://schemas.openxmlformats.org/officeDocument/2006/relationships" xmlns:p="http://schemas.openxmlformats.org/presentationml/2006/main" showMasterSp="0" type="objTx" preserve="1">
   <p:cSld name="Contenido con título">
     <p:spTree>
       <p:nvGrpSpPr>
@@ -2172,13 +2351,83 @@
       </p:grpSpPr>
       <p:sp>
         <p:nvSpPr>
-          <p:cNvPr id="2" name="Título 1">
-            <a:extLst>
-              <a:ext uri="{FF2B5EF4-FFF2-40B4-BE49-F238E27FC236}">
-                <a16:creationId xmlns:a16="http://schemas.microsoft.com/office/drawing/2014/main" id="{9E7BADAB-695A-4240-B3E3-57074059A342}"/>
-              </a:ext>
-            </a:extLst>
-          </p:cNvPr>
+          <p:cNvPr id="8" name="Rectangle 7"/>
+          <p:cNvSpPr/>
+          <p:nvPr/>
+        </p:nvSpPr>
+        <p:spPr>
+          <a:xfrm>
+            <a:off x="16" y="0"/>
+            <a:ext cx="4050791" cy="6858000"/>
+          </a:xfrm>
+          <a:prstGeom prst="rect">
+            <a:avLst/>
+          </a:prstGeom>
+          <a:solidFill>
+            <a:schemeClr val="accent2"/>
+          </a:solidFill>
+          <a:ln>
+            <a:noFill/>
+          </a:ln>
+        </p:spPr>
+        <p:style>
+          <a:lnRef idx="2">
+            <a:schemeClr val="accent1">
+              <a:shade val="50000"/>
+            </a:schemeClr>
+          </a:lnRef>
+          <a:fillRef idx="1">
+            <a:schemeClr val="accent1"/>
+          </a:fillRef>
+          <a:effectRef idx="0">
+            <a:schemeClr val="accent1"/>
+          </a:effectRef>
+          <a:fontRef idx="minor">
+            <a:schemeClr val="lt1"/>
+          </a:fontRef>
+        </p:style>
+      </p:sp>
+      <p:sp>
+        <p:nvSpPr>
+          <p:cNvPr id="9" name="Rectangle 8"/>
+          <p:cNvSpPr/>
+          <p:nvPr/>
+        </p:nvSpPr>
+        <p:spPr>
+          <a:xfrm>
+            <a:off x="4040071" y="0"/>
+            <a:ext cx="64008" cy="6858000"/>
+          </a:xfrm>
+          <a:prstGeom prst="rect">
+            <a:avLst/>
+          </a:prstGeom>
+          <a:solidFill>
+            <a:schemeClr val="accent1"/>
+          </a:solidFill>
+          <a:ln>
+            <a:noFill/>
+          </a:ln>
+        </p:spPr>
+        <p:style>
+          <a:lnRef idx="2">
+            <a:schemeClr val="accent1">
+              <a:shade val="50000"/>
+            </a:schemeClr>
+          </a:lnRef>
+          <a:fillRef idx="1">
+            <a:schemeClr val="accent1"/>
+          </a:fillRef>
+          <a:effectRef idx="0">
+            <a:schemeClr val="accent1"/>
+          </a:effectRef>
+          <a:fontRef idx="minor">
+            <a:schemeClr val="lt1"/>
+          </a:fontRef>
+        </p:style>
+      </p:sp>
+      <p:sp>
+        <p:nvSpPr>
+          <p:cNvPr id="2" name="Title 1"/>
           <p:cNvSpPr>
             <a:spLocks noGrp="1"/>
           </p:cNvSpPr>
@@ -2188,15 +2437,21 @@
         </p:nvSpPr>
         <p:spPr>
           <a:xfrm>
-            <a:off x="839788" y="457200"/>
-            <a:ext cx="3932237" cy="1600200"/>
-          </a:xfrm>
-        </p:spPr>
-        <p:txBody>
-          <a:bodyPr anchor="b"/>
+            <a:off x="457200" y="594359"/>
+            <a:ext cx="3200400" cy="2286000"/>
+          </a:xfrm>
+        </p:spPr>
+        <p:txBody>
+          <a:bodyPr anchor="b">
+            <a:normAutofit/>
+          </a:bodyPr>
           <a:lstStyle>
             <a:lvl1pPr>
-              <a:defRPr sz="3200"/>
+              <a:defRPr sz="3600" b="0">
+                <a:solidFill>
+                  <a:srgbClr val="FFFFFF"/>
+                </a:solidFill>
+              </a:defRPr>
             </a:lvl1pPr>
           </a:lstStyle>
           <a:p>
@@ -2204,19 +2459,13 @@
               <a:rPr lang="es-ES"/>
               <a:t>Haga clic para modificar el estilo de título del patrón</a:t>
             </a:r>
-            <a:endParaRPr lang="es-MX"/>
-          </a:p>
-        </p:txBody>
-      </p:sp>
-      <p:sp>
-        <p:nvSpPr>
-          <p:cNvPr id="3" name="Marcador de contenido 2">
-            <a:extLst>
-              <a:ext uri="{FF2B5EF4-FFF2-40B4-BE49-F238E27FC236}">
-                <a16:creationId xmlns:a16="http://schemas.microsoft.com/office/drawing/2014/main" id="{0C319FE2-226F-45A5-93FB-249F806846E2}"/>
-              </a:ext>
-            </a:extLst>
-          </p:cNvPr>
+            <a:endParaRPr lang="en-US" dirty="0"/>
+          </a:p>
+        </p:txBody>
+      </p:sp>
+      <p:sp>
+        <p:nvSpPr>
+          <p:cNvPr id="3" name="Content Placeholder 2"/>
           <p:cNvSpPr>
             <a:spLocks noGrp="1"/>
           </p:cNvSpPr>
@@ -2226,39 +2475,111 @@
         </p:nvSpPr>
         <p:spPr>
           <a:xfrm>
-            <a:off x="5183188" y="987425"/>
-            <a:ext cx="6172200" cy="4873625"/>
-          </a:xfrm>
-        </p:spPr>
-        <p:txBody>
-          <a:bodyPr/>
+            <a:off x="4800600" y="731520"/>
+            <a:ext cx="6492240" cy="5257800"/>
+          </a:xfrm>
+        </p:spPr>
+        <p:txBody>
+          <a:bodyPr/>
+          <a:lstStyle/>
+          <a:p>
+            <a:pPr lvl="0"/>
+            <a:r>
+              <a:rPr lang="es-ES"/>
+              <a:t>Haga clic para modificar los estilos de texto del patrón</a:t>
+            </a:r>
+          </a:p>
+          <a:p>
+            <a:pPr lvl="1"/>
+            <a:r>
+              <a:rPr lang="es-ES"/>
+              <a:t>Segundo nivel</a:t>
+            </a:r>
+          </a:p>
+          <a:p>
+            <a:pPr lvl="2"/>
+            <a:r>
+              <a:rPr lang="es-ES"/>
+              <a:t>Tercer nivel</a:t>
+            </a:r>
+          </a:p>
+          <a:p>
+            <a:pPr lvl="3"/>
+            <a:r>
+              <a:rPr lang="es-ES"/>
+              <a:t>Cuarto nivel</a:t>
+            </a:r>
+          </a:p>
+          <a:p>
+            <a:pPr lvl="4"/>
+            <a:r>
+              <a:rPr lang="es-ES"/>
+              <a:t>Quinto nivel</a:t>
+            </a:r>
+            <a:endParaRPr lang="en-US" dirty="0"/>
+          </a:p>
+        </p:txBody>
+      </p:sp>
+      <p:sp>
+        <p:nvSpPr>
+          <p:cNvPr id="4" name="Text Placeholder 3"/>
+          <p:cNvSpPr>
+            <a:spLocks noGrp="1"/>
+          </p:cNvSpPr>
+          <p:nvPr>
+            <p:ph type="body" sz="half" idx="2"/>
+          </p:nvPr>
+        </p:nvSpPr>
+        <p:spPr>
+          <a:xfrm>
+            <a:off x="457200" y="2926080"/>
+            <a:ext cx="3200400" cy="3379124"/>
+          </a:xfrm>
+        </p:spPr>
+        <p:txBody>
+          <a:bodyPr lIns="91440" rIns="91440">
+            <a:normAutofit/>
+          </a:bodyPr>
           <a:lstStyle>
-            <a:lvl1pPr>
-              <a:defRPr sz="3200"/>
+            <a:lvl1pPr marL="0" indent="0">
+              <a:buNone/>
+              <a:defRPr sz="1500">
+                <a:solidFill>
+                  <a:srgbClr val="FFFFFF"/>
+                </a:solidFill>
+              </a:defRPr>
             </a:lvl1pPr>
-            <a:lvl2pPr>
-              <a:defRPr sz="2800"/>
+            <a:lvl2pPr marL="457200" indent="0">
+              <a:buNone/>
+              <a:defRPr sz="1200"/>
             </a:lvl2pPr>
-            <a:lvl3pPr>
-              <a:defRPr sz="2400"/>
+            <a:lvl3pPr marL="914400" indent="0">
+              <a:buNone/>
+              <a:defRPr sz="1000"/>
             </a:lvl3pPr>
-            <a:lvl4pPr>
-              <a:defRPr sz="2000"/>
+            <a:lvl4pPr marL="1371600" indent="0">
+              <a:buNone/>
+              <a:defRPr sz="900"/>
             </a:lvl4pPr>
-            <a:lvl5pPr>
-              <a:defRPr sz="2000"/>
+            <a:lvl5pPr marL="1828800" indent="0">
+              <a:buNone/>
+              <a:defRPr sz="900"/>
             </a:lvl5pPr>
-            <a:lvl6pPr>
-              <a:defRPr sz="2000"/>
+            <a:lvl6pPr marL="2286000" indent="0">
+              <a:buNone/>
+              <a:defRPr sz="900"/>
             </a:lvl6pPr>
-            <a:lvl7pPr>
-              <a:defRPr sz="2000"/>
+            <a:lvl7pPr marL="2743200" indent="0">
+              <a:buNone/>
+              <a:defRPr sz="900"/>
             </a:lvl7pPr>
-            <a:lvl8pPr>
-              <a:defRPr sz="2000"/>
+            <a:lvl8pPr marL="3200400" indent="0">
+              <a:buNone/>
+              <a:defRPr sz="900"/>
             </a:lvl8pPr>
-            <a:lvl9pPr>
-              <a:defRPr sz="2000"/>
+            <a:lvl9pPr marL="3657600" indent="0">
+              <a:buNone/>
+              <a:defRPr sz="900"/>
             </a:lvl9pPr>
           </a:lstStyle>
           <a:p>
@@ -2268,128 +2589,31 @@
               <a:t>Haga clic para modificar los estilos de texto del patrón</a:t>
             </a:r>
           </a:p>
-          <a:p>
-            <a:pPr lvl="1"/>
-            <a:r>
-              <a:rPr lang="es-ES"/>
-              <a:t>Segundo nivel</a:t>
-            </a:r>
-          </a:p>
-          <a:p>
-            <a:pPr lvl="2"/>
-            <a:r>
-              <a:rPr lang="es-ES"/>
-              <a:t>Tercer nivel</a:t>
-            </a:r>
-          </a:p>
-          <a:p>
-            <a:pPr lvl="3"/>
-            <a:r>
-              <a:rPr lang="es-ES"/>
-              <a:t>Cuarto nivel</a:t>
-            </a:r>
-          </a:p>
-          <a:p>
-            <a:pPr lvl="4"/>
-            <a:r>
-              <a:rPr lang="es-ES"/>
-              <a:t>Quinto nivel</a:t>
-            </a:r>
-            <a:endParaRPr lang="es-MX"/>
-          </a:p>
-        </p:txBody>
-      </p:sp>
-      <p:sp>
-        <p:nvSpPr>
-          <p:cNvPr id="4" name="Marcador de texto 3">
-            <a:extLst>
-              <a:ext uri="{FF2B5EF4-FFF2-40B4-BE49-F238E27FC236}">
-                <a16:creationId xmlns:a16="http://schemas.microsoft.com/office/drawing/2014/main" id="{52328E3A-0480-404F-B6F9-1818150C4CB6}"/>
-              </a:ext>
-            </a:extLst>
-          </p:cNvPr>
-          <p:cNvSpPr>
-            <a:spLocks noGrp="1"/>
-          </p:cNvSpPr>
-          <p:nvPr>
-            <p:ph type="body" sz="half" idx="2"/>
-          </p:nvPr>
-        </p:nvSpPr>
-        <p:spPr>
-          <a:xfrm>
-            <a:off x="839788" y="2057400"/>
-            <a:ext cx="3932237" cy="3811588"/>
+        </p:txBody>
+      </p:sp>
+      <p:sp>
+        <p:nvSpPr>
+          <p:cNvPr id="5" name="Date Placeholder 4"/>
+          <p:cNvSpPr>
+            <a:spLocks noGrp="1"/>
+          </p:cNvSpPr>
+          <p:nvPr>
+            <p:ph type="dt" sz="half" idx="10"/>
+          </p:nvPr>
+        </p:nvSpPr>
+        <p:spPr>
+          <a:xfrm>
+            <a:off x="465512" y="6459785"/>
+            <a:ext cx="2618510" cy="365125"/>
           </a:xfrm>
         </p:spPr>
         <p:txBody>
           <a:bodyPr/>
           <a:lstStyle>
-            <a:lvl1pPr marL="0" indent="0">
-              <a:buNone/>
-              <a:defRPr sz="1600"/>
+            <a:lvl1pPr algn="l">
+              <a:defRPr/>
             </a:lvl1pPr>
-            <a:lvl2pPr marL="457200" indent="0">
-              <a:buNone/>
-              <a:defRPr sz="1400"/>
-            </a:lvl2pPr>
-            <a:lvl3pPr marL="914400" indent="0">
-              <a:buNone/>
-              <a:defRPr sz="1200"/>
-            </a:lvl3pPr>
-            <a:lvl4pPr marL="1371600" indent="0">
-              <a:buNone/>
-              <a:defRPr sz="1000"/>
-            </a:lvl4pPr>
-            <a:lvl5pPr marL="1828800" indent="0">
-              <a:buNone/>
-              <a:defRPr sz="1000"/>
-            </a:lvl5pPr>
-            <a:lvl6pPr marL="2286000" indent="0">
-              <a:buNone/>
-              <a:defRPr sz="1000"/>
-            </a:lvl6pPr>
-            <a:lvl7pPr marL="2743200" indent="0">
-              <a:buNone/>
-              <a:defRPr sz="1000"/>
-            </a:lvl7pPr>
-            <a:lvl8pPr marL="3200400" indent="0">
-              <a:buNone/>
-              <a:defRPr sz="1000"/>
-            </a:lvl8pPr>
-            <a:lvl9pPr marL="3657600" indent="0">
-              <a:buNone/>
-              <a:defRPr sz="1000"/>
-            </a:lvl9pPr>
           </a:lstStyle>
-          <a:p>
-            <a:pPr lvl="0"/>
-            <a:r>
-              <a:rPr lang="es-ES"/>
-              <a:t>Haga clic para modificar los estilos de texto del patrón</a:t>
-            </a:r>
-          </a:p>
-        </p:txBody>
-      </p:sp>
-      <p:sp>
-        <p:nvSpPr>
-          <p:cNvPr id="5" name="Marcador de fecha 4">
-            <a:extLst>
-              <a:ext uri="{FF2B5EF4-FFF2-40B4-BE49-F238E27FC236}">
-                <a16:creationId xmlns:a16="http://schemas.microsoft.com/office/drawing/2014/main" id="{AE33181C-8461-41E5-A0F3-4281F49D7AAE}"/>
-              </a:ext>
-            </a:extLst>
-          </p:cNvPr>
-          <p:cNvSpPr>
-            <a:spLocks noGrp="1"/>
-          </p:cNvSpPr>
-          <p:nvPr>
-            <p:ph type="dt" sz="half" idx="10"/>
-          </p:nvPr>
-        </p:nvSpPr>
-        <p:spPr/>
-        <p:txBody>
-          <a:bodyPr/>
-          <a:lstStyle/>
           <a:p>
             <a:fld id="{1B38D152-09A4-4DE4-9ECD-F92C5AF9544F}" type="datetimeFigureOut">
               <a:rPr lang="es-MX" smtClean="0"/>
@@ -2401,13 +2625,7 @@
       </p:sp>
       <p:sp>
         <p:nvSpPr>
-          <p:cNvPr id="6" name="Marcador de pie de página 5">
-            <a:extLst>
-              <a:ext uri="{FF2B5EF4-FFF2-40B4-BE49-F238E27FC236}">
-                <a16:creationId xmlns:a16="http://schemas.microsoft.com/office/drawing/2014/main" id="{50AB56AA-5D2E-42BD-B617-C33DC99B5109}"/>
-              </a:ext>
-            </a:extLst>
-          </p:cNvPr>
+          <p:cNvPr id="6" name="Footer Placeholder 5"/>
           <p:cNvSpPr>
             <a:spLocks noGrp="1"/>
           </p:cNvSpPr>
@@ -2415,35 +2633,50 @@
             <p:ph type="ftr" sz="quarter" idx="11"/>
           </p:nvPr>
         </p:nvSpPr>
+        <p:spPr>
+          <a:xfrm>
+            <a:off x="4800600" y="6459785"/>
+            <a:ext cx="4648200" cy="365125"/>
+          </a:xfrm>
+        </p:spPr>
+        <p:txBody>
+          <a:bodyPr/>
+          <a:lstStyle>
+            <a:lvl1pPr algn="l">
+              <a:defRPr>
+                <a:solidFill>
+                  <a:schemeClr val="tx2"/>
+                </a:solidFill>
+              </a:defRPr>
+            </a:lvl1pPr>
+          </a:lstStyle>
+          <a:p>
+            <a:endParaRPr lang="es-MX"/>
+          </a:p>
+        </p:txBody>
+      </p:sp>
+      <p:sp>
+        <p:nvSpPr>
+          <p:cNvPr id="7" name="Slide Number Placeholder 6"/>
+          <p:cNvSpPr>
+            <a:spLocks noGrp="1"/>
+          </p:cNvSpPr>
+          <p:nvPr>
+            <p:ph type="sldNum" sz="quarter" idx="12"/>
+          </p:nvPr>
+        </p:nvSpPr>
         <p:spPr/>
         <p:txBody>
           <a:bodyPr/>
-          <a:lstStyle/>
-          <a:p>
-            <a:endParaRPr lang="es-MX"/>
-          </a:p>
-        </p:txBody>
-      </p:sp>
-      <p:sp>
-        <p:nvSpPr>
-          <p:cNvPr id="7" name="Marcador de número de diapositiva 6">
-            <a:extLst>
-              <a:ext uri="{FF2B5EF4-FFF2-40B4-BE49-F238E27FC236}">
-                <a16:creationId xmlns:a16="http://schemas.microsoft.com/office/drawing/2014/main" id="{EDB15BB1-B678-4E91-8068-94F0CC1A3137}"/>
-              </a:ext>
-            </a:extLst>
-          </p:cNvPr>
-          <p:cNvSpPr>
-            <a:spLocks noGrp="1"/>
-          </p:cNvSpPr>
-          <p:nvPr>
-            <p:ph type="sldNum" sz="quarter" idx="12"/>
-          </p:nvPr>
-        </p:nvSpPr>
-        <p:spPr/>
-        <p:txBody>
-          <a:bodyPr/>
-          <a:lstStyle/>
+          <a:lstStyle>
+            <a:lvl1pPr>
+              <a:defRPr>
+                <a:solidFill>
+                  <a:schemeClr val="tx2"/>
+                </a:solidFill>
+              </a:defRPr>
+            </a:lvl1pPr>
+          </a:lstStyle>
           <a:p>
             <a:fld id="{EDCB86D8-FE08-4DE1-AA5D-94B6DE39EFAE}" type="slidenum">
               <a:rPr lang="es-MX" smtClean="0"/>
@@ -2456,7 +2689,7 @@
     </p:spTree>
     <p:extLst>
       <p:ext uri="{BB962C8B-B14F-4D97-AF65-F5344CB8AC3E}">
-        <p14:creationId xmlns:p14="http://schemas.microsoft.com/office/powerpoint/2010/main" val="3074349579"/>
+        <p14:creationId xmlns:p14="http://schemas.microsoft.com/office/powerpoint/2010/main" val="3702617924"/>
       </p:ext>
     </p:extLst>
   </p:cSld>
@@ -2467,7 +2700,7 @@
 </file>
 
 <file path=ppt/slideLayouts/slideLayout9.xml><?xml version="1.0" encoding="utf-8"?>
-<p:sldLayout xmlns:a="http://schemas.openxmlformats.org/drawingml/2006/main" xmlns:r="http://schemas.openxmlformats.org/officeDocument/2006/relationships" xmlns:p="http://schemas.openxmlformats.org/presentationml/2006/main" type="picTx" preserve="1">
+<p:sldLayout xmlns:a="http://schemas.openxmlformats.org/drawingml/2006/main" xmlns:r="http://schemas.openxmlformats.org/officeDocument/2006/relationships" xmlns:p="http://schemas.openxmlformats.org/presentationml/2006/main" showMasterSp="0" type="picTx" preserve="1">
   <p:cSld name="Imagen con título">
     <p:spTree>
       <p:nvGrpSpPr>
@@ -2485,13 +2718,83 @@
       </p:grpSpPr>
       <p:sp>
         <p:nvSpPr>
-          <p:cNvPr id="2" name="Título 1">
-            <a:extLst>
-              <a:ext uri="{FF2B5EF4-FFF2-40B4-BE49-F238E27FC236}">
-                <a16:creationId xmlns:a16="http://schemas.microsoft.com/office/drawing/2014/main" id="{3E36F7F0-70AE-440E-80B4-19F638658445}"/>
-              </a:ext>
-            </a:extLst>
-          </p:cNvPr>
+          <p:cNvPr id="8" name="Rectangle 7"/>
+          <p:cNvSpPr/>
+          <p:nvPr/>
+        </p:nvSpPr>
+        <p:spPr>
+          <a:xfrm>
+            <a:off x="0" y="4953000"/>
+            <a:ext cx="12188825" cy="1905000"/>
+          </a:xfrm>
+          <a:prstGeom prst="rect">
+            <a:avLst/>
+          </a:prstGeom>
+          <a:solidFill>
+            <a:schemeClr val="accent2"/>
+          </a:solidFill>
+          <a:ln>
+            <a:noFill/>
+          </a:ln>
+        </p:spPr>
+        <p:style>
+          <a:lnRef idx="2">
+            <a:schemeClr val="accent1">
+              <a:shade val="50000"/>
+            </a:schemeClr>
+          </a:lnRef>
+          <a:fillRef idx="1">
+            <a:schemeClr val="accent1"/>
+          </a:fillRef>
+          <a:effectRef idx="0">
+            <a:schemeClr val="accent1"/>
+          </a:effectRef>
+          <a:fontRef idx="minor">
+            <a:schemeClr val="lt1"/>
+          </a:fontRef>
+        </p:style>
+      </p:sp>
+      <p:sp>
+        <p:nvSpPr>
+          <p:cNvPr id="9" name="Rectangle 8"/>
+          <p:cNvSpPr/>
+          <p:nvPr/>
+        </p:nvSpPr>
+        <p:spPr>
+          <a:xfrm>
+            <a:off x="15" y="4915076"/>
+            <a:ext cx="12188825" cy="64008"/>
+          </a:xfrm>
+          <a:prstGeom prst="rect">
+            <a:avLst/>
+          </a:prstGeom>
+          <a:solidFill>
+            <a:schemeClr val="accent1"/>
+          </a:solidFill>
+          <a:ln>
+            <a:noFill/>
+          </a:ln>
+        </p:spPr>
+        <p:style>
+          <a:lnRef idx="2">
+            <a:schemeClr val="accent1">
+              <a:shade val="50000"/>
+            </a:schemeClr>
+          </a:lnRef>
+          <a:fillRef idx="1">
+            <a:schemeClr val="accent1"/>
+          </a:fillRef>
+          <a:effectRef idx="0">
+            <a:schemeClr val="accent1"/>
+          </a:effectRef>
+          <a:fontRef idx="minor">
+            <a:schemeClr val="lt1"/>
+          </a:fontRef>
+        </p:style>
+      </p:sp>
+      <p:sp>
+        <p:nvSpPr>
+          <p:cNvPr id="2" name="Title 1"/>
           <p:cNvSpPr>
             <a:spLocks noGrp="1"/>
           </p:cNvSpPr>
@@ -2501,15 +2804,21 @@
         </p:nvSpPr>
         <p:spPr>
           <a:xfrm>
-            <a:off x="839788" y="457200"/>
-            <a:ext cx="3932237" cy="1600200"/>
-          </a:xfrm>
-        </p:spPr>
-        <p:txBody>
-          <a:bodyPr anchor="b"/>
+            <a:off x="1097280" y="5074920"/>
+            <a:ext cx="10113264" cy="822960"/>
+          </a:xfrm>
+        </p:spPr>
+        <p:txBody>
+          <a:bodyPr lIns="91440" tIns="0" rIns="91440" bIns="0" anchor="b">
+            <a:noAutofit/>
+          </a:bodyPr>
           <a:lstStyle>
             <a:lvl1pPr>
-              <a:defRPr sz="3200"/>
+              <a:defRPr sz="3600" b="0">
+                <a:solidFill>
+                  <a:srgbClr val="FFFFFF"/>
+                </a:solidFill>
+              </a:defRPr>
             </a:lvl1pPr>
           </a:lstStyle>
           <a:p>
@@ -2517,21 +2826,15 @@
               <a:rPr lang="es-ES"/>
               <a:t>Haga clic para modificar el estilo de título del patrón</a:t>
             </a:r>
-            <a:endParaRPr lang="es-MX"/>
-          </a:p>
-        </p:txBody>
-      </p:sp>
-      <p:sp>
-        <p:nvSpPr>
-          <p:cNvPr id="3" name="Marcador de posición de imagen 2">
-            <a:extLst>
-              <a:ext uri="{FF2B5EF4-FFF2-40B4-BE49-F238E27FC236}">
-                <a16:creationId xmlns:a16="http://schemas.microsoft.com/office/drawing/2014/main" id="{715630F7-0466-4AEC-84F2-239DEB02EB84}"/>
-              </a:ext>
-            </a:extLst>
-          </p:cNvPr>
-          <p:cNvSpPr>
-            <a:spLocks noGrp="1"/>
+            <a:endParaRPr lang="en-US" dirty="0"/>
+          </a:p>
+        </p:txBody>
+      </p:sp>
+      <p:sp>
+        <p:nvSpPr>
+          <p:cNvPr id="3" name="Picture Placeholder 2"/>
+          <p:cNvSpPr>
+            <a:spLocks noGrp="1" noChangeAspect="1"/>
           </p:cNvSpPr>
           <p:nvPr>
             <p:ph type="pic" idx="1"/>
@@ -2539,16 +2842,26 @@
         </p:nvSpPr>
         <p:spPr>
           <a:xfrm>
-            <a:off x="5183188" y="987425"/>
-            <a:ext cx="6172200" cy="4873625"/>
-          </a:xfrm>
-        </p:spPr>
-        <p:txBody>
-          <a:bodyPr/>
+            <a:off x="15" y="0"/>
+            <a:ext cx="12191985" cy="4915076"/>
+          </a:xfrm>
+          <a:blipFill>
+            <a:blip r:embed="rId2"/>
+            <a:stretch>
+              <a:fillRect/>
+            </a:stretch>
+          </a:blipFill>
+        </p:spPr>
+        <p:txBody>
+          <a:bodyPr lIns="457200" tIns="457200" anchor="t"/>
           <a:lstStyle>
             <a:lvl1pPr marL="0" indent="0">
               <a:buNone/>
-              <a:defRPr sz="3200"/>
+              <a:defRPr sz="3200">
+                <a:solidFill>
+                  <a:schemeClr val="bg1"/>
+                </a:solidFill>
+              </a:defRPr>
             </a:lvl1pPr>
             <a:lvl2pPr marL="457200" indent="0">
               <a:buNone/>
@@ -2584,19 +2897,17 @@
             </a:lvl9pPr>
           </a:lstStyle>
           <a:p>
-            <a:endParaRPr lang="es-MX"/>
-          </a:p>
-        </p:txBody>
-      </p:sp>
-      <p:sp>
-        <p:nvSpPr>
-          <p:cNvPr id="4" name="Marcador de texto 3">
-            <a:extLst>
-              <a:ext uri="{FF2B5EF4-FFF2-40B4-BE49-F238E27FC236}">
-                <a16:creationId xmlns:a16="http://schemas.microsoft.com/office/drawing/2014/main" id="{BBC43D55-BF02-45EF-BA81-91106B9895E9}"/>
-              </a:ext>
-            </a:extLst>
-          </p:cNvPr>
+            <a:r>
+              <a:rPr lang="es-ES"/>
+              <a:t>Haga clic en el icono para agregar una imagen</a:t>
+            </a:r>
+            <a:endParaRPr lang="en-US" dirty="0"/>
+          </a:p>
+        </p:txBody>
+      </p:sp>
+      <p:sp>
+        <p:nvSpPr>
+          <p:cNvPr id="4" name="Text Placeholder 3"/>
           <p:cNvSpPr>
             <a:spLocks noGrp="1"/>
           </p:cNvSpPr>
@@ -2606,48 +2917,60 @@
         </p:nvSpPr>
         <p:spPr>
           <a:xfrm>
-            <a:off x="839788" y="2057400"/>
-            <a:ext cx="3932237" cy="3811588"/>
-          </a:xfrm>
-        </p:spPr>
-        <p:txBody>
-          <a:bodyPr/>
+            <a:off x="1097280" y="5907023"/>
+            <a:ext cx="10113264" cy="594360"/>
+          </a:xfrm>
+        </p:spPr>
+        <p:txBody>
+          <a:bodyPr lIns="91440" tIns="0" rIns="91440" bIns="0">
+            <a:normAutofit/>
+          </a:bodyPr>
           <a:lstStyle>
             <a:lvl1pPr marL="0" indent="0">
-              <a:buNone/>
-              <a:defRPr sz="1600"/>
+              <a:spcBef>
+                <a:spcPts val="0"/>
+              </a:spcBef>
+              <a:spcAft>
+                <a:spcPts val="600"/>
+              </a:spcAft>
+              <a:buNone/>
+              <a:defRPr sz="1500">
+                <a:solidFill>
+                  <a:srgbClr val="FFFFFF"/>
+                </a:solidFill>
+              </a:defRPr>
             </a:lvl1pPr>
             <a:lvl2pPr marL="457200" indent="0">
               <a:buNone/>
-              <a:defRPr sz="1400"/>
+              <a:defRPr sz="1200"/>
             </a:lvl2pPr>
             <a:lvl3pPr marL="914400" indent="0">
               <a:buNone/>
-              <a:defRPr sz="1200"/>
+              <a:defRPr sz="1000"/>
             </a:lvl3pPr>
             <a:lvl4pPr marL="1371600" indent="0">
               <a:buNone/>
-              <a:defRPr sz="1000"/>
+              <a:defRPr sz="900"/>
             </a:lvl4pPr>
             <a:lvl5pPr marL="1828800" indent="0">
               <a:buNone/>
-              <a:defRPr sz="1000"/>
+              <a:defRPr sz="900"/>
             </a:lvl5pPr>
             <a:lvl6pPr marL="2286000" indent="0">
               <a:buNone/>
-              <a:defRPr sz="1000"/>
+              <a:defRPr sz="900"/>
             </a:lvl6pPr>
             <a:lvl7pPr marL="2743200" indent="0">
               <a:buNone/>
-              <a:defRPr sz="1000"/>
+              <a:defRPr sz="900"/>
             </a:lvl7pPr>
             <a:lvl8pPr marL="3200400" indent="0">
               <a:buNone/>
-              <a:defRPr sz="1000"/>
+              <a:defRPr sz="900"/>
             </a:lvl8pPr>
             <a:lvl9pPr marL="3657600" indent="0">
               <a:buNone/>
-              <a:defRPr sz="1000"/>
+              <a:defRPr sz="900"/>
             </a:lvl9pPr>
           </a:lstStyle>
           <a:p>
@@ -2661,13 +2984,7 @@
       </p:sp>
       <p:sp>
         <p:nvSpPr>
-          <p:cNvPr id="5" name="Marcador de fecha 4">
-            <a:extLst>
-              <a:ext uri="{FF2B5EF4-FFF2-40B4-BE49-F238E27FC236}">
-                <a16:creationId xmlns:a16="http://schemas.microsoft.com/office/drawing/2014/main" id="{F18C972C-324D-4AE5-90D6-8A9F8D63FBE2}"/>
-              </a:ext>
-            </a:extLst>
-          </p:cNvPr>
+          <p:cNvPr id="5" name="Date Placeholder 4"/>
           <p:cNvSpPr>
             <a:spLocks noGrp="1"/>
           </p:cNvSpPr>
@@ -2690,13 +3007,7 @@
       </p:sp>
       <p:sp>
         <p:nvSpPr>
-          <p:cNvPr id="6" name="Marcador de pie de página 5">
-            <a:extLst>
-              <a:ext uri="{FF2B5EF4-FFF2-40B4-BE49-F238E27FC236}">
-                <a16:creationId xmlns:a16="http://schemas.microsoft.com/office/drawing/2014/main" id="{F89C892D-1F04-47DA-81B4-BB8EF1CCFFE2}"/>
-              </a:ext>
-            </a:extLst>
-          </p:cNvPr>
+          <p:cNvPr id="6" name="Footer Placeholder 5"/>
           <p:cNvSpPr>
             <a:spLocks noGrp="1"/>
           </p:cNvSpPr>
@@ -2715,13 +3026,7 @@
       </p:sp>
       <p:sp>
         <p:nvSpPr>
-          <p:cNvPr id="7" name="Marcador de número de diapositiva 6">
-            <a:extLst>
-              <a:ext uri="{FF2B5EF4-FFF2-40B4-BE49-F238E27FC236}">
-                <a16:creationId xmlns:a16="http://schemas.microsoft.com/office/drawing/2014/main" id="{F8C6D30E-DE6D-45C3-BD79-63F978CF38F2}"/>
-              </a:ext>
-            </a:extLst>
-          </p:cNvPr>
+          <p:cNvPr id="7" name="Slide Number Placeholder 6"/>
           <p:cNvSpPr>
             <a:spLocks noGrp="1"/>
           </p:cNvSpPr>
@@ -2745,7 +3050,7 @@
     </p:spTree>
     <p:extLst>
       <p:ext uri="{BB962C8B-B14F-4D97-AF65-F5344CB8AC3E}">
-        <p14:creationId xmlns:p14="http://schemas.microsoft.com/office/powerpoint/2010/main" val="160977821"/>
+        <p14:creationId xmlns:p14="http://schemas.microsoft.com/office/powerpoint/2010/main" val="4265445064"/>
       </p:ext>
     </p:extLst>
   </p:cSld>
@@ -2779,145 +3084,201 @@
       </p:grpSpPr>
       <p:sp>
         <p:nvSpPr>
-          <p:cNvPr id="2" name="Marcador de título 1">
-            <a:extLst>
-              <a:ext uri="{FF2B5EF4-FFF2-40B4-BE49-F238E27FC236}">
-                <a16:creationId xmlns:a16="http://schemas.microsoft.com/office/drawing/2014/main" id="{753C26B2-0436-4241-802D-1BDE051391D2}"/>
-              </a:ext>
-            </a:extLst>
-          </p:cNvPr>
-          <p:cNvSpPr>
-            <a:spLocks noGrp="1"/>
-          </p:cNvSpPr>
-          <p:nvPr>
-            <p:ph type="title"/>
-          </p:nvPr>
-        </p:nvSpPr>
-        <p:spPr>
-          <a:xfrm>
-            <a:off x="838200" y="365125"/>
-            <a:ext cx="10515600" cy="1325563"/>
+          <p:cNvPr id="7" name="Rectangle 6"/>
+          <p:cNvSpPr/>
+          <p:nvPr/>
+        </p:nvSpPr>
+        <p:spPr>
+          <a:xfrm>
+            <a:off x="1" y="6400800"/>
+            <a:ext cx="12192000" cy="457200"/>
           </a:xfrm>
           <a:prstGeom prst="rect">
             <a:avLst/>
           </a:prstGeom>
-        </p:spPr>
-        <p:txBody>
-          <a:bodyPr vert="horz" lIns="91440" tIns="45720" rIns="91440" bIns="45720" rtlCol="0" anchor="ctr">
-            <a:normAutofit/>
-          </a:bodyPr>
-          <a:lstStyle/>
-          <a:p>
-            <a:r>
-              <a:rPr lang="es-ES"/>
-              <a:t>Haga clic para modificar el estilo de título del patrón</a:t>
-            </a:r>
-            <a:endParaRPr lang="es-MX"/>
-          </a:p>
-        </p:txBody>
-      </p:sp>
-      <p:sp>
-        <p:nvSpPr>
-          <p:cNvPr id="3" name="Marcador de texto 2">
-            <a:extLst>
-              <a:ext uri="{FF2B5EF4-FFF2-40B4-BE49-F238E27FC236}">
-                <a16:creationId xmlns:a16="http://schemas.microsoft.com/office/drawing/2014/main" id="{2AC19CAB-A0C4-4A81-A530-8732123F2F56}"/>
-              </a:ext>
-            </a:extLst>
-          </p:cNvPr>
-          <p:cNvSpPr>
-            <a:spLocks noGrp="1"/>
-          </p:cNvSpPr>
-          <p:nvPr>
-            <p:ph type="body" idx="1"/>
-          </p:nvPr>
-        </p:nvSpPr>
-        <p:spPr>
-          <a:xfrm>
-            <a:off x="838200" y="1825625"/>
-            <a:ext cx="10515600" cy="4351338"/>
+          <a:solidFill>
+            <a:schemeClr val="accent2"/>
+          </a:solidFill>
+          <a:ln>
+            <a:noFill/>
+          </a:ln>
+        </p:spPr>
+        <p:style>
+          <a:lnRef idx="2">
+            <a:schemeClr val="accent1">
+              <a:shade val="50000"/>
+            </a:schemeClr>
+          </a:lnRef>
+          <a:fillRef idx="1">
+            <a:schemeClr val="accent1"/>
+          </a:fillRef>
+          <a:effectRef idx="0">
+            <a:schemeClr val="accent1"/>
+          </a:effectRef>
+          <a:fontRef idx="minor">
+            <a:schemeClr val="lt1"/>
+          </a:fontRef>
+        </p:style>
+      </p:sp>
+      <p:sp>
+        <p:nvSpPr>
+          <p:cNvPr id="9" name="Rectangle 8"/>
+          <p:cNvSpPr/>
+          <p:nvPr/>
+        </p:nvSpPr>
+        <p:spPr>
+          <a:xfrm>
+            <a:off x="0" y="6334316"/>
+            <a:ext cx="12192001" cy="65998"/>
           </a:xfrm>
           <a:prstGeom prst="rect">
             <a:avLst/>
           </a:prstGeom>
-        </p:spPr>
-        <p:txBody>
-          <a:bodyPr vert="horz" lIns="91440" tIns="45720" rIns="91440" bIns="45720" rtlCol="0">
-            <a:normAutofit/>
-          </a:bodyPr>
-          <a:lstStyle/>
-          <a:p>
-            <a:pPr lvl="0"/>
-            <a:r>
-              <a:rPr lang="es-ES"/>
-              <a:t>Haga clic para modificar los estilos de texto del patrón</a:t>
-            </a:r>
-          </a:p>
-          <a:p>
-            <a:pPr lvl="1"/>
-            <a:r>
-              <a:rPr lang="es-ES"/>
-              <a:t>Segundo nivel</a:t>
-            </a:r>
-          </a:p>
-          <a:p>
-            <a:pPr lvl="2"/>
-            <a:r>
-              <a:rPr lang="es-ES"/>
-              <a:t>Tercer nivel</a:t>
-            </a:r>
-          </a:p>
-          <a:p>
-            <a:pPr lvl="3"/>
-            <a:r>
-              <a:rPr lang="es-ES"/>
-              <a:t>Cuarto nivel</a:t>
-            </a:r>
-          </a:p>
-          <a:p>
-            <a:pPr lvl="4"/>
-            <a:r>
-              <a:rPr lang="es-ES"/>
-              <a:t>Quinto nivel</a:t>
-            </a:r>
-            <a:endParaRPr lang="es-MX"/>
-          </a:p>
-        </p:txBody>
-      </p:sp>
-      <p:sp>
-        <p:nvSpPr>
-          <p:cNvPr id="4" name="Marcador de fecha 3">
-            <a:extLst>
-              <a:ext uri="{FF2B5EF4-FFF2-40B4-BE49-F238E27FC236}">
-                <a16:creationId xmlns:a16="http://schemas.microsoft.com/office/drawing/2014/main" id="{C4266D72-A1DB-4E72-AC8D-FFB957995E06}"/>
-              </a:ext>
-            </a:extLst>
-          </p:cNvPr>
-          <p:cNvSpPr>
-            <a:spLocks noGrp="1"/>
-          </p:cNvSpPr>
-          <p:nvPr>
-            <p:ph type="dt" sz="half" idx="2"/>
-          </p:nvPr>
-        </p:nvSpPr>
-        <p:spPr>
-          <a:xfrm>
-            <a:off x="838200" y="6356350"/>
-            <a:ext cx="2743200" cy="365125"/>
+          <a:solidFill>
+            <a:schemeClr val="accent1"/>
+          </a:solidFill>
+          <a:ln>
+            <a:noFill/>
+          </a:ln>
+        </p:spPr>
+        <p:style>
+          <a:lnRef idx="2">
+            <a:schemeClr val="accent1">
+              <a:shade val="50000"/>
+            </a:schemeClr>
+          </a:lnRef>
+          <a:fillRef idx="1">
+            <a:schemeClr val="accent1"/>
+          </a:fillRef>
+          <a:effectRef idx="0">
+            <a:schemeClr val="accent1"/>
+          </a:effectRef>
+          <a:fontRef idx="minor">
+            <a:schemeClr val="lt1"/>
+          </a:fontRef>
+        </p:style>
+      </p:sp>
+      <p:sp>
+        <p:nvSpPr>
+          <p:cNvPr id="2" name="Title Placeholder 1"/>
+          <p:cNvSpPr>
+            <a:spLocks noGrp="1"/>
+          </p:cNvSpPr>
+          <p:nvPr>
+            <p:ph type="title"/>
+          </p:nvPr>
+        </p:nvSpPr>
+        <p:spPr>
+          <a:xfrm>
+            <a:off x="1097280" y="286603"/>
+            <a:ext cx="10058400" cy="1450757"/>
           </a:xfrm>
           <a:prstGeom prst="rect">
             <a:avLst/>
           </a:prstGeom>
         </p:spPr>
         <p:txBody>
+          <a:bodyPr vert="horz" lIns="91440" tIns="45720" rIns="91440" bIns="45720" rtlCol="0" anchor="b">
+            <a:normAutofit/>
+          </a:bodyPr>
+          <a:lstStyle/>
+          <a:p>
+            <a:r>
+              <a:rPr lang="es-ES"/>
+              <a:t>Haga clic para modificar el estilo de título del patrón</a:t>
+            </a:r>
+            <a:endParaRPr lang="en-US" dirty="0"/>
+          </a:p>
+        </p:txBody>
+      </p:sp>
+      <p:sp>
+        <p:nvSpPr>
+          <p:cNvPr id="3" name="Text Placeholder 2"/>
+          <p:cNvSpPr>
+            <a:spLocks noGrp="1"/>
+          </p:cNvSpPr>
+          <p:nvPr>
+            <p:ph type="body" idx="1"/>
+          </p:nvPr>
+        </p:nvSpPr>
+        <p:spPr>
+          <a:xfrm>
+            <a:off x="1097280" y="1845734"/>
+            <a:ext cx="10058400" cy="4023360"/>
+          </a:xfrm>
+          <a:prstGeom prst="rect">
+            <a:avLst/>
+          </a:prstGeom>
+        </p:spPr>
+        <p:txBody>
+          <a:bodyPr vert="horz" lIns="0" tIns="45720" rIns="0" bIns="45720" rtlCol="0">
+            <a:normAutofit/>
+          </a:bodyPr>
+          <a:lstStyle/>
+          <a:p>
+            <a:pPr lvl="0"/>
+            <a:r>
+              <a:rPr lang="es-ES"/>
+              <a:t>Haga clic para modificar los estilos de texto del patrón</a:t>
+            </a:r>
+          </a:p>
+          <a:p>
+            <a:pPr lvl="1"/>
+            <a:r>
+              <a:rPr lang="es-ES"/>
+              <a:t>Segundo nivel</a:t>
+            </a:r>
+          </a:p>
+          <a:p>
+            <a:pPr lvl="2"/>
+            <a:r>
+              <a:rPr lang="es-ES"/>
+              <a:t>Tercer nivel</a:t>
+            </a:r>
+          </a:p>
+          <a:p>
+            <a:pPr lvl="3"/>
+            <a:r>
+              <a:rPr lang="es-ES"/>
+              <a:t>Cuarto nivel</a:t>
+            </a:r>
+          </a:p>
+          <a:p>
+            <a:pPr lvl="4"/>
+            <a:r>
+              <a:rPr lang="es-ES"/>
+              <a:t>Quinto nivel</a:t>
+            </a:r>
+            <a:endParaRPr lang="en-US" dirty="0"/>
+          </a:p>
+        </p:txBody>
+      </p:sp>
+      <p:sp>
+        <p:nvSpPr>
+          <p:cNvPr id="4" name="Date Placeholder 3"/>
+          <p:cNvSpPr>
+            <a:spLocks noGrp="1"/>
+          </p:cNvSpPr>
+          <p:nvPr>
+            <p:ph type="dt" sz="half" idx="2"/>
+          </p:nvPr>
+        </p:nvSpPr>
+        <p:spPr>
+          <a:xfrm>
+            <a:off x="1097280" y="6459785"/>
+            <a:ext cx="2472271" cy="365125"/>
+          </a:xfrm>
+          <a:prstGeom prst="rect">
+            <a:avLst/>
+          </a:prstGeom>
+        </p:spPr>
+        <p:txBody>
           <a:bodyPr vert="horz" lIns="91440" tIns="45720" rIns="91440" bIns="45720" rtlCol="0" anchor="ctr"/>
           <a:lstStyle>
             <a:lvl1pPr algn="l">
-              <a:defRPr sz="1200">
+              <a:defRPr sz="900">
                 <a:solidFill>
-                  <a:schemeClr val="tx1">
-                    <a:tint val="75000"/>
-                  </a:schemeClr>
+                  <a:srgbClr val="FFFFFF"/>
                 </a:solidFill>
               </a:defRPr>
             </a:lvl1pPr>
@@ -2933,13 +3294,7 @@
       </p:sp>
       <p:sp>
         <p:nvSpPr>
-          <p:cNvPr id="5" name="Marcador de pie de página 4">
-            <a:extLst>
-              <a:ext uri="{FF2B5EF4-FFF2-40B4-BE49-F238E27FC236}">
-                <a16:creationId xmlns:a16="http://schemas.microsoft.com/office/drawing/2014/main" id="{3C0A60F6-87C9-4ACF-9188-E5228D650C63}"/>
-              </a:ext>
-            </a:extLst>
-          </p:cNvPr>
+          <p:cNvPr id="5" name="Footer Placeholder 4"/>
           <p:cNvSpPr>
             <a:spLocks noGrp="1"/>
           </p:cNvSpPr>
@@ -2949,8 +3304,8 @@
         </p:nvSpPr>
         <p:spPr>
           <a:xfrm>
-            <a:off x="4038600" y="6356350"/>
-            <a:ext cx="4114800" cy="365125"/>
+            <a:off x="3686185" y="6459785"/>
+            <a:ext cx="4822804" cy="365125"/>
           </a:xfrm>
           <a:prstGeom prst="rect">
             <a:avLst/>
@@ -2960,11 +3315,9 @@
           <a:bodyPr vert="horz" lIns="91440" tIns="45720" rIns="91440" bIns="45720" rtlCol="0" anchor="ctr"/>
           <a:lstStyle>
             <a:lvl1pPr algn="ctr">
-              <a:defRPr sz="1200">
+              <a:defRPr sz="900" cap="all" baseline="0">
                 <a:solidFill>
-                  <a:schemeClr val="tx1">
-                    <a:tint val="75000"/>
-                  </a:schemeClr>
+                  <a:srgbClr val="FFFFFF"/>
                 </a:solidFill>
               </a:defRPr>
             </a:lvl1pPr>
@@ -2976,13 +3329,7 @@
       </p:sp>
       <p:sp>
         <p:nvSpPr>
-          <p:cNvPr id="6" name="Marcador de número de diapositiva 5">
-            <a:extLst>
-              <a:ext uri="{FF2B5EF4-FFF2-40B4-BE49-F238E27FC236}">
-                <a16:creationId xmlns:a16="http://schemas.microsoft.com/office/drawing/2014/main" id="{E39E2D15-2661-4CA4-96AA-BF2437058F8D}"/>
-              </a:ext>
-            </a:extLst>
-          </p:cNvPr>
+          <p:cNvPr id="6" name="Slide Number Placeholder 5"/>
           <p:cNvSpPr>
             <a:spLocks noGrp="1"/>
           </p:cNvSpPr>
@@ -2992,8 +3339,8 @@
         </p:nvSpPr>
         <p:spPr>
           <a:xfrm>
-            <a:off x="8610600" y="6356350"/>
-            <a:ext cx="2743200" cy="365125"/>
+            <a:off x="9900458" y="6459785"/>
+            <a:ext cx="1312025" cy="365125"/>
           </a:xfrm>
           <a:prstGeom prst="rect">
             <a:avLst/>
@@ -3003,11 +3350,9 @@
           <a:bodyPr vert="horz" lIns="91440" tIns="45720" rIns="91440" bIns="45720" rtlCol="0" anchor="ctr"/>
           <a:lstStyle>
             <a:lvl1pPr algn="r">
-              <a:defRPr sz="1200">
+              <a:defRPr sz="1050">
                 <a:solidFill>
-                  <a:schemeClr val="tx1">
-                    <a:tint val="75000"/>
-                  </a:schemeClr>
+                  <a:srgbClr val="FFFFFF"/>
                 </a:solidFill>
               </a:defRPr>
             </a:lvl1pPr>
@@ -3021,40 +3366,81 @@
           </a:p>
         </p:txBody>
       </p:sp>
+      <p:cxnSp>
+        <p:nvCxnSpPr>
+          <p:cNvPr id="10" name="Straight Connector 9"/>
+          <p:cNvCxnSpPr/>
+          <p:nvPr/>
+        </p:nvCxnSpPr>
+        <p:spPr>
+          <a:xfrm>
+            <a:off x="1193532" y="1737845"/>
+            <a:ext cx="9966960" cy="0"/>
+          </a:xfrm>
+          <a:prstGeom prst="line">
+            <a:avLst/>
+          </a:prstGeom>
+          <a:ln w="6350">
+            <a:solidFill>
+              <a:schemeClr val="tx1">
+                <a:lumMod val="50000"/>
+                <a:lumOff val="50000"/>
+              </a:schemeClr>
+            </a:solidFill>
+          </a:ln>
+        </p:spPr>
+        <p:style>
+          <a:lnRef idx="1">
+            <a:schemeClr val="accent1"/>
+          </a:lnRef>
+          <a:fillRef idx="0">
+            <a:schemeClr val="accent1"/>
+          </a:fillRef>
+          <a:effectRef idx="0">
+            <a:schemeClr val="accent1"/>
+          </a:effectRef>
+          <a:fontRef idx="minor">
+            <a:schemeClr val="tx1"/>
+          </a:fontRef>
+        </p:style>
+      </p:cxnSp>
     </p:spTree>
     <p:extLst>
       <p:ext uri="{BB962C8B-B14F-4D97-AF65-F5344CB8AC3E}">
-        <p14:creationId xmlns:p14="http://schemas.microsoft.com/office/powerpoint/2010/main" val="3619109575"/>
+        <p14:creationId xmlns:p14="http://schemas.microsoft.com/office/powerpoint/2010/main" val="4273756913"/>
       </p:ext>
     </p:extLst>
   </p:cSld>
   <p:clrMap bg1="lt1" tx1="dk1" bg2="lt2" tx2="dk2" accent1="accent1" accent2="accent2" accent3="accent3" accent4="accent4" accent5="accent5" accent6="accent6" hlink="hlink" folHlink="folHlink"/>
   <p:sldLayoutIdLst>
-    <p:sldLayoutId id="2147483649" r:id="rId1"/>
-    <p:sldLayoutId id="2147483650" r:id="rId2"/>
-    <p:sldLayoutId id="2147483651" r:id="rId3"/>
-    <p:sldLayoutId id="2147483652" r:id="rId4"/>
-    <p:sldLayoutId id="2147483653" r:id="rId5"/>
-    <p:sldLayoutId id="2147483654" r:id="rId6"/>
-    <p:sldLayoutId id="2147483655" r:id="rId7"/>
-    <p:sldLayoutId id="2147483656" r:id="rId8"/>
-    <p:sldLayoutId id="2147483657" r:id="rId9"/>
-    <p:sldLayoutId id="2147483658" r:id="rId10"/>
-    <p:sldLayoutId id="2147483659" r:id="rId11"/>
+    <p:sldLayoutId id="2147483661" r:id="rId1"/>
+    <p:sldLayoutId id="2147483662" r:id="rId2"/>
+    <p:sldLayoutId id="2147483663" r:id="rId3"/>
+    <p:sldLayoutId id="2147483664" r:id="rId4"/>
+    <p:sldLayoutId id="2147483665" r:id="rId5"/>
+    <p:sldLayoutId id="2147483666" r:id="rId6"/>
+    <p:sldLayoutId id="2147483667" r:id="rId7"/>
+    <p:sldLayoutId id="2147483668" r:id="rId8"/>
+    <p:sldLayoutId id="2147483669" r:id="rId9"/>
+    <p:sldLayoutId id="2147483670" r:id="rId10"/>
+    <p:sldLayoutId id="2147483671" r:id="rId11"/>
   </p:sldLayoutIdLst>
   <p:txStyles>
     <p:titleStyle>
       <a:lvl1pPr algn="l" defTabSz="914400" rtl="0" eaLnBrk="1" latinLnBrk="0" hangingPunct="1">
         <a:lnSpc>
-          <a:spcPct val="90000"/>
+          <a:spcPct val="85000"/>
         </a:lnSpc>
         <a:spcBef>
           <a:spcPct val="0"/>
         </a:spcBef>
         <a:buNone/>
-        <a:defRPr sz="4400" kern="1200">
+        <a:defRPr sz="4800" kern="1200" spc="-50" baseline="0">
           <a:solidFill>
-            <a:schemeClr val="tx1"/>
+            <a:schemeClr val="tx1">
+              <a:lumMod val="75000"/>
+              <a:lumOff val="25000"/>
+            </a:schemeClr>
           </a:solidFill>
           <a:latin typeface="+mj-lt"/>
           <a:ea typeface="+mj-ea"/>
@@ -3063,162 +3449,244 @@
       </a:lvl1pPr>
     </p:titleStyle>
     <p:bodyStyle>
-      <a:lvl1pPr marL="228600" indent="-228600" algn="l" defTabSz="914400" rtl="0" eaLnBrk="1" latinLnBrk="0" hangingPunct="1">
+      <a:lvl1pPr marL="91440" indent="-91440" algn="l" defTabSz="914400" rtl="0" eaLnBrk="1" latinLnBrk="0" hangingPunct="1">
         <a:lnSpc>
           <a:spcPct val="90000"/>
         </a:lnSpc>
         <a:spcBef>
-          <a:spcPts val="1000"/>
+          <a:spcPts val="1200"/>
         </a:spcBef>
-        <a:buFont typeface="Arial" panose="020B0604020202020204" pitchFamily="34" charset="0"/>
-        <a:buChar char="•"/>
-        <a:defRPr sz="2800" kern="1200">
+        <a:spcAft>
+          <a:spcPts val="200"/>
+        </a:spcAft>
+        <a:buClr>
+          <a:schemeClr val="accent1"/>
+        </a:buClr>
+        <a:buSzPct val="100000"/>
+        <a:buFont typeface="Calibri" panose="020F0502020204030204" pitchFamily="34" charset="0"/>
+        <a:buChar char=" "/>
+        <a:defRPr sz="2000" kern="1200">
           <a:solidFill>
-            <a:schemeClr val="tx1"/>
+            <a:schemeClr val="tx1">
+              <a:lumMod val="75000"/>
+              <a:lumOff val="25000"/>
+            </a:schemeClr>
           </a:solidFill>
           <a:latin typeface="+mn-lt"/>
           <a:ea typeface="+mn-ea"/>
           <a:cs typeface="+mn-cs"/>
         </a:defRPr>
       </a:lvl1pPr>
-      <a:lvl2pPr marL="685800" indent="-228600" algn="l" defTabSz="914400" rtl="0" eaLnBrk="1" latinLnBrk="0" hangingPunct="1">
+      <a:lvl2pPr marL="384048" indent="-182880" algn="l" defTabSz="914400" rtl="0" eaLnBrk="1" latinLnBrk="0" hangingPunct="1">
         <a:lnSpc>
           <a:spcPct val="90000"/>
         </a:lnSpc>
         <a:spcBef>
-          <a:spcPts val="500"/>
+          <a:spcPts val="200"/>
         </a:spcBef>
-        <a:buFont typeface="Arial" panose="020B0604020202020204" pitchFamily="34" charset="0"/>
-        <a:buChar char="•"/>
-        <a:defRPr sz="2400" kern="1200">
+        <a:spcAft>
+          <a:spcPts val="400"/>
+        </a:spcAft>
+        <a:buClr>
+          <a:schemeClr val="accent1"/>
+        </a:buClr>
+        <a:buFont typeface="Calibri" pitchFamily="34" charset="0"/>
+        <a:buChar char="◦"/>
+        <a:defRPr sz="1800" kern="1200">
           <a:solidFill>
-            <a:schemeClr val="tx1"/>
+            <a:schemeClr val="tx1">
+              <a:lumMod val="75000"/>
+              <a:lumOff val="25000"/>
+            </a:schemeClr>
           </a:solidFill>
           <a:latin typeface="+mn-lt"/>
           <a:ea typeface="+mn-ea"/>
           <a:cs typeface="+mn-cs"/>
         </a:defRPr>
       </a:lvl2pPr>
-      <a:lvl3pPr marL="1143000" indent="-228600" algn="l" defTabSz="914400" rtl="0" eaLnBrk="1" latinLnBrk="0" hangingPunct="1">
+      <a:lvl3pPr marL="566928" indent="-182880" algn="l" defTabSz="914400" rtl="0" eaLnBrk="1" latinLnBrk="0" hangingPunct="1">
         <a:lnSpc>
           <a:spcPct val="90000"/>
         </a:lnSpc>
         <a:spcBef>
-          <a:spcPts val="500"/>
+          <a:spcPts val="200"/>
         </a:spcBef>
-        <a:buFont typeface="Arial" panose="020B0604020202020204" pitchFamily="34" charset="0"/>
-        <a:buChar char="•"/>
-        <a:defRPr sz="2000" kern="1200">
+        <a:spcAft>
+          <a:spcPts val="400"/>
+        </a:spcAft>
+        <a:buClr>
+          <a:schemeClr val="accent1"/>
+        </a:buClr>
+        <a:buFont typeface="Calibri" pitchFamily="34" charset="0"/>
+        <a:buChar char="◦"/>
+        <a:defRPr sz="1400" kern="1200">
           <a:solidFill>
-            <a:schemeClr val="tx1"/>
+            <a:schemeClr val="tx1">
+              <a:lumMod val="75000"/>
+              <a:lumOff val="25000"/>
+            </a:schemeClr>
           </a:solidFill>
           <a:latin typeface="+mn-lt"/>
           <a:ea typeface="+mn-ea"/>
           <a:cs typeface="+mn-cs"/>
         </a:defRPr>
       </a:lvl3pPr>
-      <a:lvl4pPr marL="1600200" indent="-228600" algn="l" defTabSz="914400" rtl="0" eaLnBrk="1" latinLnBrk="0" hangingPunct="1">
+      <a:lvl4pPr marL="749808" indent="-182880" algn="l" defTabSz="914400" rtl="0" eaLnBrk="1" latinLnBrk="0" hangingPunct="1">
         <a:lnSpc>
           <a:spcPct val="90000"/>
         </a:lnSpc>
         <a:spcBef>
-          <a:spcPts val="500"/>
+          <a:spcPts val="200"/>
         </a:spcBef>
-        <a:buFont typeface="Arial" panose="020B0604020202020204" pitchFamily="34" charset="0"/>
-        <a:buChar char="•"/>
-        <a:defRPr sz="1800" kern="1200">
+        <a:spcAft>
+          <a:spcPts val="400"/>
+        </a:spcAft>
+        <a:buClr>
+          <a:schemeClr val="accent1"/>
+        </a:buClr>
+        <a:buFont typeface="Calibri" pitchFamily="34" charset="0"/>
+        <a:buChar char="◦"/>
+        <a:defRPr sz="1400" kern="1200">
           <a:solidFill>
-            <a:schemeClr val="tx1"/>
+            <a:schemeClr val="tx1">
+              <a:lumMod val="75000"/>
+              <a:lumOff val="25000"/>
+            </a:schemeClr>
           </a:solidFill>
           <a:latin typeface="+mn-lt"/>
           <a:ea typeface="+mn-ea"/>
           <a:cs typeface="+mn-cs"/>
         </a:defRPr>
       </a:lvl4pPr>
-      <a:lvl5pPr marL="2057400" indent="-228600" algn="l" defTabSz="914400" rtl="0" eaLnBrk="1" latinLnBrk="0" hangingPunct="1">
+      <a:lvl5pPr marL="932688" indent="-182880" algn="l" defTabSz="914400" rtl="0" eaLnBrk="1" latinLnBrk="0" hangingPunct="1">
         <a:lnSpc>
           <a:spcPct val="90000"/>
         </a:lnSpc>
         <a:spcBef>
-          <a:spcPts val="500"/>
+          <a:spcPts val="200"/>
         </a:spcBef>
-        <a:buFont typeface="Arial" panose="020B0604020202020204" pitchFamily="34" charset="0"/>
-        <a:buChar char="•"/>
-        <a:defRPr sz="1800" kern="1200">
+        <a:spcAft>
+          <a:spcPts val="400"/>
+        </a:spcAft>
+        <a:buClr>
+          <a:schemeClr val="accent1"/>
+        </a:buClr>
+        <a:buFont typeface="Calibri" pitchFamily="34" charset="0"/>
+        <a:buChar char="◦"/>
+        <a:defRPr sz="1400" kern="1200">
           <a:solidFill>
-            <a:schemeClr val="tx1"/>
+            <a:schemeClr val="tx1">
+              <a:lumMod val="75000"/>
+              <a:lumOff val="25000"/>
+            </a:schemeClr>
           </a:solidFill>
           <a:latin typeface="+mn-lt"/>
           <a:ea typeface="+mn-ea"/>
           <a:cs typeface="+mn-cs"/>
         </a:defRPr>
       </a:lvl5pPr>
-      <a:lvl6pPr marL="2514600" indent="-228600" algn="l" defTabSz="914400" rtl="0" eaLnBrk="1" latinLnBrk="0" hangingPunct="1">
+      <a:lvl6pPr marL="1100000" indent="-228600" algn="l" defTabSz="914400" rtl="0" eaLnBrk="1" latinLnBrk="0" hangingPunct="1">
         <a:lnSpc>
           <a:spcPct val="90000"/>
         </a:lnSpc>
         <a:spcBef>
-          <a:spcPts val="500"/>
+          <a:spcPts val="200"/>
         </a:spcBef>
-        <a:buFont typeface="Arial" panose="020B0604020202020204" pitchFamily="34" charset="0"/>
-        <a:buChar char="•"/>
-        <a:defRPr sz="1800" kern="1200">
+        <a:spcAft>
+          <a:spcPts val="400"/>
+        </a:spcAft>
+        <a:buClr>
+          <a:schemeClr val="accent1"/>
+        </a:buClr>
+        <a:buFont typeface="Calibri" pitchFamily="34" charset="0"/>
+        <a:buChar char="◦"/>
+        <a:defRPr sz="1400" kern="1200">
           <a:solidFill>
-            <a:schemeClr val="tx1"/>
+            <a:schemeClr val="tx1">
+              <a:lumMod val="75000"/>
+              <a:lumOff val="25000"/>
+            </a:schemeClr>
           </a:solidFill>
           <a:latin typeface="+mn-lt"/>
           <a:ea typeface="+mn-ea"/>
           <a:cs typeface="+mn-cs"/>
         </a:defRPr>
       </a:lvl6pPr>
-      <a:lvl7pPr marL="2971800" indent="-228600" algn="l" defTabSz="914400" rtl="0" eaLnBrk="1" latinLnBrk="0" hangingPunct="1">
+      <a:lvl7pPr marL="1300000" indent="-228600" algn="l" defTabSz="914400" rtl="0" eaLnBrk="1" latinLnBrk="0" hangingPunct="1">
         <a:lnSpc>
           <a:spcPct val="90000"/>
         </a:lnSpc>
         <a:spcBef>
-          <a:spcPts val="500"/>
+          <a:spcPts val="200"/>
         </a:spcBef>
-        <a:buFont typeface="Arial" panose="020B0604020202020204" pitchFamily="34" charset="0"/>
-        <a:buChar char="•"/>
-        <a:defRPr sz="1800" kern="1200">
+        <a:spcAft>
+          <a:spcPts val="400"/>
+        </a:spcAft>
+        <a:buClr>
+          <a:schemeClr val="accent1"/>
+        </a:buClr>
+        <a:buFont typeface="Calibri" pitchFamily="34" charset="0"/>
+        <a:buChar char="◦"/>
+        <a:defRPr sz="1400" kern="1200">
           <a:solidFill>
-            <a:schemeClr val="tx1"/>
+            <a:schemeClr val="tx1">
+              <a:lumMod val="75000"/>
+              <a:lumOff val="25000"/>
+            </a:schemeClr>
           </a:solidFill>
           <a:latin typeface="+mn-lt"/>
           <a:ea typeface="+mn-ea"/>
           <a:cs typeface="+mn-cs"/>
         </a:defRPr>
       </a:lvl7pPr>
-      <a:lvl8pPr marL="3429000" indent="-228600" algn="l" defTabSz="914400" rtl="0" eaLnBrk="1" latinLnBrk="0" hangingPunct="1">
+      <a:lvl8pPr marL="1500000" indent="-228600" algn="l" defTabSz="914400" rtl="0" eaLnBrk="1" latinLnBrk="0" hangingPunct="1">
         <a:lnSpc>
           <a:spcPct val="90000"/>
         </a:lnSpc>
         <a:spcBef>
-          <a:spcPts val="500"/>
+          <a:spcPts val="200"/>
         </a:spcBef>
-        <a:buFont typeface="Arial" panose="020B0604020202020204" pitchFamily="34" charset="0"/>
-        <a:buChar char="•"/>
-        <a:defRPr sz="1800" kern="1200">
+        <a:spcAft>
+          <a:spcPts val="400"/>
+        </a:spcAft>
+        <a:buClr>
+          <a:schemeClr val="accent1"/>
+        </a:buClr>
+        <a:buFont typeface="Calibri" pitchFamily="34" charset="0"/>
+        <a:buChar char="◦"/>
+        <a:defRPr sz="1400" kern="1200">
           <a:solidFill>
-            <a:schemeClr val="tx1"/>
+            <a:schemeClr val="tx1">
+              <a:lumMod val="75000"/>
+              <a:lumOff val="25000"/>
+            </a:schemeClr>
           </a:solidFill>
           <a:latin typeface="+mn-lt"/>
           <a:ea typeface="+mn-ea"/>
           <a:cs typeface="+mn-cs"/>
         </a:defRPr>
       </a:lvl8pPr>
-      <a:lvl9pPr marL="3886200" indent="-228600" algn="l" defTabSz="914400" rtl="0" eaLnBrk="1" latinLnBrk="0" hangingPunct="1">
+      <a:lvl9pPr marL="1700000" indent="-228600" algn="l" defTabSz="914400" rtl="0" eaLnBrk="1" latinLnBrk="0" hangingPunct="1">
         <a:lnSpc>
           <a:spcPct val="90000"/>
         </a:lnSpc>
         <a:spcBef>
-          <a:spcPts val="500"/>
+          <a:spcPts val="200"/>
         </a:spcBef>
-        <a:buFont typeface="Arial" panose="020B0604020202020204" pitchFamily="34" charset="0"/>
-        <a:buChar char="•"/>
-        <a:defRPr sz="1800" kern="1200">
+        <a:spcAft>
+          <a:spcPts val="400"/>
+        </a:spcAft>
+        <a:buClr>
+          <a:schemeClr val="accent1"/>
+        </a:buClr>
+        <a:buFont typeface="Calibri" pitchFamily="34" charset="0"/>
+        <a:buChar char="◦"/>
+        <a:defRPr sz="1400" kern="1200">
           <a:solidFill>
-            <a:schemeClr val="tx1"/>
+            <a:schemeClr val="tx1">
+              <a:lumMod val="75000"/>
+              <a:lumOff val="25000"/>
+            </a:schemeClr>
           </a:solidFill>
           <a:latin typeface="+mn-lt"/>
           <a:ea typeface="+mn-ea"/>
@@ -3228,7 +3696,7 @@
     </p:bodyStyle>
     <p:otherStyle>
       <a:defPPr>
-        <a:defRPr lang="es-MX"/>
+        <a:defRPr lang="en-US"/>
       </a:defPPr>
       <a:lvl1pPr marL="0" algn="l" defTabSz="914400" rtl="0" eaLnBrk="1" latinLnBrk="0" hangingPunct="1">
         <a:defRPr sz="1800" kern="1200">
@@ -3363,7 +3831,10 @@
           <a:bodyPr/>
           <a:lstStyle/>
           <a:p>
-            <a:endParaRPr lang="es-MX"/>
+            <a:r>
+              <a:rPr lang="es-MX" dirty="0"/>
+              <a:t>Entrega Final</a:t>
+            </a:r>
           </a:p>
         </p:txBody>
       </p:sp>
@@ -3383,12 +3854,53 @@
             <p:ph type="subTitle" idx="1"/>
           </p:nvPr>
         </p:nvSpPr>
-        <p:spPr/>
-        <p:txBody>
-          <a:bodyPr/>
-          <a:lstStyle/>
-          <a:p>
-            <a:endParaRPr lang="es-MX"/>
+        <p:spPr>
+          <a:xfrm>
+            <a:off x="1100051" y="4455619"/>
+            <a:ext cx="10058400" cy="1915997"/>
+          </a:xfrm>
+        </p:spPr>
+        <p:txBody>
+          <a:bodyPr>
+            <a:normAutofit lnSpcReduction="10000"/>
+          </a:bodyPr>
+          <a:lstStyle/>
+          <a:p>
+            <a:r>
+              <a:rPr lang="es-MX" dirty="0"/>
+              <a:t>Equipo 4</a:t>
+            </a:r>
+          </a:p>
+          <a:p>
+            <a:r>
+              <a:rPr lang="es-MX" dirty="0"/>
+              <a:t>Carlos Enrique Greene Mex</a:t>
+            </a:r>
+          </a:p>
+          <a:p>
+            <a:r>
+              <a:rPr lang="es-MX" dirty="0"/>
+              <a:t>Ángel Alberto González </a:t>
+            </a:r>
+            <a:r>
+              <a:rPr lang="es-MX" dirty="0" err="1"/>
+              <a:t>lugo</a:t>
+            </a:r>
+            <a:endParaRPr lang="es-MX" dirty="0"/>
+          </a:p>
+          <a:p>
+            <a:r>
+              <a:rPr lang="es-MX" dirty="0"/>
+              <a:t>Giovanni Jesús Quintal </a:t>
+            </a:r>
+            <a:r>
+              <a:rPr lang="es-MX" dirty="0" err="1"/>
+              <a:t>llanes</a:t>
+            </a:r>
+            <a:r>
+              <a:rPr lang="es-MX" dirty="0"/>
+              <a:t>  </a:t>
+            </a:r>
           </a:p>
         </p:txBody>
       </p:sp>
@@ -3405,55 +3917,135 @@
 </p:sld>
 </file>
 
+<file path=ppt/slides/slide2.xml><?xml version="1.0" encoding="utf-8"?>
+<p:sld xmlns:a="http://schemas.openxmlformats.org/drawingml/2006/main" xmlns:r="http://schemas.openxmlformats.org/officeDocument/2006/relationships" xmlns:p="http://schemas.openxmlformats.org/presentationml/2006/main">
+  <p:cSld>
+    <p:spTree>
+      <p:nvGrpSpPr>
+        <p:cNvPr id="1" name=""/>
+        <p:cNvGrpSpPr/>
+        <p:nvPr/>
+      </p:nvGrpSpPr>
+      <p:grpSpPr>
+        <a:xfrm>
+          <a:off x="0" y="0"/>
+          <a:ext cx="0" cy="0"/>
+          <a:chOff x="0" y="0"/>
+          <a:chExt cx="0" cy="0"/>
+        </a:xfrm>
+      </p:grpSpPr>
+      <p:sp>
+        <p:nvSpPr>
+          <p:cNvPr id="2" name="Título 1">
+            <a:extLst>
+              <a:ext uri="{FF2B5EF4-FFF2-40B4-BE49-F238E27FC236}">
+                <a16:creationId xmlns:a16="http://schemas.microsoft.com/office/drawing/2014/main" id="{D2D1A484-6232-455D-8188-31CD6F6070A0}"/>
+              </a:ext>
+            </a:extLst>
+          </p:cNvPr>
+          <p:cNvSpPr>
+            <a:spLocks noGrp="1"/>
+          </p:cNvSpPr>
+          <p:nvPr>
+            <p:ph type="title"/>
+          </p:nvPr>
+        </p:nvSpPr>
+        <p:spPr/>
+        <p:txBody>
+          <a:bodyPr/>
+          <a:lstStyle/>
+          <a:p>
+            <a:endParaRPr lang="es-MX"/>
+          </a:p>
+        </p:txBody>
+      </p:sp>
+      <p:sp>
+        <p:nvSpPr>
+          <p:cNvPr id="3" name="Marcador de contenido 2">
+            <a:extLst>
+              <a:ext uri="{FF2B5EF4-FFF2-40B4-BE49-F238E27FC236}">
+                <a16:creationId xmlns:a16="http://schemas.microsoft.com/office/drawing/2014/main" id="{1910747A-5121-4618-B340-B62BD772FBB8}"/>
+              </a:ext>
+            </a:extLst>
+          </p:cNvPr>
+          <p:cNvSpPr>
+            <a:spLocks noGrp="1"/>
+          </p:cNvSpPr>
+          <p:nvPr>
+            <p:ph idx="1"/>
+          </p:nvPr>
+        </p:nvSpPr>
+        <p:spPr/>
+        <p:txBody>
+          <a:bodyPr/>
+          <a:lstStyle/>
+          <a:p>
+            <a:endParaRPr lang="es-MX"/>
+          </a:p>
+        </p:txBody>
+      </p:sp>
+    </p:spTree>
+    <p:extLst>
+      <p:ext uri="{BB962C8B-B14F-4D97-AF65-F5344CB8AC3E}">
+        <p14:creationId xmlns:p14="http://schemas.microsoft.com/office/powerpoint/2010/main" val="3532113157"/>
+      </p:ext>
+    </p:extLst>
+  </p:cSld>
+  <p:clrMapOvr>
+    <a:masterClrMapping/>
+  </p:clrMapOvr>
+</p:sld>
+</file>
+
 <file path=ppt/theme/theme1.xml><?xml version="1.0" encoding="utf-8"?>
-<a:theme xmlns:a="http://schemas.openxmlformats.org/drawingml/2006/main" name="Tema de Office">
+<a:theme xmlns:a="http://schemas.openxmlformats.org/drawingml/2006/main" name="Retrospección">
   <a:themeElements>
-    <a:clrScheme name="Office">
+    <a:clrScheme name="Retrospección">
       <a:dk1>
-        <a:sysClr val="windowText" lastClr="000000"/>
+        <a:srgbClr val="000000"/>
       </a:dk1>
       <a:lt1>
         <a:sysClr val="window" lastClr="FFFFFF"/>
       </a:lt1>
       <a:dk2>
-        <a:srgbClr val="44546A"/>
+        <a:srgbClr val="637052"/>
       </a:dk2>
       <a:lt2>
-        <a:srgbClr val="E7E6E6"/>
+        <a:srgbClr val="CCDDEA"/>
       </a:lt2>
       <a:accent1>
-        <a:srgbClr val="4472C4"/>
+        <a:srgbClr val="E48312"/>
       </a:accent1>
       <a:accent2>
-        <a:srgbClr val="ED7D31"/>
+        <a:srgbClr val="BD582C"/>
       </a:accent2>
       <a:accent3>
-        <a:srgbClr val="A5A5A5"/>
+        <a:srgbClr val="865640"/>
       </a:accent3>
       <a:accent4>
-        <a:srgbClr val="FFC000"/>
+        <a:srgbClr val="9B8357"/>
       </a:accent4>
       <a:accent5>
-        <a:srgbClr val="5B9BD5"/>
+        <a:srgbClr val="C2BC80"/>
       </a:accent5>
       <a:accent6>
-        <a:srgbClr val="70AD47"/>
+        <a:srgbClr val="94A088"/>
       </a:accent6>
       <a:hlink>
-        <a:srgbClr val="0563C1"/>
+        <a:srgbClr val="2998E3"/>
       </a:hlink>
       <a:folHlink>
-        <a:srgbClr val="954F72"/>
+        <a:srgbClr val="8C8C8C"/>
       </a:folHlink>
     </a:clrScheme>
-    <a:fontScheme name="Office">
+    <a:fontScheme name="Retrospección">
       <a:majorFont>
         <a:latin typeface="Calibri Light" panose="020F0302020204030204"/>
         <a:ea typeface=""/>
         <a:cs typeface=""/>
-        <a:font script="Jpan" typeface="游ゴシック Light"/>
+        <a:font script="Jpan" typeface="ＭＳ Ｐゴシック"/>
         <a:font script="Hang" typeface="맑은 고딕"/>
-        <a:font script="Hans" typeface="等线 Light"/>
+        <a:font script="Hans" typeface="宋体"/>
         <a:font script="Hant" typeface="新細明體"/>
         <a:font script="Arab" typeface="Times New Roman"/>
         <a:font script="Hebr" typeface="Times New Roman"/>
@@ -3481,31 +4073,14 @@
         <a:font script="Viet" typeface="Times New Roman"/>
         <a:font script="Uigh" typeface="Microsoft Uighur"/>
         <a:font script="Geor" typeface="Sylfaen"/>
-        <a:font script="Armn" typeface="Arial"/>
-        <a:font script="Bugi" typeface="Leelawadee UI"/>
-        <a:font script="Bopo" typeface="Microsoft JhengHei"/>
-        <a:font script="Java" typeface="Javanese Text"/>
-        <a:font script="Lisu" typeface="Segoe UI"/>
-        <a:font script="Mymr" typeface="Myanmar Text"/>
-        <a:font script="Nkoo" typeface="Ebrima"/>
-        <a:font script="Olck" typeface="Nirmala UI"/>
-        <a:font script="Osma" typeface="Ebrima"/>
-        <a:font script="Phag" typeface="Phagspa"/>
-        <a:font script="Syrn" typeface="Estrangelo Edessa"/>
-        <a:font script="Syrj" typeface="Estrangelo Edessa"/>
-        <a:font script="Syre" typeface="Estrangelo Edessa"/>
-        <a:font script="Sora" typeface="Nirmala UI"/>
-        <a:font script="Tale" typeface="Microsoft Tai Le"/>
-        <a:font script="Talu" typeface="Microsoft New Tai Lue"/>
-        <a:font script="Tfng" typeface="Ebrima"/>
       </a:majorFont>
       <a:minorFont>
         <a:latin typeface="Calibri" panose="020F0502020204030204"/>
         <a:ea typeface=""/>
         <a:cs typeface=""/>
-        <a:font script="Jpan" typeface="游ゴシック"/>
+        <a:font script="Jpan" typeface="ＭＳ Ｐゴシック"/>
         <a:font script="Hang" typeface="맑은 고딕"/>
-        <a:font script="Hans" typeface="等线"/>
+        <a:font script="Hans" typeface="宋体"/>
         <a:font script="Hant" typeface="新細明體"/>
         <a:font script="Arab" typeface="Arial"/>
         <a:font script="Hebr" typeface="Arial"/>
@@ -3533,26 +4108,9 @@
         <a:font script="Viet" typeface="Arial"/>
         <a:font script="Uigh" typeface="Microsoft Uighur"/>
         <a:font script="Geor" typeface="Sylfaen"/>
-        <a:font script="Armn" typeface="Arial"/>
-        <a:font script="Bugi" typeface="Leelawadee UI"/>
-        <a:font script="Bopo" typeface="Microsoft JhengHei"/>
-        <a:font script="Java" typeface="Javanese Text"/>
-        <a:font script="Lisu" typeface="Segoe UI"/>
-        <a:font script="Mymr" typeface="Myanmar Text"/>
-        <a:font script="Nkoo" typeface="Ebrima"/>
-        <a:font script="Olck" typeface="Nirmala UI"/>
-        <a:font script="Osma" typeface="Ebrima"/>
-        <a:font script="Phag" typeface="Phagspa"/>
-        <a:font script="Syrn" typeface="Estrangelo Edessa"/>
-        <a:font script="Syrj" typeface="Estrangelo Edessa"/>
-        <a:font script="Syre" typeface="Estrangelo Edessa"/>
-        <a:font script="Sora" typeface="Nirmala UI"/>
-        <a:font script="Tale" typeface="Microsoft Tai Le"/>
-        <a:font script="Talu" typeface="Microsoft New Tai Lue"/>
-        <a:font script="Tfng" typeface="Ebrima"/>
       </a:minorFont>
     </a:fontScheme>
-    <a:fmtScheme name="Office">
+    <a:fmtScheme name="Retrospección">
       <a:fillStyleLst>
         <a:solidFill>
           <a:schemeClr val="phClr"/>
@@ -3561,76 +4119,81 @@
           <a:gsLst>
             <a:gs pos="0">
               <a:schemeClr val="phClr">
-                <a:lumMod val="110000"/>
-                <a:satMod val="105000"/>
-                <a:tint val="67000"/>
+                <a:tint val="65000"/>
+                <a:shade val="92000"/>
+                <a:satMod val="130000"/>
               </a:schemeClr>
             </a:gs>
-            <a:gs pos="50000">
+            <a:gs pos="45000">
               <a:schemeClr val="phClr">
-                <a:lumMod val="105000"/>
-                <a:satMod val="103000"/>
-                <a:tint val="73000"/>
+                <a:tint val="60000"/>
+                <a:shade val="99000"/>
+                <a:satMod val="120000"/>
               </a:schemeClr>
             </a:gs>
             <a:gs pos="100000">
               <a:schemeClr val="phClr">
-                <a:lumMod val="105000"/>
-                <a:satMod val="109000"/>
-                <a:tint val="81000"/>
+                <a:tint val="55000"/>
+                <a:satMod val="140000"/>
               </a:schemeClr>
             </a:gs>
           </a:gsLst>
-          <a:lin ang="5400000" scaled="0"/>
+          <a:path path="circle">
+            <a:fillToRect l="100000" t="100000" r="100000" b="100000"/>
+          </a:path>
         </a:gradFill>
         <a:gradFill rotWithShape="1">
           <a:gsLst>
             <a:gs pos="0">
               <a:schemeClr val="phClr">
-                <a:satMod val="103000"/>
-                <a:lumMod val="102000"/>
-                <a:tint val="94000"/>
+                <a:shade val="85000"/>
+                <a:satMod val="130000"/>
               </a:schemeClr>
             </a:gs>
-            <a:gs pos="50000">
+            <a:gs pos="34000">
               <a:schemeClr val="phClr">
-                <a:satMod val="110000"/>
-                <a:lumMod val="100000"/>
-                <a:shade val="100000"/>
+                <a:shade val="87000"/>
+                <a:satMod val="125000"/>
+              </a:schemeClr>
+            </a:gs>
+            <a:gs pos="70000">
+              <a:schemeClr val="phClr">
+                <a:tint val="100000"/>
+                <a:shade val="90000"/>
+                <a:satMod val="130000"/>
               </a:schemeClr>
             </a:gs>
             <a:gs pos="100000">
               <a:schemeClr val="phClr">
-                <a:lumMod val="99000"/>
-                <a:satMod val="120000"/>
-                <a:shade val="78000"/>
+                <a:tint val="100000"/>
+                <a:shade val="100000"/>
+                <a:satMod val="110000"/>
               </a:schemeClr>
             </a:gs>
           </a:gsLst>
-          <a:lin ang="5400000" scaled="0"/>
+          <a:path path="circle">
+            <a:fillToRect l="100000" t="100000" r="100000" b="100000"/>
+          </a:path>
         </a:gradFill>
       </a:fillStyleLst>
       <a:lnStyleLst>
-        <a:ln w="6350" cap="flat" cmpd="sng" algn="ctr">
-          <a:solidFill>
-            <a:schemeClr val="phClr"/>
-          </a:solidFill>
-          <a:prstDash val="solid"/>
-          <a:miter lim="800000"/>
-        </a:ln>
         <a:ln w="12700" cap="flat" cmpd="sng" algn="ctr">
           <a:solidFill>
             <a:schemeClr val="phClr"/>
           </a:solidFill>
           <a:prstDash val="solid"/>
-          <a:miter lim="800000"/>
         </a:ln>
-        <a:ln w="19050" cap="flat" cmpd="sng" algn="ctr">
+        <a:ln w="15875" cap="flat" cmpd="sng" algn="ctr">
           <a:solidFill>
             <a:schemeClr val="phClr"/>
           </a:solidFill>
           <a:prstDash val="solid"/>
-          <a:miter lim="800000"/>
+        </a:ln>
+        <a:ln w="25400" cap="flat" cmpd="sng" algn="ctr">
+          <a:solidFill>
+            <a:schemeClr val="phClr"/>
+          </a:solidFill>
+          <a:prstDash val="solid"/>
         </a:ln>
       </a:lnStyleLst>
       <a:effectStyleLst>
@@ -3638,16 +4201,33 @@
           <a:effectLst/>
         </a:effectStyle>
         <a:effectStyle>
-          <a:effectLst/>
+          <a:effectLst>
+            <a:outerShdw blurRad="38100" dist="25400" dir="2700000" algn="br" rotWithShape="0">
+              <a:srgbClr val="000000">
+                <a:alpha val="60000"/>
+              </a:srgbClr>
+            </a:outerShdw>
+          </a:effectLst>
         </a:effectStyle>
         <a:effectStyle>
           <a:effectLst>
-            <a:outerShdw blurRad="57150" dist="19050" dir="5400000" algn="ctr" rotWithShape="0">
+            <a:outerShdw blurRad="44450" dist="25400" dir="2700000" algn="br" rotWithShape="0">
               <a:srgbClr val="000000">
-                <a:alpha val="63000"/>
+                <a:alpha val="60000"/>
               </a:srgbClr>
             </a:outerShdw>
           </a:effectLst>
+          <a:scene3d>
+            <a:camera prst="orthographicFront">
+              <a:rot lat="0" lon="0" rev="0"/>
+            </a:camera>
+            <a:lightRig rig="threePt" dir="t">
+              <a:rot lat="0" lon="0" rev="19800000"/>
+            </a:lightRig>
+          </a:scene3d>
+          <a:sp3d prstMaterial="flat">
+            <a:bevelT w="25400" h="31750"/>
+          </a:sp3d>
         </a:effectStyle>
       </a:effectStyleLst>
       <a:bgFillStyleLst>
@@ -3656,36 +4236,36 @@
         </a:solidFill>
         <a:solidFill>
           <a:schemeClr val="phClr">
-            <a:tint val="95000"/>
-            <a:satMod val="170000"/>
+            <a:tint val="90000"/>
+            <a:shade val="97000"/>
+            <a:satMod val="130000"/>
           </a:schemeClr>
         </a:solidFill>
         <a:gradFill rotWithShape="1">
           <a:gsLst>
             <a:gs pos="0">
               <a:schemeClr val="phClr">
-                <a:tint val="93000"/>
-                <a:satMod val="150000"/>
-                <a:shade val="98000"/>
-                <a:lumMod val="102000"/>
+                <a:tint val="96000"/>
+                <a:shade val="99000"/>
+                <a:satMod val="140000"/>
               </a:schemeClr>
             </a:gs>
-            <a:gs pos="50000">
+            <a:gs pos="65000">
               <a:schemeClr val="phClr">
-                <a:tint val="98000"/>
+                <a:tint val="100000"/>
+                <a:shade val="80000"/>
                 <a:satMod val="130000"/>
-                <a:shade val="90000"/>
-                <a:lumMod val="103000"/>
               </a:schemeClr>
             </a:gs>
             <a:gs pos="100000">
               <a:schemeClr val="phClr">
-                <a:shade val="63000"/>
+                <a:tint val="100000"/>
+                <a:shade val="48000"/>
                 <a:satMod val="120000"/>
               </a:schemeClr>
             </a:gs>
           </a:gsLst>
-          <a:lin ang="5400000" scaled="0"/>
+          <a:lin ang="16200000" scaled="0"/>
         </a:gradFill>
       </a:bgFillStyleLst>
     </a:fmtScheme>
@@ -3694,7 +4274,7 @@
   <a:extraClrSchemeLst/>
   <a:extLst>
     <a:ext uri="{05A4C25C-085E-4340-85A3-A5531E510DB2}">
-      <thm15:themeFamily xmlns:thm15="http://schemas.microsoft.com/office/thememl/2012/main" name="Office Theme" id="{62F939B6-93AF-4DB8-9C6B-D6C7DFDC589F}" vid="{4A3C46E8-61CC-4603-A589-7422A47A8E4A}"/>
+      <thm15:themeFamily xmlns:thm15="http://schemas.microsoft.com/office/thememl/2012/main" name="Retrospect" id="{5F128B03-DCCA-4EEB-AB3B-CF2899314A46}" vid="{3F1AAB62-24C6-49D2-8E01-B56FAC9A3DCD}"/>
     </a:ext>
   </a:extLst>
 </a:theme>

--- a/Entrega final.pptx
+++ b/Entrega final.pptx
@@ -7,6 +7,13 @@
   <p:sldIdLst>
     <p:sldId id="256" r:id="rId2"/>
     <p:sldId id="257" r:id="rId3"/>
+    <p:sldId id="261" r:id="rId4"/>
+    <p:sldId id="262" r:id="rId5"/>
+    <p:sldId id="258" r:id="rId6"/>
+    <p:sldId id="259" r:id="rId7"/>
+    <p:sldId id="260" r:id="rId8"/>
+    <p:sldId id="263" r:id="rId9"/>
+    <p:sldId id="264" r:id="rId10"/>
   </p:sldIdLst>
   <p:sldSz cx="12192000" cy="6858000"/>
   <p:notesSz cx="6858000" cy="9144000"/>
@@ -339,7 +346,7 @@
           <a:p>
             <a:fld id="{1B38D152-09A4-4DE4-9ECD-F92C5AF9544F}" type="datetimeFigureOut">
               <a:rPr lang="es-MX" smtClean="0"/>
-              <a:t>02/06/2020</a:t>
+              <a:t>09/06/2020</a:t>
             </a:fld>
             <a:endParaRPr lang="es-MX"/>
           </a:p>
@@ -547,7 +554,7 @@
           <a:p>
             <a:fld id="{1B38D152-09A4-4DE4-9ECD-F92C5AF9544F}" type="datetimeFigureOut">
               <a:rPr lang="es-MX" smtClean="0"/>
-              <a:t>02/06/2020</a:t>
+              <a:t>09/06/2020</a:t>
             </a:fld>
             <a:endParaRPr lang="es-MX"/>
           </a:p>
@@ -803,7 +810,7 @@
           <a:p>
             <a:fld id="{1B38D152-09A4-4DE4-9ECD-F92C5AF9544F}" type="datetimeFigureOut">
               <a:rPr lang="es-MX" smtClean="0"/>
-              <a:t>02/06/2020</a:t>
+              <a:t>09/06/2020</a:t>
             </a:fld>
             <a:endParaRPr lang="es-MX"/>
           </a:p>
@@ -977,7 +984,7 @@
           <a:p>
             <a:fld id="{1B38D152-09A4-4DE4-9ECD-F92C5AF9544F}" type="datetimeFigureOut">
               <a:rPr lang="es-MX" smtClean="0"/>
-              <a:t>02/06/2020</a:t>
+              <a:t>09/06/2020</a:t>
             </a:fld>
             <a:endParaRPr lang="es-MX"/>
           </a:p>
@@ -1320,7 +1327,7 @@
           <a:p>
             <a:fld id="{1B38D152-09A4-4DE4-9ECD-F92C5AF9544F}" type="datetimeFigureOut">
               <a:rPr lang="es-MX" smtClean="0"/>
-              <a:t>02/06/2020</a:t>
+              <a:t>09/06/2020</a:t>
             </a:fld>
             <a:endParaRPr lang="es-MX"/>
           </a:p>
@@ -1595,7 +1602,7 @@
           <a:p>
             <a:fld id="{1B38D152-09A4-4DE4-9ECD-F92C5AF9544F}" type="datetimeFigureOut">
               <a:rPr lang="es-MX" smtClean="0"/>
-              <a:t>02/06/2020</a:t>
+              <a:t>09/06/2020</a:t>
             </a:fld>
             <a:endParaRPr lang="es-MX"/>
           </a:p>
@@ -1974,7 +1981,7 @@
           <a:p>
             <a:fld id="{1B38D152-09A4-4DE4-9ECD-F92C5AF9544F}" type="datetimeFigureOut">
               <a:rPr lang="es-MX" smtClean="0"/>
-              <a:t>02/06/2020</a:t>
+              <a:t>09/06/2020</a:t>
             </a:fld>
             <a:endParaRPr lang="es-MX"/>
           </a:p>
@@ -2092,7 +2099,7 @@
           <a:p>
             <a:fld id="{1B38D152-09A4-4DE4-9ECD-F92C5AF9544F}" type="datetimeFigureOut">
               <a:rPr lang="es-MX" smtClean="0"/>
-              <a:t>02/06/2020</a:t>
+              <a:t>09/06/2020</a:t>
             </a:fld>
             <a:endParaRPr lang="es-MX"/>
           </a:p>
@@ -2263,7 +2270,7 @@
           <a:p>
             <a:fld id="{1B38D152-09A4-4DE4-9ECD-F92C5AF9544F}" type="datetimeFigureOut">
               <a:rPr lang="es-MX" smtClean="0"/>
-              <a:t>02/06/2020</a:t>
+              <a:t>09/06/2020</a:t>
             </a:fld>
             <a:endParaRPr lang="es-MX"/>
           </a:p>
@@ -2617,7 +2624,7 @@
           <a:p>
             <a:fld id="{1B38D152-09A4-4DE4-9ECD-F92C5AF9544F}" type="datetimeFigureOut">
               <a:rPr lang="es-MX" smtClean="0"/>
-              <a:t>02/06/2020</a:t>
+              <a:t>09/06/2020</a:t>
             </a:fld>
             <a:endParaRPr lang="es-MX"/>
           </a:p>
@@ -2999,7 +3006,7 @@
           <a:p>
             <a:fld id="{1B38D152-09A4-4DE4-9ECD-F92C5AF9544F}" type="datetimeFigureOut">
               <a:rPr lang="es-MX" smtClean="0"/>
-              <a:t>02/06/2020</a:t>
+              <a:t>09/06/2020</a:t>
             </a:fld>
             <a:endParaRPr lang="es-MX"/>
           </a:p>
@@ -3286,7 +3293,7 @@
           <a:p>
             <a:fld id="{1B38D152-09A4-4DE4-9ECD-F92C5AF9544F}" type="datetimeFigureOut">
               <a:rPr lang="es-MX" smtClean="0"/>
-              <a:t>02/06/2020</a:t>
+              <a:t>09/06/2020</a:t>
             </a:fld>
             <a:endParaRPr lang="es-MX"/>
           </a:p>
@@ -3955,7 +3962,10 @@
           <a:bodyPr/>
           <a:lstStyle/>
           <a:p>
-            <a:endParaRPr lang="es-MX"/>
+            <a:r>
+              <a:rPr lang="es-MX" dirty="0"/>
+              <a:t>Mapeo de requerimiento</a:t>
+            </a:r>
           </a:p>
         </p:txBody>
       </p:sp>
@@ -3980,7 +3990,70 @@
           <a:bodyPr/>
           <a:lstStyle/>
           <a:p>
-            <a:endParaRPr lang="es-MX"/>
+            <a:pPr marL="0" indent="0">
+              <a:buNone/>
+            </a:pPr>
+            <a:r>
+              <a:rPr lang="es-ES" sz="2800" dirty="0"/>
+              <a:t>Requerimiento funcional:</a:t>
+            </a:r>
+          </a:p>
+          <a:p>
+            <a:pPr marL="0" indent="0">
+              <a:buNone/>
+            </a:pPr>
+            <a:r>
+              <a:rPr lang="es-ES" dirty="0"/>
+              <a:t>El sistema deberá dar acceso a un registro a los dos tipos de usuarios.</a:t>
+            </a:r>
+          </a:p>
+          <a:p>
+            <a:pPr marL="0" indent="0">
+              <a:buNone/>
+            </a:pPr>
+            <a:r>
+              <a:rPr lang="es-ES" dirty="0"/>
+              <a:t>Requerimiento no funcional:</a:t>
+            </a:r>
+          </a:p>
+          <a:p>
+            <a:pPr lvl="0">
+              <a:buFont typeface="Arial" panose="020B0604020202020204" pitchFamily="34" charset="0"/>
+              <a:buChar char="•"/>
+            </a:pPr>
+            <a:r>
+              <a:rPr lang="es-ES" dirty="0"/>
+              <a:t>Ambos tipos de usuarios deberán introducir su nombre, correo y contraseña.</a:t>
+            </a:r>
+            <a:endParaRPr lang="es-MX" dirty="0"/>
+          </a:p>
+          <a:p>
+            <a:pPr lvl="0">
+              <a:buFont typeface="Arial" panose="020B0604020202020204" pitchFamily="34" charset="0"/>
+              <a:buChar char="•"/>
+            </a:pPr>
+            <a:r>
+              <a:rPr lang="es-ES" dirty="0"/>
+              <a:t>La contraseña debe contener mínimo 6 caracteres</a:t>
+            </a:r>
+            <a:endParaRPr lang="es-MX" dirty="0"/>
+          </a:p>
+          <a:p>
+            <a:pPr lvl="0">
+              <a:buFont typeface="Arial" panose="020B0604020202020204" pitchFamily="34" charset="0"/>
+              <a:buChar char="•"/>
+            </a:pPr>
+            <a:r>
+              <a:rPr lang="es-ES" dirty="0"/>
+              <a:t>Para el registro de administrador, el usuario deberá introducir una clave</a:t>
+            </a:r>
+            <a:endParaRPr lang="es-MX" dirty="0"/>
+          </a:p>
+          <a:p>
+            <a:pPr marL="0" indent="0">
+              <a:buNone/>
+            </a:pPr>
+            <a:endParaRPr lang="es-MX" dirty="0"/>
           </a:p>
         </p:txBody>
       </p:sp>
@@ -3988,6 +4061,1644 @@
     <p:extLst>
       <p:ext uri="{BB962C8B-B14F-4D97-AF65-F5344CB8AC3E}">
         <p14:creationId xmlns:p14="http://schemas.microsoft.com/office/powerpoint/2010/main" val="3532113157"/>
+      </p:ext>
+    </p:extLst>
+  </p:cSld>
+  <p:clrMapOvr>
+    <a:masterClrMapping/>
+  </p:clrMapOvr>
+</p:sld>
+</file>
+
+<file path=ppt/slides/slide3.xml><?xml version="1.0" encoding="utf-8"?>
+<p:sld xmlns:a="http://schemas.openxmlformats.org/drawingml/2006/main" xmlns:r="http://schemas.openxmlformats.org/officeDocument/2006/relationships" xmlns:p="http://schemas.openxmlformats.org/presentationml/2006/main">
+  <p:cSld>
+    <p:spTree>
+      <p:nvGrpSpPr>
+        <p:cNvPr id="1" name=""/>
+        <p:cNvGrpSpPr/>
+        <p:nvPr/>
+      </p:nvGrpSpPr>
+      <p:grpSpPr>
+        <a:xfrm>
+          <a:off x="0" y="0"/>
+          <a:ext cx="0" cy="0"/>
+          <a:chOff x="0" y="0"/>
+          <a:chExt cx="0" cy="0"/>
+        </a:xfrm>
+      </p:grpSpPr>
+      <p:sp>
+        <p:nvSpPr>
+          <p:cNvPr id="3" name="Marcador de contenido 2">
+            <a:extLst>
+              <a:ext uri="{FF2B5EF4-FFF2-40B4-BE49-F238E27FC236}">
+                <a16:creationId xmlns:a16="http://schemas.microsoft.com/office/drawing/2014/main" id="{DC1AFDCB-25D5-442A-BE7A-EA1D4371601A}"/>
+              </a:ext>
+            </a:extLst>
+          </p:cNvPr>
+          <p:cNvSpPr txBox="1">
+            <a:spLocks/>
+          </p:cNvSpPr>
+          <p:nvPr/>
+        </p:nvSpPr>
+        <p:spPr>
+          <a:xfrm>
+            <a:off x="1066800" y="478847"/>
+            <a:ext cx="10058400" cy="4023360"/>
+          </a:xfrm>
+          <a:prstGeom prst="rect">
+            <a:avLst/>
+          </a:prstGeom>
+        </p:spPr>
+        <p:txBody>
+          <a:bodyPr/>
+          <a:lstStyle>
+            <a:lvl1pPr marL="91440" indent="-91440" algn="l" defTabSz="914400" rtl="0" eaLnBrk="1" latinLnBrk="0" hangingPunct="1">
+              <a:lnSpc>
+                <a:spcPct val="90000"/>
+              </a:lnSpc>
+              <a:spcBef>
+                <a:spcPts val="1200"/>
+              </a:spcBef>
+              <a:spcAft>
+                <a:spcPts val="200"/>
+              </a:spcAft>
+              <a:buClr>
+                <a:schemeClr val="accent1"/>
+              </a:buClr>
+              <a:buSzPct val="100000"/>
+              <a:buFont typeface="Calibri" panose="020F0502020204030204" pitchFamily="34" charset="0"/>
+              <a:buChar char=" "/>
+              <a:defRPr sz="2000" kern="1200">
+                <a:solidFill>
+                  <a:schemeClr val="tx1">
+                    <a:lumMod val="75000"/>
+                    <a:lumOff val="25000"/>
+                  </a:schemeClr>
+                </a:solidFill>
+                <a:latin typeface="+mn-lt"/>
+                <a:ea typeface="+mn-ea"/>
+                <a:cs typeface="+mn-cs"/>
+              </a:defRPr>
+            </a:lvl1pPr>
+            <a:lvl2pPr marL="384048" indent="-182880" algn="l" defTabSz="914400" rtl="0" eaLnBrk="1" latinLnBrk="0" hangingPunct="1">
+              <a:lnSpc>
+                <a:spcPct val="90000"/>
+              </a:lnSpc>
+              <a:spcBef>
+                <a:spcPts val="200"/>
+              </a:spcBef>
+              <a:spcAft>
+                <a:spcPts val="400"/>
+              </a:spcAft>
+              <a:buClr>
+                <a:schemeClr val="accent1"/>
+              </a:buClr>
+              <a:buFont typeface="Calibri" pitchFamily="34" charset="0"/>
+              <a:buChar char="◦"/>
+              <a:defRPr sz="1800" kern="1200">
+                <a:solidFill>
+                  <a:schemeClr val="tx1">
+                    <a:lumMod val="75000"/>
+                    <a:lumOff val="25000"/>
+                  </a:schemeClr>
+                </a:solidFill>
+                <a:latin typeface="+mn-lt"/>
+                <a:ea typeface="+mn-ea"/>
+                <a:cs typeface="+mn-cs"/>
+              </a:defRPr>
+            </a:lvl2pPr>
+            <a:lvl3pPr marL="566928" indent="-182880" algn="l" defTabSz="914400" rtl="0" eaLnBrk="1" latinLnBrk="0" hangingPunct="1">
+              <a:lnSpc>
+                <a:spcPct val="90000"/>
+              </a:lnSpc>
+              <a:spcBef>
+                <a:spcPts val="200"/>
+              </a:spcBef>
+              <a:spcAft>
+                <a:spcPts val="400"/>
+              </a:spcAft>
+              <a:buClr>
+                <a:schemeClr val="accent1"/>
+              </a:buClr>
+              <a:buFont typeface="Calibri" pitchFamily="34" charset="0"/>
+              <a:buChar char="◦"/>
+              <a:defRPr sz="1400" kern="1200">
+                <a:solidFill>
+                  <a:schemeClr val="tx1">
+                    <a:lumMod val="75000"/>
+                    <a:lumOff val="25000"/>
+                  </a:schemeClr>
+                </a:solidFill>
+                <a:latin typeface="+mn-lt"/>
+                <a:ea typeface="+mn-ea"/>
+                <a:cs typeface="+mn-cs"/>
+              </a:defRPr>
+            </a:lvl3pPr>
+            <a:lvl4pPr marL="749808" indent="-182880" algn="l" defTabSz="914400" rtl="0" eaLnBrk="1" latinLnBrk="0" hangingPunct="1">
+              <a:lnSpc>
+                <a:spcPct val="90000"/>
+              </a:lnSpc>
+              <a:spcBef>
+                <a:spcPts val="200"/>
+              </a:spcBef>
+              <a:spcAft>
+                <a:spcPts val="400"/>
+              </a:spcAft>
+              <a:buClr>
+                <a:schemeClr val="accent1"/>
+              </a:buClr>
+              <a:buFont typeface="Calibri" pitchFamily="34" charset="0"/>
+              <a:buChar char="◦"/>
+              <a:defRPr sz="1400" kern="1200">
+                <a:solidFill>
+                  <a:schemeClr val="tx1">
+                    <a:lumMod val="75000"/>
+                    <a:lumOff val="25000"/>
+                  </a:schemeClr>
+                </a:solidFill>
+                <a:latin typeface="+mn-lt"/>
+                <a:ea typeface="+mn-ea"/>
+                <a:cs typeface="+mn-cs"/>
+              </a:defRPr>
+            </a:lvl4pPr>
+            <a:lvl5pPr marL="932688" indent="-182880" algn="l" defTabSz="914400" rtl="0" eaLnBrk="1" latinLnBrk="0" hangingPunct="1">
+              <a:lnSpc>
+                <a:spcPct val="90000"/>
+              </a:lnSpc>
+              <a:spcBef>
+                <a:spcPts val="200"/>
+              </a:spcBef>
+              <a:spcAft>
+                <a:spcPts val="400"/>
+              </a:spcAft>
+              <a:buClr>
+                <a:schemeClr val="accent1"/>
+              </a:buClr>
+              <a:buFont typeface="Calibri" pitchFamily="34" charset="0"/>
+              <a:buChar char="◦"/>
+              <a:defRPr sz="1400" kern="1200">
+                <a:solidFill>
+                  <a:schemeClr val="tx1">
+                    <a:lumMod val="75000"/>
+                    <a:lumOff val="25000"/>
+                  </a:schemeClr>
+                </a:solidFill>
+                <a:latin typeface="+mn-lt"/>
+                <a:ea typeface="+mn-ea"/>
+                <a:cs typeface="+mn-cs"/>
+              </a:defRPr>
+            </a:lvl5pPr>
+            <a:lvl6pPr marL="1100000" indent="-228600" algn="l" defTabSz="914400" rtl="0" eaLnBrk="1" latinLnBrk="0" hangingPunct="1">
+              <a:lnSpc>
+                <a:spcPct val="90000"/>
+              </a:lnSpc>
+              <a:spcBef>
+                <a:spcPts val="200"/>
+              </a:spcBef>
+              <a:spcAft>
+                <a:spcPts val="400"/>
+              </a:spcAft>
+              <a:buClr>
+                <a:schemeClr val="accent1"/>
+              </a:buClr>
+              <a:buFont typeface="Calibri" pitchFamily="34" charset="0"/>
+              <a:buChar char="◦"/>
+              <a:defRPr sz="1400" kern="1200">
+                <a:solidFill>
+                  <a:schemeClr val="tx1">
+                    <a:lumMod val="75000"/>
+                    <a:lumOff val="25000"/>
+                  </a:schemeClr>
+                </a:solidFill>
+                <a:latin typeface="+mn-lt"/>
+                <a:ea typeface="+mn-ea"/>
+                <a:cs typeface="+mn-cs"/>
+              </a:defRPr>
+            </a:lvl6pPr>
+            <a:lvl7pPr marL="1300000" indent="-228600" algn="l" defTabSz="914400" rtl="0" eaLnBrk="1" latinLnBrk="0" hangingPunct="1">
+              <a:lnSpc>
+                <a:spcPct val="90000"/>
+              </a:lnSpc>
+              <a:spcBef>
+                <a:spcPts val="200"/>
+              </a:spcBef>
+              <a:spcAft>
+                <a:spcPts val="400"/>
+              </a:spcAft>
+              <a:buClr>
+                <a:schemeClr val="accent1"/>
+              </a:buClr>
+              <a:buFont typeface="Calibri" pitchFamily="34" charset="0"/>
+              <a:buChar char="◦"/>
+              <a:defRPr sz="1400" kern="1200">
+                <a:solidFill>
+                  <a:schemeClr val="tx1">
+                    <a:lumMod val="75000"/>
+                    <a:lumOff val="25000"/>
+                  </a:schemeClr>
+                </a:solidFill>
+                <a:latin typeface="+mn-lt"/>
+                <a:ea typeface="+mn-ea"/>
+                <a:cs typeface="+mn-cs"/>
+              </a:defRPr>
+            </a:lvl7pPr>
+            <a:lvl8pPr marL="1500000" indent="-228600" algn="l" defTabSz="914400" rtl="0" eaLnBrk="1" latinLnBrk="0" hangingPunct="1">
+              <a:lnSpc>
+                <a:spcPct val="90000"/>
+              </a:lnSpc>
+              <a:spcBef>
+                <a:spcPts val="200"/>
+              </a:spcBef>
+              <a:spcAft>
+                <a:spcPts val="400"/>
+              </a:spcAft>
+              <a:buClr>
+                <a:schemeClr val="accent1"/>
+              </a:buClr>
+              <a:buFont typeface="Calibri" pitchFamily="34" charset="0"/>
+              <a:buChar char="◦"/>
+              <a:defRPr sz="1400" kern="1200">
+                <a:solidFill>
+                  <a:schemeClr val="tx1">
+                    <a:lumMod val="75000"/>
+                    <a:lumOff val="25000"/>
+                  </a:schemeClr>
+                </a:solidFill>
+                <a:latin typeface="+mn-lt"/>
+                <a:ea typeface="+mn-ea"/>
+                <a:cs typeface="+mn-cs"/>
+              </a:defRPr>
+            </a:lvl8pPr>
+            <a:lvl9pPr marL="1700000" indent="-228600" algn="l" defTabSz="914400" rtl="0" eaLnBrk="1" latinLnBrk="0" hangingPunct="1">
+              <a:lnSpc>
+                <a:spcPct val="90000"/>
+              </a:lnSpc>
+              <a:spcBef>
+                <a:spcPts val="200"/>
+              </a:spcBef>
+              <a:spcAft>
+                <a:spcPts val="400"/>
+              </a:spcAft>
+              <a:buClr>
+                <a:schemeClr val="accent1"/>
+              </a:buClr>
+              <a:buFont typeface="Calibri" pitchFamily="34" charset="0"/>
+              <a:buChar char="◦"/>
+              <a:defRPr sz="1400" kern="1200">
+                <a:solidFill>
+                  <a:schemeClr val="tx1">
+                    <a:lumMod val="75000"/>
+                    <a:lumOff val="25000"/>
+                  </a:schemeClr>
+                </a:solidFill>
+                <a:latin typeface="+mn-lt"/>
+                <a:ea typeface="+mn-ea"/>
+                <a:cs typeface="+mn-cs"/>
+              </a:defRPr>
+            </a:lvl9pPr>
+          </a:lstStyle>
+          <a:p>
+            <a:pPr marL="0" indent="0">
+              <a:buFont typeface="Calibri" panose="020F0502020204030204" pitchFamily="34" charset="0"/>
+              <a:buNone/>
+            </a:pPr>
+            <a:r>
+              <a:rPr lang="es-ES" sz="2800" dirty="0"/>
+              <a:t>Requerimiento funcional:</a:t>
+            </a:r>
+          </a:p>
+          <a:p>
+            <a:pPr marL="0" indent="0">
+              <a:buNone/>
+            </a:pPr>
+            <a:r>
+              <a:rPr lang="es-ES" dirty="0"/>
+              <a:t>El sistema permitirá la calendarización de citas y eventos creados por los usuarios de tipo cliente.</a:t>
+            </a:r>
+          </a:p>
+          <a:p>
+            <a:pPr marL="0" indent="0">
+              <a:buFont typeface="Calibri" panose="020F0502020204030204" pitchFamily="34" charset="0"/>
+              <a:buNone/>
+            </a:pPr>
+            <a:r>
+              <a:rPr lang="es-ES" dirty="0"/>
+              <a:t>Requerimiento no funcional:</a:t>
+            </a:r>
+          </a:p>
+          <a:p>
+            <a:pPr lvl="0">
+              <a:buFont typeface="Arial" panose="020B0604020202020204" pitchFamily="34" charset="0"/>
+              <a:buChar char="•"/>
+            </a:pPr>
+            <a:r>
+              <a:rPr lang="es-ES" dirty="0"/>
+              <a:t>Los usuarios de tipo cliente deberá llenar un formato donde introducirá nombre, correo, fecha y la hora de la cita</a:t>
+            </a:r>
+            <a:endParaRPr lang="es-MX" dirty="0"/>
+          </a:p>
+          <a:p>
+            <a:pPr lvl="0">
+              <a:buFont typeface="Arial" panose="020B0604020202020204" pitchFamily="34" charset="0"/>
+              <a:buChar char="•"/>
+            </a:pPr>
+            <a:r>
+              <a:rPr lang="es-ES" dirty="0"/>
+              <a:t>Únicamente los usuarios administradores podrán modificar la calendarización de eventos y citas en el sistema.</a:t>
+            </a:r>
+            <a:endParaRPr lang="es-MX" dirty="0"/>
+          </a:p>
+          <a:p>
+            <a:pPr lvl="0">
+              <a:buFont typeface="Arial" panose="020B0604020202020204" pitchFamily="34" charset="0"/>
+              <a:buChar char="•"/>
+            </a:pPr>
+            <a:r>
+              <a:rPr lang="es-ES" dirty="0"/>
+              <a:t>Únicamente los usuarios administradores podrán eliminar eventos y citas en el sistema.</a:t>
+            </a:r>
+            <a:endParaRPr lang="es-MX" dirty="0"/>
+          </a:p>
+          <a:p>
+            <a:pPr marL="0" indent="0">
+              <a:buFont typeface="Calibri" panose="020F0502020204030204" pitchFamily="34" charset="0"/>
+              <a:buNone/>
+            </a:pPr>
+            <a:endParaRPr lang="es-MX" dirty="0"/>
+          </a:p>
+        </p:txBody>
+      </p:sp>
+    </p:spTree>
+    <p:extLst>
+      <p:ext uri="{BB962C8B-B14F-4D97-AF65-F5344CB8AC3E}">
+        <p14:creationId xmlns:p14="http://schemas.microsoft.com/office/powerpoint/2010/main" val="3300567499"/>
+      </p:ext>
+    </p:extLst>
+  </p:cSld>
+  <p:clrMapOvr>
+    <a:masterClrMapping/>
+  </p:clrMapOvr>
+</p:sld>
+</file>
+
+<file path=ppt/slides/slide4.xml><?xml version="1.0" encoding="utf-8"?>
+<p:sld xmlns:a="http://schemas.openxmlformats.org/drawingml/2006/main" xmlns:r="http://schemas.openxmlformats.org/officeDocument/2006/relationships" xmlns:p="http://schemas.openxmlformats.org/presentationml/2006/main">
+  <p:cSld>
+    <p:spTree>
+      <p:nvGrpSpPr>
+        <p:cNvPr id="1" name=""/>
+        <p:cNvGrpSpPr/>
+        <p:nvPr/>
+      </p:nvGrpSpPr>
+      <p:grpSpPr>
+        <a:xfrm>
+          <a:off x="0" y="0"/>
+          <a:ext cx="0" cy="0"/>
+          <a:chOff x="0" y="0"/>
+          <a:chExt cx="0" cy="0"/>
+        </a:xfrm>
+      </p:grpSpPr>
+      <p:sp>
+        <p:nvSpPr>
+          <p:cNvPr id="2" name="Marcador de contenido 2">
+            <a:extLst>
+              <a:ext uri="{FF2B5EF4-FFF2-40B4-BE49-F238E27FC236}">
+                <a16:creationId xmlns:a16="http://schemas.microsoft.com/office/drawing/2014/main" id="{E6998A94-3A66-4BBD-8696-6AD6B6B8F1A2}"/>
+              </a:ext>
+            </a:extLst>
+          </p:cNvPr>
+          <p:cNvSpPr txBox="1">
+            <a:spLocks/>
+          </p:cNvSpPr>
+          <p:nvPr/>
+        </p:nvSpPr>
+        <p:spPr>
+          <a:xfrm>
+            <a:off x="1066800" y="525981"/>
+            <a:ext cx="10058400" cy="4023360"/>
+          </a:xfrm>
+          <a:prstGeom prst="rect">
+            <a:avLst/>
+          </a:prstGeom>
+        </p:spPr>
+        <p:txBody>
+          <a:bodyPr/>
+          <a:lstStyle>
+            <a:lvl1pPr marL="91440" indent="-91440" algn="l" defTabSz="914400" rtl="0" eaLnBrk="1" latinLnBrk="0" hangingPunct="1">
+              <a:lnSpc>
+                <a:spcPct val="90000"/>
+              </a:lnSpc>
+              <a:spcBef>
+                <a:spcPts val="1200"/>
+              </a:spcBef>
+              <a:spcAft>
+                <a:spcPts val="200"/>
+              </a:spcAft>
+              <a:buClr>
+                <a:schemeClr val="accent1"/>
+              </a:buClr>
+              <a:buSzPct val="100000"/>
+              <a:buFont typeface="Calibri" panose="020F0502020204030204" pitchFamily="34" charset="0"/>
+              <a:buChar char=" "/>
+              <a:defRPr sz="2000" kern="1200">
+                <a:solidFill>
+                  <a:schemeClr val="tx1">
+                    <a:lumMod val="75000"/>
+                    <a:lumOff val="25000"/>
+                  </a:schemeClr>
+                </a:solidFill>
+                <a:latin typeface="+mn-lt"/>
+                <a:ea typeface="+mn-ea"/>
+                <a:cs typeface="+mn-cs"/>
+              </a:defRPr>
+            </a:lvl1pPr>
+            <a:lvl2pPr marL="384048" indent="-182880" algn="l" defTabSz="914400" rtl="0" eaLnBrk="1" latinLnBrk="0" hangingPunct="1">
+              <a:lnSpc>
+                <a:spcPct val="90000"/>
+              </a:lnSpc>
+              <a:spcBef>
+                <a:spcPts val="200"/>
+              </a:spcBef>
+              <a:spcAft>
+                <a:spcPts val="400"/>
+              </a:spcAft>
+              <a:buClr>
+                <a:schemeClr val="accent1"/>
+              </a:buClr>
+              <a:buFont typeface="Calibri" pitchFamily="34" charset="0"/>
+              <a:buChar char="◦"/>
+              <a:defRPr sz="1800" kern="1200">
+                <a:solidFill>
+                  <a:schemeClr val="tx1">
+                    <a:lumMod val="75000"/>
+                    <a:lumOff val="25000"/>
+                  </a:schemeClr>
+                </a:solidFill>
+                <a:latin typeface="+mn-lt"/>
+                <a:ea typeface="+mn-ea"/>
+                <a:cs typeface="+mn-cs"/>
+              </a:defRPr>
+            </a:lvl2pPr>
+            <a:lvl3pPr marL="566928" indent="-182880" algn="l" defTabSz="914400" rtl="0" eaLnBrk="1" latinLnBrk="0" hangingPunct="1">
+              <a:lnSpc>
+                <a:spcPct val="90000"/>
+              </a:lnSpc>
+              <a:spcBef>
+                <a:spcPts val="200"/>
+              </a:spcBef>
+              <a:spcAft>
+                <a:spcPts val="400"/>
+              </a:spcAft>
+              <a:buClr>
+                <a:schemeClr val="accent1"/>
+              </a:buClr>
+              <a:buFont typeface="Calibri" pitchFamily="34" charset="0"/>
+              <a:buChar char="◦"/>
+              <a:defRPr sz="1400" kern="1200">
+                <a:solidFill>
+                  <a:schemeClr val="tx1">
+                    <a:lumMod val="75000"/>
+                    <a:lumOff val="25000"/>
+                  </a:schemeClr>
+                </a:solidFill>
+                <a:latin typeface="+mn-lt"/>
+                <a:ea typeface="+mn-ea"/>
+                <a:cs typeface="+mn-cs"/>
+              </a:defRPr>
+            </a:lvl3pPr>
+            <a:lvl4pPr marL="749808" indent="-182880" algn="l" defTabSz="914400" rtl="0" eaLnBrk="1" latinLnBrk="0" hangingPunct="1">
+              <a:lnSpc>
+                <a:spcPct val="90000"/>
+              </a:lnSpc>
+              <a:spcBef>
+                <a:spcPts val="200"/>
+              </a:spcBef>
+              <a:spcAft>
+                <a:spcPts val="400"/>
+              </a:spcAft>
+              <a:buClr>
+                <a:schemeClr val="accent1"/>
+              </a:buClr>
+              <a:buFont typeface="Calibri" pitchFamily="34" charset="0"/>
+              <a:buChar char="◦"/>
+              <a:defRPr sz="1400" kern="1200">
+                <a:solidFill>
+                  <a:schemeClr val="tx1">
+                    <a:lumMod val="75000"/>
+                    <a:lumOff val="25000"/>
+                  </a:schemeClr>
+                </a:solidFill>
+                <a:latin typeface="+mn-lt"/>
+                <a:ea typeface="+mn-ea"/>
+                <a:cs typeface="+mn-cs"/>
+              </a:defRPr>
+            </a:lvl4pPr>
+            <a:lvl5pPr marL="932688" indent="-182880" algn="l" defTabSz="914400" rtl="0" eaLnBrk="1" latinLnBrk="0" hangingPunct="1">
+              <a:lnSpc>
+                <a:spcPct val="90000"/>
+              </a:lnSpc>
+              <a:spcBef>
+                <a:spcPts val="200"/>
+              </a:spcBef>
+              <a:spcAft>
+                <a:spcPts val="400"/>
+              </a:spcAft>
+              <a:buClr>
+                <a:schemeClr val="accent1"/>
+              </a:buClr>
+              <a:buFont typeface="Calibri" pitchFamily="34" charset="0"/>
+              <a:buChar char="◦"/>
+              <a:defRPr sz="1400" kern="1200">
+                <a:solidFill>
+                  <a:schemeClr val="tx1">
+                    <a:lumMod val="75000"/>
+                    <a:lumOff val="25000"/>
+                  </a:schemeClr>
+                </a:solidFill>
+                <a:latin typeface="+mn-lt"/>
+                <a:ea typeface="+mn-ea"/>
+                <a:cs typeface="+mn-cs"/>
+              </a:defRPr>
+            </a:lvl5pPr>
+            <a:lvl6pPr marL="1100000" indent="-228600" algn="l" defTabSz="914400" rtl="0" eaLnBrk="1" latinLnBrk="0" hangingPunct="1">
+              <a:lnSpc>
+                <a:spcPct val="90000"/>
+              </a:lnSpc>
+              <a:spcBef>
+                <a:spcPts val="200"/>
+              </a:spcBef>
+              <a:spcAft>
+                <a:spcPts val="400"/>
+              </a:spcAft>
+              <a:buClr>
+                <a:schemeClr val="accent1"/>
+              </a:buClr>
+              <a:buFont typeface="Calibri" pitchFamily="34" charset="0"/>
+              <a:buChar char="◦"/>
+              <a:defRPr sz="1400" kern="1200">
+                <a:solidFill>
+                  <a:schemeClr val="tx1">
+                    <a:lumMod val="75000"/>
+                    <a:lumOff val="25000"/>
+                  </a:schemeClr>
+                </a:solidFill>
+                <a:latin typeface="+mn-lt"/>
+                <a:ea typeface="+mn-ea"/>
+                <a:cs typeface="+mn-cs"/>
+              </a:defRPr>
+            </a:lvl6pPr>
+            <a:lvl7pPr marL="1300000" indent="-228600" algn="l" defTabSz="914400" rtl="0" eaLnBrk="1" latinLnBrk="0" hangingPunct="1">
+              <a:lnSpc>
+                <a:spcPct val="90000"/>
+              </a:lnSpc>
+              <a:spcBef>
+                <a:spcPts val="200"/>
+              </a:spcBef>
+              <a:spcAft>
+                <a:spcPts val="400"/>
+              </a:spcAft>
+              <a:buClr>
+                <a:schemeClr val="accent1"/>
+              </a:buClr>
+              <a:buFont typeface="Calibri" pitchFamily="34" charset="0"/>
+              <a:buChar char="◦"/>
+              <a:defRPr sz="1400" kern="1200">
+                <a:solidFill>
+                  <a:schemeClr val="tx1">
+                    <a:lumMod val="75000"/>
+                    <a:lumOff val="25000"/>
+                  </a:schemeClr>
+                </a:solidFill>
+                <a:latin typeface="+mn-lt"/>
+                <a:ea typeface="+mn-ea"/>
+                <a:cs typeface="+mn-cs"/>
+              </a:defRPr>
+            </a:lvl7pPr>
+            <a:lvl8pPr marL="1500000" indent="-228600" algn="l" defTabSz="914400" rtl="0" eaLnBrk="1" latinLnBrk="0" hangingPunct="1">
+              <a:lnSpc>
+                <a:spcPct val="90000"/>
+              </a:lnSpc>
+              <a:spcBef>
+                <a:spcPts val="200"/>
+              </a:spcBef>
+              <a:spcAft>
+                <a:spcPts val="400"/>
+              </a:spcAft>
+              <a:buClr>
+                <a:schemeClr val="accent1"/>
+              </a:buClr>
+              <a:buFont typeface="Calibri" pitchFamily="34" charset="0"/>
+              <a:buChar char="◦"/>
+              <a:defRPr sz="1400" kern="1200">
+                <a:solidFill>
+                  <a:schemeClr val="tx1">
+                    <a:lumMod val="75000"/>
+                    <a:lumOff val="25000"/>
+                  </a:schemeClr>
+                </a:solidFill>
+                <a:latin typeface="+mn-lt"/>
+                <a:ea typeface="+mn-ea"/>
+                <a:cs typeface="+mn-cs"/>
+              </a:defRPr>
+            </a:lvl8pPr>
+            <a:lvl9pPr marL="1700000" indent="-228600" algn="l" defTabSz="914400" rtl="0" eaLnBrk="1" latinLnBrk="0" hangingPunct="1">
+              <a:lnSpc>
+                <a:spcPct val="90000"/>
+              </a:lnSpc>
+              <a:spcBef>
+                <a:spcPts val="200"/>
+              </a:spcBef>
+              <a:spcAft>
+                <a:spcPts val="400"/>
+              </a:spcAft>
+              <a:buClr>
+                <a:schemeClr val="accent1"/>
+              </a:buClr>
+              <a:buFont typeface="Calibri" pitchFamily="34" charset="0"/>
+              <a:buChar char="◦"/>
+              <a:defRPr sz="1400" kern="1200">
+                <a:solidFill>
+                  <a:schemeClr val="tx1">
+                    <a:lumMod val="75000"/>
+                    <a:lumOff val="25000"/>
+                  </a:schemeClr>
+                </a:solidFill>
+                <a:latin typeface="+mn-lt"/>
+                <a:ea typeface="+mn-ea"/>
+                <a:cs typeface="+mn-cs"/>
+              </a:defRPr>
+            </a:lvl9pPr>
+          </a:lstStyle>
+          <a:p>
+            <a:pPr marL="0" indent="0">
+              <a:buFont typeface="Calibri" panose="020F0502020204030204" pitchFamily="34" charset="0"/>
+              <a:buNone/>
+            </a:pPr>
+            <a:r>
+              <a:rPr lang="es-ES" sz="2800" dirty="0"/>
+              <a:t>Requerimiento funcional:</a:t>
+            </a:r>
+          </a:p>
+          <a:p>
+            <a:pPr marL="0" indent="0">
+              <a:buNone/>
+            </a:pPr>
+            <a:r>
+              <a:rPr lang="es-ES" dirty="0"/>
+              <a:t>El sistema permitirá el tráfico de mensajes e imágenes entre los administradores y usuarios, mediante el tránsito de estos por el servidor de la app.</a:t>
+            </a:r>
+          </a:p>
+          <a:p>
+            <a:pPr marL="0" indent="0">
+              <a:buFont typeface="Calibri" panose="020F0502020204030204" pitchFamily="34" charset="0"/>
+              <a:buNone/>
+            </a:pPr>
+            <a:r>
+              <a:rPr lang="es-ES" dirty="0"/>
+              <a:t>Requerimiento no funcional:</a:t>
+            </a:r>
+          </a:p>
+          <a:p>
+            <a:pPr>
+              <a:buFont typeface="Arial" panose="020B0604020202020204" pitchFamily="34" charset="0"/>
+              <a:buChar char="•"/>
+            </a:pPr>
+            <a:r>
+              <a:rPr lang="es-ES" dirty="0"/>
+              <a:t>Los mensajes tendrán una limitación máxima de 1000 caracteres por cada uno.</a:t>
+            </a:r>
+          </a:p>
+          <a:p>
+            <a:pPr>
+              <a:buFont typeface="Arial" panose="020B0604020202020204" pitchFamily="34" charset="0"/>
+              <a:buChar char="•"/>
+            </a:pPr>
+            <a:r>
+              <a:rPr lang="es-ES" dirty="0"/>
+              <a:t>Los administradores podrán visualizar una lista de contactos de los clientes.</a:t>
+            </a:r>
+          </a:p>
+          <a:p>
+            <a:pPr>
+              <a:buFont typeface="Arial" panose="020B0604020202020204" pitchFamily="34" charset="0"/>
+              <a:buChar char="•"/>
+            </a:pPr>
+            <a:r>
+              <a:rPr lang="es-ES" dirty="0"/>
+              <a:t>Los clientes podrán visualizar una lista de contactos de los administradores.</a:t>
+            </a:r>
+            <a:endParaRPr lang="es-MX" dirty="0"/>
+          </a:p>
+          <a:p>
+            <a:pPr>
+              <a:buFont typeface="Arial" panose="020B0604020202020204" pitchFamily="34" charset="0"/>
+              <a:buChar char="•"/>
+            </a:pPr>
+            <a:endParaRPr lang="es-MX" dirty="0"/>
+          </a:p>
+          <a:p>
+            <a:pPr marL="0" indent="0">
+              <a:buNone/>
+            </a:pPr>
+            <a:endParaRPr lang="es-MX" dirty="0"/>
+          </a:p>
+        </p:txBody>
+      </p:sp>
+    </p:spTree>
+    <p:extLst>
+      <p:ext uri="{BB962C8B-B14F-4D97-AF65-F5344CB8AC3E}">
+        <p14:creationId xmlns:p14="http://schemas.microsoft.com/office/powerpoint/2010/main" val="1747909305"/>
+      </p:ext>
+    </p:extLst>
+  </p:cSld>
+  <p:clrMapOvr>
+    <a:masterClrMapping/>
+  </p:clrMapOvr>
+</p:sld>
+</file>
+
+<file path=ppt/slides/slide5.xml><?xml version="1.0" encoding="utf-8"?>
+<p:sld xmlns:a="http://schemas.openxmlformats.org/drawingml/2006/main" xmlns:r="http://schemas.openxmlformats.org/officeDocument/2006/relationships" xmlns:p="http://schemas.openxmlformats.org/presentationml/2006/main">
+  <p:cSld>
+    <p:spTree>
+      <p:nvGrpSpPr>
+        <p:cNvPr id="1" name=""/>
+        <p:cNvGrpSpPr/>
+        <p:nvPr/>
+      </p:nvGrpSpPr>
+      <p:grpSpPr>
+        <a:xfrm>
+          <a:off x="0" y="0"/>
+          <a:ext cx="0" cy="0"/>
+          <a:chOff x="0" y="0"/>
+          <a:chExt cx="0" cy="0"/>
+        </a:xfrm>
+      </p:grpSpPr>
+      <p:sp>
+        <p:nvSpPr>
+          <p:cNvPr id="2" name="Título 1">
+            <a:extLst>
+              <a:ext uri="{FF2B5EF4-FFF2-40B4-BE49-F238E27FC236}">
+                <a16:creationId xmlns:a16="http://schemas.microsoft.com/office/drawing/2014/main" id="{C594F946-2FAA-4878-9221-9331BF6DE21B}"/>
+              </a:ext>
+            </a:extLst>
+          </p:cNvPr>
+          <p:cNvSpPr>
+            <a:spLocks noGrp="1"/>
+          </p:cNvSpPr>
+          <p:nvPr>
+            <p:ph type="title"/>
+          </p:nvPr>
+        </p:nvSpPr>
+        <p:spPr/>
+        <p:txBody>
+          <a:bodyPr/>
+          <a:lstStyle/>
+          <a:p>
+            <a:r>
+              <a:rPr lang="es-MX" dirty="0"/>
+              <a:t>Documentación</a:t>
+            </a:r>
+          </a:p>
+        </p:txBody>
+      </p:sp>
+      <p:sp>
+        <p:nvSpPr>
+          <p:cNvPr id="3" name="Marcador de contenido 2">
+            <a:extLst>
+              <a:ext uri="{FF2B5EF4-FFF2-40B4-BE49-F238E27FC236}">
+                <a16:creationId xmlns:a16="http://schemas.microsoft.com/office/drawing/2014/main" id="{D750A414-EC87-494D-AA1F-755527980584}"/>
+              </a:ext>
+            </a:extLst>
+          </p:cNvPr>
+          <p:cNvSpPr>
+            <a:spLocks noGrp="1"/>
+          </p:cNvSpPr>
+          <p:nvPr>
+            <p:ph idx="1"/>
+          </p:nvPr>
+        </p:nvSpPr>
+        <p:spPr/>
+        <p:txBody>
+          <a:bodyPr/>
+          <a:lstStyle/>
+          <a:p>
+            <a:r>
+              <a:rPr lang="es-MX" dirty="0"/>
+              <a:t>Se utilizó el software </a:t>
+            </a:r>
+            <a:r>
+              <a:rPr lang="es-MX" dirty="0" err="1"/>
+              <a:t>Dartdoc</a:t>
+            </a:r>
+            <a:r>
+              <a:rPr lang="es-MX" dirty="0"/>
+              <a:t> para la generación de la documentación automática en formato HTML. La documentación estará alojado en el repositorio del proyecto </a:t>
+            </a:r>
+          </a:p>
+        </p:txBody>
+      </p:sp>
+    </p:spTree>
+    <p:extLst>
+      <p:ext uri="{BB962C8B-B14F-4D97-AF65-F5344CB8AC3E}">
+        <p14:creationId xmlns:p14="http://schemas.microsoft.com/office/powerpoint/2010/main" val="374312824"/>
+      </p:ext>
+    </p:extLst>
+  </p:cSld>
+  <p:clrMapOvr>
+    <a:masterClrMapping/>
+  </p:clrMapOvr>
+</p:sld>
+</file>
+
+<file path=ppt/slides/slide6.xml><?xml version="1.0" encoding="utf-8"?>
+<p:sld xmlns:a="http://schemas.openxmlformats.org/drawingml/2006/main" xmlns:r="http://schemas.openxmlformats.org/officeDocument/2006/relationships" xmlns:p="http://schemas.openxmlformats.org/presentationml/2006/main">
+  <p:cSld>
+    <p:spTree>
+      <p:nvGrpSpPr>
+        <p:cNvPr id="1" name=""/>
+        <p:cNvGrpSpPr/>
+        <p:nvPr/>
+      </p:nvGrpSpPr>
+      <p:grpSpPr>
+        <a:xfrm>
+          <a:off x="0" y="0"/>
+          <a:ext cx="0" cy="0"/>
+          <a:chOff x="0" y="0"/>
+          <a:chExt cx="0" cy="0"/>
+        </a:xfrm>
+      </p:grpSpPr>
+      <p:sp>
+        <p:nvSpPr>
+          <p:cNvPr id="2" name="Título 1">
+            <a:extLst>
+              <a:ext uri="{FF2B5EF4-FFF2-40B4-BE49-F238E27FC236}">
+                <a16:creationId xmlns:a16="http://schemas.microsoft.com/office/drawing/2014/main" id="{5CE7CD2F-1105-4EB9-BCC4-00D937147CFF}"/>
+              </a:ext>
+            </a:extLst>
+          </p:cNvPr>
+          <p:cNvSpPr>
+            <a:spLocks noGrp="1"/>
+          </p:cNvSpPr>
+          <p:nvPr>
+            <p:ph type="title"/>
+          </p:nvPr>
+        </p:nvSpPr>
+        <p:spPr/>
+        <p:txBody>
+          <a:bodyPr/>
+          <a:lstStyle/>
+          <a:p>
+            <a:r>
+              <a:rPr lang="es-MX" dirty="0"/>
+              <a:t>Modularidad</a:t>
+            </a:r>
+          </a:p>
+        </p:txBody>
+      </p:sp>
+      <p:sp>
+        <p:nvSpPr>
+          <p:cNvPr id="3" name="Marcador de contenido 2">
+            <a:extLst>
+              <a:ext uri="{FF2B5EF4-FFF2-40B4-BE49-F238E27FC236}">
+                <a16:creationId xmlns:a16="http://schemas.microsoft.com/office/drawing/2014/main" id="{1F582C3F-B455-4937-955A-C3F8E8000C36}"/>
+              </a:ext>
+            </a:extLst>
+          </p:cNvPr>
+          <p:cNvSpPr>
+            <a:spLocks noGrp="1"/>
+          </p:cNvSpPr>
+          <p:nvPr>
+            <p:ph idx="1"/>
+          </p:nvPr>
+        </p:nvSpPr>
+        <p:spPr/>
+        <p:txBody>
+          <a:bodyPr/>
+          <a:lstStyle/>
+          <a:p>
+            <a:endParaRPr lang="es-MX"/>
+          </a:p>
+        </p:txBody>
+      </p:sp>
+    </p:spTree>
+    <p:extLst>
+      <p:ext uri="{BB962C8B-B14F-4D97-AF65-F5344CB8AC3E}">
+        <p14:creationId xmlns:p14="http://schemas.microsoft.com/office/powerpoint/2010/main" val="2976140434"/>
+      </p:ext>
+    </p:extLst>
+  </p:cSld>
+  <p:clrMapOvr>
+    <a:masterClrMapping/>
+  </p:clrMapOvr>
+</p:sld>
+</file>
+
+<file path=ppt/slides/slide7.xml><?xml version="1.0" encoding="utf-8"?>
+<p:sld xmlns:a="http://schemas.openxmlformats.org/drawingml/2006/main" xmlns:r="http://schemas.openxmlformats.org/officeDocument/2006/relationships" xmlns:p="http://schemas.openxmlformats.org/presentationml/2006/main">
+  <p:cSld>
+    <p:spTree>
+      <p:nvGrpSpPr>
+        <p:cNvPr id="1" name=""/>
+        <p:cNvGrpSpPr/>
+        <p:nvPr/>
+      </p:nvGrpSpPr>
+      <p:grpSpPr>
+        <a:xfrm>
+          <a:off x="0" y="0"/>
+          <a:ext cx="0" cy="0"/>
+          <a:chOff x="0" y="0"/>
+          <a:chExt cx="0" cy="0"/>
+        </a:xfrm>
+      </p:grpSpPr>
+      <p:sp>
+        <p:nvSpPr>
+          <p:cNvPr id="2" name="Título 1">
+            <a:extLst>
+              <a:ext uri="{FF2B5EF4-FFF2-40B4-BE49-F238E27FC236}">
+                <a16:creationId xmlns:a16="http://schemas.microsoft.com/office/drawing/2014/main" id="{E228291A-3CDF-4ADD-9DE9-E71C75033229}"/>
+              </a:ext>
+            </a:extLst>
+          </p:cNvPr>
+          <p:cNvSpPr>
+            <a:spLocks noGrp="1"/>
+          </p:cNvSpPr>
+          <p:nvPr>
+            <p:ph type="title"/>
+          </p:nvPr>
+        </p:nvSpPr>
+        <p:spPr/>
+        <p:txBody>
+          <a:bodyPr/>
+          <a:lstStyle/>
+          <a:p>
+            <a:r>
+              <a:rPr lang="es-MX" dirty="0"/>
+              <a:t>Proceso de desarrollo</a:t>
+            </a:r>
+          </a:p>
+        </p:txBody>
+      </p:sp>
+      <p:sp>
+        <p:nvSpPr>
+          <p:cNvPr id="3" name="Marcador de contenido 2">
+            <a:extLst>
+              <a:ext uri="{FF2B5EF4-FFF2-40B4-BE49-F238E27FC236}">
+                <a16:creationId xmlns:a16="http://schemas.microsoft.com/office/drawing/2014/main" id="{23349A76-33CE-4521-8B26-3BA395513451}"/>
+              </a:ext>
+            </a:extLst>
+          </p:cNvPr>
+          <p:cNvSpPr>
+            <a:spLocks noGrp="1"/>
+          </p:cNvSpPr>
+          <p:nvPr>
+            <p:ph idx="1"/>
+          </p:nvPr>
+        </p:nvSpPr>
+        <p:spPr/>
+        <p:txBody>
+          <a:bodyPr/>
+          <a:lstStyle/>
+          <a:p>
+            <a:r>
+              <a:rPr lang="es-MX" dirty="0"/>
+              <a:t>Descripción de la métrica</a:t>
+            </a:r>
+          </a:p>
+          <a:p>
+            <a:r>
+              <a:rPr lang="es-MX" dirty="0"/>
+              <a:t>La métrica contiene los tres requerimientos con el nombre de la persona encargada, cada uno tiene una serie de acciones necesarios para la implementación del dicho requerimiento con su nivel de complejidad. Existirá dos tipos de complejidad, simple, de valor de 3 puntos, y complejo, de valor de 5 puntos. Estos puntos determina la contribución individual de cada integrante del equipo. </a:t>
+            </a:r>
+          </a:p>
+          <a:p>
+            <a:endParaRPr lang="es-MX" dirty="0"/>
+          </a:p>
+        </p:txBody>
+      </p:sp>
+    </p:spTree>
+    <p:extLst>
+      <p:ext uri="{BB962C8B-B14F-4D97-AF65-F5344CB8AC3E}">
+        <p14:creationId xmlns:p14="http://schemas.microsoft.com/office/powerpoint/2010/main" val="3346700531"/>
+      </p:ext>
+    </p:extLst>
+  </p:cSld>
+  <p:clrMapOvr>
+    <a:masterClrMapping/>
+  </p:clrMapOvr>
+</p:sld>
+</file>
+
+<file path=ppt/slides/slide8.xml><?xml version="1.0" encoding="utf-8"?>
+<p:sld xmlns:a="http://schemas.openxmlformats.org/drawingml/2006/main" xmlns:r="http://schemas.openxmlformats.org/officeDocument/2006/relationships" xmlns:p="http://schemas.openxmlformats.org/presentationml/2006/main">
+  <p:cSld>
+    <p:spTree>
+      <p:nvGrpSpPr>
+        <p:cNvPr id="1" name=""/>
+        <p:cNvGrpSpPr/>
+        <p:nvPr/>
+      </p:nvGrpSpPr>
+      <p:grpSpPr>
+        <a:xfrm>
+          <a:off x="0" y="0"/>
+          <a:ext cx="0" cy="0"/>
+          <a:chOff x="0" y="0"/>
+          <a:chExt cx="0" cy="0"/>
+        </a:xfrm>
+      </p:grpSpPr>
+      <p:sp>
+        <p:nvSpPr>
+          <p:cNvPr id="2" name="Marcador de contenido 2">
+            <a:extLst>
+              <a:ext uri="{FF2B5EF4-FFF2-40B4-BE49-F238E27FC236}">
+                <a16:creationId xmlns:a16="http://schemas.microsoft.com/office/drawing/2014/main" id="{A8C0D640-11B8-4870-9616-163334AD84B5}"/>
+              </a:ext>
+            </a:extLst>
+          </p:cNvPr>
+          <p:cNvSpPr txBox="1">
+            <a:spLocks/>
+          </p:cNvSpPr>
+          <p:nvPr/>
+        </p:nvSpPr>
+        <p:spPr>
+          <a:xfrm>
+            <a:off x="1066800" y="601396"/>
+            <a:ext cx="10058400" cy="4023360"/>
+          </a:xfrm>
+          <a:prstGeom prst="rect">
+            <a:avLst/>
+          </a:prstGeom>
+        </p:spPr>
+        <p:txBody>
+          <a:bodyPr/>
+          <a:lstStyle>
+            <a:lvl1pPr marL="91440" indent="-91440" algn="l" defTabSz="914400" rtl="0" eaLnBrk="1" latinLnBrk="0" hangingPunct="1">
+              <a:lnSpc>
+                <a:spcPct val="90000"/>
+              </a:lnSpc>
+              <a:spcBef>
+                <a:spcPts val="1200"/>
+              </a:spcBef>
+              <a:spcAft>
+                <a:spcPts val="200"/>
+              </a:spcAft>
+              <a:buClr>
+                <a:schemeClr val="accent1"/>
+              </a:buClr>
+              <a:buSzPct val="100000"/>
+              <a:buFont typeface="Calibri" panose="020F0502020204030204" pitchFamily="34" charset="0"/>
+              <a:buChar char=" "/>
+              <a:defRPr sz="2000" kern="1200">
+                <a:solidFill>
+                  <a:schemeClr val="tx1">
+                    <a:lumMod val="75000"/>
+                    <a:lumOff val="25000"/>
+                  </a:schemeClr>
+                </a:solidFill>
+                <a:latin typeface="+mn-lt"/>
+                <a:ea typeface="+mn-ea"/>
+                <a:cs typeface="+mn-cs"/>
+              </a:defRPr>
+            </a:lvl1pPr>
+            <a:lvl2pPr marL="384048" indent="-182880" algn="l" defTabSz="914400" rtl="0" eaLnBrk="1" latinLnBrk="0" hangingPunct="1">
+              <a:lnSpc>
+                <a:spcPct val="90000"/>
+              </a:lnSpc>
+              <a:spcBef>
+                <a:spcPts val="200"/>
+              </a:spcBef>
+              <a:spcAft>
+                <a:spcPts val="400"/>
+              </a:spcAft>
+              <a:buClr>
+                <a:schemeClr val="accent1"/>
+              </a:buClr>
+              <a:buFont typeface="Calibri" pitchFamily="34" charset="0"/>
+              <a:buChar char="◦"/>
+              <a:defRPr sz="1800" kern="1200">
+                <a:solidFill>
+                  <a:schemeClr val="tx1">
+                    <a:lumMod val="75000"/>
+                    <a:lumOff val="25000"/>
+                  </a:schemeClr>
+                </a:solidFill>
+                <a:latin typeface="+mn-lt"/>
+                <a:ea typeface="+mn-ea"/>
+                <a:cs typeface="+mn-cs"/>
+              </a:defRPr>
+            </a:lvl2pPr>
+            <a:lvl3pPr marL="566928" indent="-182880" algn="l" defTabSz="914400" rtl="0" eaLnBrk="1" latinLnBrk="0" hangingPunct="1">
+              <a:lnSpc>
+                <a:spcPct val="90000"/>
+              </a:lnSpc>
+              <a:spcBef>
+                <a:spcPts val="200"/>
+              </a:spcBef>
+              <a:spcAft>
+                <a:spcPts val="400"/>
+              </a:spcAft>
+              <a:buClr>
+                <a:schemeClr val="accent1"/>
+              </a:buClr>
+              <a:buFont typeface="Calibri" pitchFamily="34" charset="0"/>
+              <a:buChar char="◦"/>
+              <a:defRPr sz="1400" kern="1200">
+                <a:solidFill>
+                  <a:schemeClr val="tx1">
+                    <a:lumMod val="75000"/>
+                    <a:lumOff val="25000"/>
+                  </a:schemeClr>
+                </a:solidFill>
+                <a:latin typeface="+mn-lt"/>
+                <a:ea typeface="+mn-ea"/>
+                <a:cs typeface="+mn-cs"/>
+              </a:defRPr>
+            </a:lvl3pPr>
+            <a:lvl4pPr marL="749808" indent="-182880" algn="l" defTabSz="914400" rtl="0" eaLnBrk="1" latinLnBrk="0" hangingPunct="1">
+              <a:lnSpc>
+                <a:spcPct val="90000"/>
+              </a:lnSpc>
+              <a:spcBef>
+                <a:spcPts val="200"/>
+              </a:spcBef>
+              <a:spcAft>
+                <a:spcPts val="400"/>
+              </a:spcAft>
+              <a:buClr>
+                <a:schemeClr val="accent1"/>
+              </a:buClr>
+              <a:buFont typeface="Calibri" pitchFamily="34" charset="0"/>
+              <a:buChar char="◦"/>
+              <a:defRPr sz="1400" kern="1200">
+                <a:solidFill>
+                  <a:schemeClr val="tx1">
+                    <a:lumMod val="75000"/>
+                    <a:lumOff val="25000"/>
+                  </a:schemeClr>
+                </a:solidFill>
+                <a:latin typeface="+mn-lt"/>
+                <a:ea typeface="+mn-ea"/>
+                <a:cs typeface="+mn-cs"/>
+              </a:defRPr>
+            </a:lvl4pPr>
+            <a:lvl5pPr marL="932688" indent="-182880" algn="l" defTabSz="914400" rtl="0" eaLnBrk="1" latinLnBrk="0" hangingPunct="1">
+              <a:lnSpc>
+                <a:spcPct val="90000"/>
+              </a:lnSpc>
+              <a:spcBef>
+                <a:spcPts val="200"/>
+              </a:spcBef>
+              <a:spcAft>
+                <a:spcPts val="400"/>
+              </a:spcAft>
+              <a:buClr>
+                <a:schemeClr val="accent1"/>
+              </a:buClr>
+              <a:buFont typeface="Calibri" pitchFamily="34" charset="0"/>
+              <a:buChar char="◦"/>
+              <a:defRPr sz="1400" kern="1200">
+                <a:solidFill>
+                  <a:schemeClr val="tx1">
+                    <a:lumMod val="75000"/>
+                    <a:lumOff val="25000"/>
+                  </a:schemeClr>
+                </a:solidFill>
+                <a:latin typeface="+mn-lt"/>
+                <a:ea typeface="+mn-ea"/>
+                <a:cs typeface="+mn-cs"/>
+              </a:defRPr>
+            </a:lvl5pPr>
+            <a:lvl6pPr marL="1100000" indent="-228600" algn="l" defTabSz="914400" rtl="0" eaLnBrk="1" latinLnBrk="0" hangingPunct="1">
+              <a:lnSpc>
+                <a:spcPct val="90000"/>
+              </a:lnSpc>
+              <a:spcBef>
+                <a:spcPts val="200"/>
+              </a:spcBef>
+              <a:spcAft>
+                <a:spcPts val="400"/>
+              </a:spcAft>
+              <a:buClr>
+                <a:schemeClr val="accent1"/>
+              </a:buClr>
+              <a:buFont typeface="Calibri" pitchFamily="34" charset="0"/>
+              <a:buChar char="◦"/>
+              <a:defRPr sz="1400" kern="1200">
+                <a:solidFill>
+                  <a:schemeClr val="tx1">
+                    <a:lumMod val="75000"/>
+                    <a:lumOff val="25000"/>
+                  </a:schemeClr>
+                </a:solidFill>
+                <a:latin typeface="+mn-lt"/>
+                <a:ea typeface="+mn-ea"/>
+                <a:cs typeface="+mn-cs"/>
+              </a:defRPr>
+            </a:lvl6pPr>
+            <a:lvl7pPr marL="1300000" indent="-228600" algn="l" defTabSz="914400" rtl="0" eaLnBrk="1" latinLnBrk="0" hangingPunct="1">
+              <a:lnSpc>
+                <a:spcPct val="90000"/>
+              </a:lnSpc>
+              <a:spcBef>
+                <a:spcPts val="200"/>
+              </a:spcBef>
+              <a:spcAft>
+                <a:spcPts val="400"/>
+              </a:spcAft>
+              <a:buClr>
+                <a:schemeClr val="accent1"/>
+              </a:buClr>
+              <a:buFont typeface="Calibri" pitchFamily="34" charset="0"/>
+              <a:buChar char="◦"/>
+              <a:defRPr sz="1400" kern="1200">
+                <a:solidFill>
+                  <a:schemeClr val="tx1">
+                    <a:lumMod val="75000"/>
+                    <a:lumOff val="25000"/>
+                  </a:schemeClr>
+                </a:solidFill>
+                <a:latin typeface="+mn-lt"/>
+                <a:ea typeface="+mn-ea"/>
+                <a:cs typeface="+mn-cs"/>
+              </a:defRPr>
+            </a:lvl7pPr>
+            <a:lvl8pPr marL="1500000" indent="-228600" algn="l" defTabSz="914400" rtl="0" eaLnBrk="1" latinLnBrk="0" hangingPunct="1">
+              <a:lnSpc>
+                <a:spcPct val="90000"/>
+              </a:lnSpc>
+              <a:spcBef>
+                <a:spcPts val="200"/>
+              </a:spcBef>
+              <a:spcAft>
+                <a:spcPts val="400"/>
+              </a:spcAft>
+              <a:buClr>
+                <a:schemeClr val="accent1"/>
+              </a:buClr>
+              <a:buFont typeface="Calibri" pitchFamily="34" charset="0"/>
+              <a:buChar char="◦"/>
+              <a:defRPr sz="1400" kern="1200">
+                <a:solidFill>
+                  <a:schemeClr val="tx1">
+                    <a:lumMod val="75000"/>
+                    <a:lumOff val="25000"/>
+                  </a:schemeClr>
+                </a:solidFill>
+                <a:latin typeface="+mn-lt"/>
+                <a:ea typeface="+mn-ea"/>
+                <a:cs typeface="+mn-cs"/>
+              </a:defRPr>
+            </a:lvl8pPr>
+            <a:lvl9pPr marL="1700000" indent="-228600" algn="l" defTabSz="914400" rtl="0" eaLnBrk="1" latinLnBrk="0" hangingPunct="1">
+              <a:lnSpc>
+                <a:spcPct val="90000"/>
+              </a:lnSpc>
+              <a:spcBef>
+                <a:spcPts val="200"/>
+              </a:spcBef>
+              <a:spcAft>
+                <a:spcPts val="400"/>
+              </a:spcAft>
+              <a:buClr>
+                <a:schemeClr val="accent1"/>
+              </a:buClr>
+              <a:buFont typeface="Calibri" pitchFamily="34" charset="0"/>
+              <a:buChar char="◦"/>
+              <a:defRPr sz="1400" kern="1200">
+                <a:solidFill>
+                  <a:schemeClr val="tx1">
+                    <a:lumMod val="75000"/>
+                    <a:lumOff val="25000"/>
+                  </a:schemeClr>
+                </a:solidFill>
+                <a:latin typeface="+mn-lt"/>
+                <a:ea typeface="+mn-ea"/>
+                <a:cs typeface="+mn-cs"/>
+              </a:defRPr>
+            </a:lvl9pPr>
+          </a:lstStyle>
+          <a:p>
+            <a:r>
+              <a:rPr lang="es-MX" dirty="0"/>
+              <a:t>Reporte de avance individual por entrega.</a:t>
+            </a:r>
+          </a:p>
+        </p:txBody>
+      </p:sp>
+    </p:spTree>
+    <p:extLst>
+      <p:ext uri="{BB962C8B-B14F-4D97-AF65-F5344CB8AC3E}">
+        <p14:creationId xmlns:p14="http://schemas.microsoft.com/office/powerpoint/2010/main" val="2963769589"/>
+      </p:ext>
+    </p:extLst>
+  </p:cSld>
+  <p:clrMapOvr>
+    <a:masterClrMapping/>
+  </p:clrMapOvr>
+</p:sld>
+</file>
+
+<file path=ppt/slides/slide9.xml><?xml version="1.0" encoding="utf-8"?>
+<p:sld xmlns:a="http://schemas.openxmlformats.org/drawingml/2006/main" xmlns:r="http://schemas.openxmlformats.org/officeDocument/2006/relationships" xmlns:p="http://schemas.openxmlformats.org/presentationml/2006/main">
+  <p:cSld>
+    <p:spTree>
+      <p:nvGrpSpPr>
+        <p:cNvPr id="1" name=""/>
+        <p:cNvGrpSpPr/>
+        <p:nvPr/>
+      </p:nvGrpSpPr>
+      <p:grpSpPr>
+        <a:xfrm>
+          <a:off x="0" y="0"/>
+          <a:ext cx="0" cy="0"/>
+          <a:chOff x="0" y="0"/>
+          <a:chExt cx="0" cy="0"/>
+        </a:xfrm>
+      </p:grpSpPr>
+      <p:sp>
+        <p:nvSpPr>
+          <p:cNvPr id="3" name="Marcador de contenido 2">
+            <a:extLst>
+              <a:ext uri="{FF2B5EF4-FFF2-40B4-BE49-F238E27FC236}">
+                <a16:creationId xmlns:a16="http://schemas.microsoft.com/office/drawing/2014/main" id="{7647D46B-81B2-401D-8E56-328157C60C03}"/>
+              </a:ext>
+            </a:extLst>
+          </p:cNvPr>
+          <p:cNvSpPr txBox="1">
+            <a:spLocks/>
+          </p:cNvSpPr>
+          <p:nvPr/>
+        </p:nvSpPr>
+        <p:spPr>
+          <a:xfrm>
+            <a:off x="1066800" y="629676"/>
+            <a:ext cx="10058400" cy="4023360"/>
+          </a:xfrm>
+          <a:prstGeom prst="rect">
+            <a:avLst/>
+          </a:prstGeom>
+        </p:spPr>
+        <p:txBody>
+          <a:bodyPr/>
+          <a:lstStyle>
+            <a:lvl1pPr marL="91440" indent="-91440" algn="l" defTabSz="914400" rtl="0" eaLnBrk="1" latinLnBrk="0" hangingPunct="1">
+              <a:lnSpc>
+                <a:spcPct val="90000"/>
+              </a:lnSpc>
+              <a:spcBef>
+                <a:spcPts val="1200"/>
+              </a:spcBef>
+              <a:spcAft>
+                <a:spcPts val="200"/>
+              </a:spcAft>
+              <a:buClr>
+                <a:schemeClr val="accent1"/>
+              </a:buClr>
+              <a:buSzPct val="100000"/>
+              <a:buFont typeface="Calibri" panose="020F0502020204030204" pitchFamily="34" charset="0"/>
+              <a:buChar char=" "/>
+              <a:defRPr sz="2000" kern="1200">
+                <a:solidFill>
+                  <a:schemeClr val="tx1">
+                    <a:lumMod val="75000"/>
+                    <a:lumOff val="25000"/>
+                  </a:schemeClr>
+                </a:solidFill>
+                <a:latin typeface="+mn-lt"/>
+                <a:ea typeface="+mn-ea"/>
+                <a:cs typeface="+mn-cs"/>
+              </a:defRPr>
+            </a:lvl1pPr>
+            <a:lvl2pPr marL="384048" indent="-182880" algn="l" defTabSz="914400" rtl="0" eaLnBrk="1" latinLnBrk="0" hangingPunct="1">
+              <a:lnSpc>
+                <a:spcPct val="90000"/>
+              </a:lnSpc>
+              <a:spcBef>
+                <a:spcPts val="200"/>
+              </a:spcBef>
+              <a:spcAft>
+                <a:spcPts val="400"/>
+              </a:spcAft>
+              <a:buClr>
+                <a:schemeClr val="accent1"/>
+              </a:buClr>
+              <a:buFont typeface="Calibri" pitchFamily="34" charset="0"/>
+              <a:buChar char="◦"/>
+              <a:defRPr sz="1800" kern="1200">
+                <a:solidFill>
+                  <a:schemeClr val="tx1">
+                    <a:lumMod val="75000"/>
+                    <a:lumOff val="25000"/>
+                  </a:schemeClr>
+                </a:solidFill>
+                <a:latin typeface="+mn-lt"/>
+                <a:ea typeface="+mn-ea"/>
+                <a:cs typeface="+mn-cs"/>
+              </a:defRPr>
+            </a:lvl2pPr>
+            <a:lvl3pPr marL="566928" indent="-182880" algn="l" defTabSz="914400" rtl="0" eaLnBrk="1" latinLnBrk="0" hangingPunct="1">
+              <a:lnSpc>
+                <a:spcPct val="90000"/>
+              </a:lnSpc>
+              <a:spcBef>
+                <a:spcPts val="200"/>
+              </a:spcBef>
+              <a:spcAft>
+                <a:spcPts val="400"/>
+              </a:spcAft>
+              <a:buClr>
+                <a:schemeClr val="accent1"/>
+              </a:buClr>
+              <a:buFont typeface="Calibri" pitchFamily="34" charset="0"/>
+              <a:buChar char="◦"/>
+              <a:defRPr sz="1400" kern="1200">
+                <a:solidFill>
+                  <a:schemeClr val="tx1">
+                    <a:lumMod val="75000"/>
+                    <a:lumOff val="25000"/>
+                  </a:schemeClr>
+                </a:solidFill>
+                <a:latin typeface="+mn-lt"/>
+                <a:ea typeface="+mn-ea"/>
+                <a:cs typeface="+mn-cs"/>
+              </a:defRPr>
+            </a:lvl3pPr>
+            <a:lvl4pPr marL="749808" indent="-182880" algn="l" defTabSz="914400" rtl="0" eaLnBrk="1" latinLnBrk="0" hangingPunct="1">
+              <a:lnSpc>
+                <a:spcPct val="90000"/>
+              </a:lnSpc>
+              <a:spcBef>
+                <a:spcPts val="200"/>
+              </a:spcBef>
+              <a:spcAft>
+                <a:spcPts val="400"/>
+              </a:spcAft>
+              <a:buClr>
+                <a:schemeClr val="accent1"/>
+              </a:buClr>
+              <a:buFont typeface="Calibri" pitchFamily="34" charset="0"/>
+              <a:buChar char="◦"/>
+              <a:defRPr sz="1400" kern="1200">
+                <a:solidFill>
+                  <a:schemeClr val="tx1">
+                    <a:lumMod val="75000"/>
+                    <a:lumOff val="25000"/>
+                  </a:schemeClr>
+                </a:solidFill>
+                <a:latin typeface="+mn-lt"/>
+                <a:ea typeface="+mn-ea"/>
+                <a:cs typeface="+mn-cs"/>
+              </a:defRPr>
+            </a:lvl4pPr>
+            <a:lvl5pPr marL="932688" indent="-182880" algn="l" defTabSz="914400" rtl="0" eaLnBrk="1" latinLnBrk="0" hangingPunct="1">
+              <a:lnSpc>
+                <a:spcPct val="90000"/>
+              </a:lnSpc>
+              <a:spcBef>
+                <a:spcPts val="200"/>
+              </a:spcBef>
+              <a:spcAft>
+                <a:spcPts val="400"/>
+              </a:spcAft>
+              <a:buClr>
+                <a:schemeClr val="accent1"/>
+              </a:buClr>
+              <a:buFont typeface="Calibri" pitchFamily="34" charset="0"/>
+              <a:buChar char="◦"/>
+              <a:defRPr sz="1400" kern="1200">
+                <a:solidFill>
+                  <a:schemeClr val="tx1">
+                    <a:lumMod val="75000"/>
+                    <a:lumOff val="25000"/>
+                  </a:schemeClr>
+                </a:solidFill>
+                <a:latin typeface="+mn-lt"/>
+                <a:ea typeface="+mn-ea"/>
+                <a:cs typeface="+mn-cs"/>
+              </a:defRPr>
+            </a:lvl5pPr>
+            <a:lvl6pPr marL="1100000" indent="-228600" algn="l" defTabSz="914400" rtl="0" eaLnBrk="1" latinLnBrk="0" hangingPunct="1">
+              <a:lnSpc>
+                <a:spcPct val="90000"/>
+              </a:lnSpc>
+              <a:spcBef>
+                <a:spcPts val="200"/>
+              </a:spcBef>
+              <a:spcAft>
+                <a:spcPts val="400"/>
+              </a:spcAft>
+              <a:buClr>
+                <a:schemeClr val="accent1"/>
+              </a:buClr>
+              <a:buFont typeface="Calibri" pitchFamily="34" charset="0"/>
+              <a:buChar char="◦"/>
+              <a:defRPr sz="1400" kern="1200">
+                <a:solidFill>
+                  <a:schemeClr val="tx1">
+                    <a:lumMod val="75000"/>
+                    <a:lumOff val="25000"/>
+                  </a:schemeClr>
+                </a:solidFill>
+                <a:latin typeface="+mn-lt"/>
+                <a:ea typeface="+mn-ea"/>
+                <a:cs typeface="+mn-cs"/>
+              </a:defRPr>
+            </a:lvl6pPr>
+            <a:lvl7pPr marL="1300000" indent="-228600" algn="l" defTabSz="914400" rtl="0" eaLnBrk="1" latinLnBrk="0" hangingPunct="1">
+              <a:lnSpc>
+                <a:spcPct val="90000"/>
+              </a:lnSpc>
+              <a:spcBef>
+                <a:spcPts val="200"/>
+              </a:spcBef>
+              <a:spcAft>
+                <a:spcPts val="400"/>
+              </a:spcAft>
+              <a:buClr>
+                <a:schemeClr val="accent1"/>
+              </a:buClr>
+              <a:buFont typeface="Calibri" pitchFamily="34" charset="0"/>
+              <a:buChar char="◦"/>
+              <a:defRPr sz="1400" kern="1200">
+                <a:solidFill>
+                  <a:schemeClr val="tx1">
+                    <a:lumMod val="75000"/>
+                    <a:lumOff val="25000"/>
+                  </a:schemeClr>
+                </a:solidFill>
+                <a:latin typeface="+mn-lt"/>
+                <a:ea typeface="+mn-ea"/>
+                <a:cs typeface="+mn-cs"/>
+              </a:defRPr>
+            </a:lvl7pPr>
+            <a:lvl8pPr marL="1500000" indent="-228600" algn="l" defTabSz="914400" rtl="0" eaLnBrk="1" latinLnBrk="0" hangingPunct="1">
+              <a:lnSpc>
+                <a:spcPct val="90000"/>
+              </a:lnSpc>
+              <a:spcBef>
+                <a:spcPts val="200"/>
+              </a:spcBef>
+              <a:spcAft>
+                <a:spcPts val="400"/>
+              </a:spcAft>
+              <a:buClr>
+                <a:schemeClr val="accent1"/>
+              </a:buClr>
+              <a:buFont typeface="Calibri" pitchFamily="34" charset="0"/>
+              <a:buChar char="◦"/>
+              <a:defRPr sz="1400" kern="1200">
+                <a:solidFill>
+                  <a:schemeClr val="tx1">
+                    <a:lumMod val="75000"/>
+                    <a:lumOff val="25000"/>
+                  </a:schemeClr>
+                </a:solidFill>
+                <a:latin typeface="+mn-lt"/>
+                <a:ea typeface="+mn-ea"/>
+                <a:cs typeface="+mn-cs"/>
+              </a:defRPr>
+            </a:lvl8pPr>
+            <a:lvl9pPr marL="1700000" indent="-228600" algn="l" defTabSz="914400" rtl="0" eaLnBrk="1" latinLnBrk="0" hangingPunct="1">
+              <a:lnSpc>
+                <a:spcPct val="90000"/>
+              </a:lnSpc>
+              <a:spcBef>
+                <a:spcPts val="200"/>
+              </a:spcBef>
+              <a:spcAft>
+                <a:spcPts val="400"/>
+              </a:spcAft>
+              <a:buClr>
+                <a:schemeClr val="accent1"/>
+              </a:buClr>
+              <a:buFont typeface="Calibri" pitchFamily="34" charset="0"/>
+              <a:buChar char="◦"/>
+              <a:defRPr sz="1400" kern="1200">
+                <a:solidFill>
+                  <a:schemeClr val="tx1">
+                    <a:lumMod val="75000"/>
+                    <a:lumOff val="25000"/>
+                  </a:schemeClr>
+                </a:solidFill>
+                <a:latin typeface="+mn-lt"/>
+                <a:ea typeface="+mn-ea"/>
+                <a:cs typeface="+mn-cs"/>
+              </a:defRPr>
+            </a:lvl9pPr>
+          </a:lstStyle>
+          <a:p>
+            <a:r>
+              <a:rPr lang="es-MX" dirty="0"/>
+              <a:t>Reporte de contribución general basada en elementos objetivos (medibles) de la participación individual en todo el proyecto</a:t>
+            </a:r>
+          </a:p>
+        </p:txBody>
+      </p:sp>
+    </p:spTree>
+    <p:extLst>
+      <p:ext uri="{BB962C8B-B14F-4D97-AF65-F5344CB8AC3E}">
+        <p14:creationId xmlns:p14="http://schemas.microsoft.com/office/powerpoint/2010/main" val="18562555"/>
       </p:ext>
     </p:extLst>
   </p:cSld>
